--- a/Documentation/ZEUS Presentation.pptx
+++ b/Documentation/ZEUS Presentation.pptx
@@ -6,12 +6,23 @@
     <p:sldMasterId id="2147483663" r:id="rId2"/>
   </p:sldMasterIdLst>
   <p:notesMasterIdLst>
-    <p:notesMasterId r:id="rId6"/>
+    <p:notesMasterId r:id="rId17"/>
   </p:notesMasterIdLst>
   <p:sldIdLst>
     <p:sldId id="256" r:id="rId3"/>
-    <p:sldId id="257" r:id="rId4"/>
-    <p:sldId id="258" r:id="rId5"/>
+    <p:sldId id="259" r:id="rId4"/>
+    <p:sldId id="257" r:id="rId5"/>
+    <p:sldId id="258" r:id="rId6"/>
+    <p:sldId id="260" r:id="rId7"/>
+    <p:sldId id="262" r:id="rId8"/>
+    <p:sldId id="263" r:id="rId9"/>
+    <p:sldId id="264" r:id="rId10"/>
+    <p:sldId id="267" r:id="rId11"/>
+    <p:sldId id="265" r:id="rId12"/>
+    <p:sldId id="266" r:id="rId13"/>
+    <p:sldId id="268" r:id="rId14"/>
+    <p:sldId id="269" r:id="rId15"/>
+    <p:sldId id="270" r:id="rId16"/>
   </p:sldIdLst>
   <p:sldSz cx="12192000" cy="6858000"/>
   <p:notesSz cx="6858000" cy="9144000"/>
@@ -110,6 +121,11 @@
       </a:defRPr>
     </a:lvl9pPr>
   </p:defaultTextStyle>
+  <p:extLst>
+    <p:ext uri="{EFAFB233-063F-42B5-8137-9DF3F51BA10A}">
+      <p15:sldGuideLst xmlns:p15="http://schemas.microsoft.com/office/powerpoint/2012/main"/>
+    </p:ext>
+  </p:extLst>
 </p:presentation>
 </file>
 
@@ -195,7 +211,7 @@
           <a:p>
             <a:fld id="{8EA2BE57-CCDD-4F73-9E76-5388938125C5}" type="datetimeFigureOut">
               <a:rPr lang="en-GB" smtClean="0"/>
-              <a:t>15/04/2018</a:t>
+              <a:t>17/04/2018</a:t>
             </a:fld>
             <a:endParaRPr lang="en-GB"/>
           </a:p>
@@ -531,7 +547,7 @@
           <a:p>
             <a:fld id="{53F45ECA-3E3E-4B6E-888C-D3F1B4F94A78}" type="slidenum">
               <a:rPr lang="en-GB" smtClean="0"/>
-              <a:t>2</a:t>
+              <a:t>3</a:t>
             </a:fld>
             <a:endParaRPr lang="en-GB"/>
           </a:p>
@@ -541,6 +557,174 @@
     <p:extLst>
       <p:ext uri="{BB962C8B-B14F-4D97-AF65-F5344CB8AC3E}">
         <p14:creationId xmlns:p14="http://schemas.microsoft.com/office/powerpoint/2010/main" val="2494812321"/>
+      </p:ext>
+    </p:extLst>
+  </p:cSld>
+  <p:clrMapOvr>
+    <a:masterClrMapping/>
+  </p:clrMapOvr>
+</p:notes>
+</file>
+
+<file path=ppt/notesSlides/notesSlide2.xml><?xml version="1.0" encoding="utf-8"?>
+<p:notes xmlns:a="http://schemas.openxmlformats.org/drawingml/2006/main" xmlns:r="http://schemas.openxmlformats.org/officeDocument/2006/relationships" xmlns:p="http://schemas.openxmlformats.org/presentationml/2006/main">
+  <p:cSld>
+    <p:spTree>
+      <p:nvGrpSpPr>
+        <p:cNvPr id="1" name=""/>
+        <p:cNvGrpSpPr/>
+        <p:nvPr/>
+      </p:nvGrpSpPr>
+      <p:grpSpPr>
+        <a:xfrm>
+          <a:off x="0" y="0"/>
+          <a:ext cx="0" cy="0"/>
+          <a:chOff x="0" y="0"/>
+          <a:chExt cx="0" cy="0"/>
+        </a:xfrm>
+      </p:grpSpPr>
+      <p:sp>
+        <p:nvSpPr>
+          <p:cNvPr id="2" name="Slide Image Placeholder 1"/>
+          <p:cNvSpPr>
+            <a:spLocks noGrp="1" noRot="1" noChangeAspect="1"/>
+          </p:cNvSpPr>
+          <p:nvPr>
+            <p:ph type="sldImg"/>
+          </p:nvPr>
+        </p:nvSpPr>
+        <p:spPr/>
+      </p:sp>
+      <p:sp>
+        <p:nvSpPr>
+          <p:cNvPr id="3" name="Notes Placeholder 2"/>
+          <p:cNvSpPr>
+            <a:spLocks noGrp="1"/>
+          </p:cNvSpPr>
+          <p:nvPr>
+            <p:ph type="body" idx="1"/>
+          </p:nvPr>
+        </p:nvSpPr>
+        <p:spPr/>
+        <p:txBody>
+          <a:bodyPr/>
+          <a:lstStyle/>
+          <a:p>
+            <a:endParaRPr lang="en-GB" dirty="0"/>
+          </a:p>
+        </p:txBody>
+      </p:sp>
+      <p:sp>
+        <p:nvSpPr>
+          <p:cNvPr id="4" name="Slide Number Placeholder 3"/>
+          <p:cNvSpPr>
+            <a:spLocks noGrp="1"/>
+          </p:cNvSpPr>
+          <p:nvPr>
+            <p:ph type="sldNum" sz="quarter" idx="10"/>
+          </p:nvPr>
+        </p:nvSpPr>
+        <p:spPr/>
+        <p:txBody>
+          <a:bodyPr/>
+          <a:lstStyle/>
+          <a:p>
+            <a:fld id="{53F45ECA-3E3E-4B6E-888C-D3F1B4F94A78}" type="slidenum">
+              <a:rPr lang="en-GB" smtClean="0"/>
+              <a:t>9</a:t>
+            </a:fld>
+            <a:endParaRPr lang="en-GB"/>
+          </a:p>
+        </p:txBody>
+      </p:sp>
+    </p:spTree>
+    <p:extLst>
+      <p:ext uri="{BB962C8B-B14F-4D97-AF65-F5344CB8AC3E}">
+        <p14:creationId xmlns:p14="http://schemas.microsoft.com/office/powerpoint/2010/main" val="3676113839"/>
+      </p:ext>
+    </p:extLst>
+  </p:cSld>
+  <p:clrMapOvr>
+    <a:masterClrMapping/>
+  </p:clrMapOvr>
+</p:notes>
+</file>
+
+<file path=ppt/notesSlides/notesSlide3.xml><?xml version="1.0" encoding="utf-8"?>
+<p:notes xmlns:a="http://schemas.openxmlformats.org/drawingml/2006/main" xmlns:r="http://schemas.openxmlformats.org/officeDocument/2006/relationships" xmlns:p="http://schemas.openxmlformats.org/presentationml/2006/main">
+  <p:cSld>
+    <p:spTree>
+      <p:nvGrpSpPr>
+        <p:cNvPr id="1" name=""/>
+        <p:cNvGrpSpPr/>
+        <p:nvPr/>
+      </p:nvGrpSpPr>
+      <p:grpSpPr>
+        <a:xfrm>
+          <a:off x="0" y="0"/>
+          <a:ext cx="0" cy="0"/>
+          <a:chOff x="0" y="0"/>
+          <a:chExt cx="0" cy="0"/>
+        </a:xfrm>
+      </p:grpSpPr>
+      <p:sp>
+        <p:nvSpPr>
+          <p:cNvPr id="2" name="Slide Image Placeholder 1"/>
+          <p:cNvSpPr>
+            <a:spLocks noGrp="1" noRot="1" noChangeAspect="1"/>
+          </p:cNvSpPr>
+          <p:nvPr>
+            <p:ph type="sldImg"/>
+          </p:nvPr>
+        </p:nvSpPr>
+        <p:spPr/>
+      </p:sp>
+      <p:sp>
+        <p:nvSpPr>
+          <p:cNvPr id="3" name="Notes Placeholder 2"/>
+          <p:cNvSpPr>
+            <a:spLocks noGrp="1"/>
+          </p:cNvSpPr>
+          <p:nvPr>
+            <p:ph type="body" idx="1"/>
+          </p:nvPr>
+        </p:nvSpPr>
+        <p:spPr/>
+        <p:txBody>
+          <a:bodyPr/>
+          <a:lstStyle/>
+          <a:p>
+            <a:endParaRPr lang="en-GB" dirty="0"/>
+          </a:p>
+        </p:txBody>
+      </p:sp>
+      <p:sp>
+        <p:nvSpPr>
+          <p:cNvPr id="4" name="Slide Number Placeholder 3"/>
+          <p:cNvSpPr>
+            <a:spLocks noGrp="1"/>
+          </p:cNvSpPr>
+          <p:nvPr>
+            <p:ph type="sldNum" sz="quarter" idx="10"/>
+          </p:nvPr>
+        </p:nvSpPr>
+        <p:spPr/>
+        <p:txBody>
+          <a:bodyPr/>
+          <a:lstStyle/>
+          <a:p>
+            <a:fld id="{53F45ECA-3E3E-4B6E-888C-D3F1B4F94A78}" type="slidenum">
+              <a:rPr lang="en-GB" smtClean="0"/>
+              <a:t>11</a:t>
+            </a:fld>
+            <a:endParaRPr lang="en-GB"/>
+          </a:p>
+        </p:txBody>
+      </p:sp>
+    </p:spTree>
+    <p:extLst>
+      <p:ext uri="{BB962C8B-B14F-4D97-AF65-F5344CB8AC3E}">
+        <p14:creationId xmlns:p14="http://schemas.microsoft.com/office/powerpoint/2010/main" val="1624864385"/>
       </p:ext>
     </p:extLst>
   </p:cSld>
@@ -585,8 +769,8 @@
         </p:nvSpPr>
         <p:spPr>
           <a:xfrm>
-            <a:off x="1524000" y="1122363"/>
-            <a:ext cx="9144000" cy="2387600"/>
+            <a:off x="1524000" y="2081893"/>
+            <a:ext cx="9144000" cy="1428070"/>
           </a:xfrm>
         </p:spPr>
         <p:txBody>
@@ -598,10 +782,10 @@
           </a:lstStyle>
           <a:p>
             <a:r>
-              <a:rPr lang="en-US"/>
+              <a:rPr lang="en-US" dirty="0"/>
               <a:t>Click to edit Master title style</a:t>
             </a:r>
-            <a:endParaRPr lang="en-GB"/>
+            <a:endParaRPr lang="en-GB" dirty="0"/>
           </a:p>
         </p:txBody>
       </p:sp>
@@ -699,7 +883,7 @@
           <a:p>
             <a:fld id="{3EEEED0C-8388-4B3A-AFE2-92CF7B84689C}" type="datetimeFigureOut">
               <a:rPr lang="en-GB" smtClean="0"/>
-              <a:t>15/04/2018</a:t>
+              <a:t>17/04/2018</a:t>
             </a:fld>
             <a:endParaRPr lang="en-GB"/>
           </a:p>
@@ -773,6 +957,2341 @@
 </file>
 
 <file path=ppt/slideLayouts/slideLayout10.xml><?xml version="1.0" encoding="utf-8"?>
+<p:sldLayout xmlns:a="http://schemas.openxmlformats.org/drawingml/2006/main" xmlns:r="http://schemas.openxmlformats.org/officeDocument/2006/relationships" xmlns:p="http://schemas.openxmlformats.org/presentationml/2006/main" type="picTx" preserve="1">
+  <p:cSld name="Picture with Caption">
+    <p:spTree>
+      <p:nvGrpSpPr>
+        <p:cNvPr id="1" name=""/>
+        <p:cNvGrpSpPr/>
+        <p:nvPr/>
+      </p:nvGrpSpPr>
+      <p:grpSpPr>
+        <a:xfrm>
+          <a:off x="0" y="0"/>
+          <a:ext cx="0" cy="0"/>
+          <a:chOff x="0" y="0"/>
+          <a:chExt cx="0" cy="0"/>
+        </a:xfrm>
+      </p:grpSpPr>
+      <p:sp>
+        <p:nvSpPr>
+          <p:cNvPr id="2" name="Title 1">
+            <a:extLst>
+              <a:ext uri="{FF2B5EF4-FFF2-40B4-BE49-F238E27FC236}">
+                <a16:creationId xmlns:a16="http://schemas.microsoft.com/office/drawing/2014/main" id="{359C96EC-2E7A-49BE-A517-089A1AFDB431}"/>
+              </a:ext>
+            </a:extLst>
+          </p:cNvPr>
+          <p:cNvSpPr>
+            <a:spLocks noGrp="1"/>
+          </p:cNvSpPr>
+          <p:nvPr>
+            <p:ph type="title"/>
+          </p:nvPr>
+        </p:nvSpPr>
+        <p:spPr>
+          <a:xfrm>
+            <a:off x="839788" y="457200"/>
+            <a:ext cx="3932237" cy="1600200"/>
+          </a:xfrm>
+        </p:spPr>
+        <p:txBody>
+          <a:bodyPr anchor="b"/>
+          <a:lstStyle>
+            <a:lvl1pPr>
+              <a:defRPr sz="3200"/>
+            </a:lvl1pPr>
+          </a:lstStyle>
+          <a:p>
+            <a:r>
+              <a:rPr lang="en-US"/>
+              <a:t>Click to edit Master title style</a:t>
+            </a:r>
+            <a:endParaRPr lang="en-GB"/>
+          </a:p>
+        </p:txBody>
+      </p:sp>
+      <p:sp>
+        <p:nvSpPr>
+          <p:cNvPr id="3" name="Picture Placeholder 2">
+            <a:extLst>
+              <a:ext uri="{FF2B5EF4-FFF2-40B4-BE49-F238E27FC236}">
+                <a16:creationId xmlns:a16="http://schemas.microsoft.com/office/drawing/2014/main" id="{D4A7E02F-C621-4F37-B901-3814CC6B19E2}"/>
+              </a:ext>
+            </a:extLst>
+          </p:cNvPr>
+          <p:cNvSpPr>
+            <a:spLocks noGrp="1"/>
+          </p:cNvSpPr>
+          <p:nvPr>
+            <p:ph type="pic" idx="1"/>
+          </p:nvPr>
+        </p:nvSpPr>
+        <p:spPr>
+          <a:xfrm>
+            <a:off x="5183188" y="987425"/>
+            <a:ext cx="6172200" cy="4873625"/>
+          </a:xfrm>
+        </p:spPr>
+        <p:txBody>
+          <a:bodyPr/>
+          <a:lstStyle>
+            <a:lvl1pPr marL="0" indent="0">
+              <a:buNone/>
+              <a:defRPr sz="3200"/>
+            </a:lvl1pPr>
+            <a:lvl2pPr marL="457200" indent="0">
+              <a:buNone/>
+              <a:defRPr sz="2800"/>
+            </a:lvl2pPr>
+            <a:lvl3pPr marL="914400" indent="0">
+              <a:buNone/>
+              <a:defRPr sz="2400"/>
+            </a:lvl3pPr>
+            <a:lvl4pPr marL="1371600" indent="0">
+              <a:buNone/>
+              <a:defRPr sz="2000"/>
+            </a:lvl4pPr>
+            <a:lvl5pPr marL="1828800" indent="0">
+              <a:buNone/>
+              <a:defRPr sz="2000"/>
+            </a:lvl5pPr>
+            <a:lvl6pPr marL="2286000" indent="0">
+              <a:buNone/>
+              <a:defRPr sz="2000"/>
+            </a:lvl6pPr>
+            <a:lvl7pPr marL="2743200" indent="0">
+              <a:buNone/>
+              <a:defRPr sz="2000"/>
+            </a:lvl7pPr>
+            <a:lvl8pPr marL="3200400" indent="0">
+              <a:buNone/>
+              <a:defRPr sz="2000"/>
+            </a:lvl8pPr>
+            <a:lvl9pPr marL="3657600" indent="0">
+              <a:buNone/>
+              <a:defRPr sz="2000"/>
+            </a:lvl9pPr>
+          </a:lstStyle>
+          <a:p>
+            <a:endParaRPr lang="en-GB"/>
+          </a:p>
+        </p:txBody>
+      </p:sp>
+      <p:sp>
+        <p:nvSpPr>
+          <p:cNvPr id="4" name="Text Placeholder 3">
+            <a:extLst>
+              <a:ext uri="{FF2B5EF4-FFF2-40B4-BE49-F238E27FC236}">
+                <a16:creationId xmlns:a16="http://schemas.microsoft.com/office/drawing/2014/main" id="{D798D694-FF40-4C52-B912-0BD17C12EE24}"/>
+              </a:ext>
+            </a:extLst>
+          </p:cNvPr>
+          <p:cNvSpPr>
+            <a:spLocks noGrp="1"/>
+          </p:cNvSpPr>
+          <p:nvPr>
+            <p:ph type="body" sz="half" idx="2"/>
+          </p:nvPr>
+        </p:nvSpPr>
+        <p:spPr>
+          <a:xfrm>
+            <a:off x="839788" y="2057400"/>
+            <a:ext cx="3932237" cy="3811588"/>
+          </a:xfrm>
+        </p:spPr>
+        <p:txBody>
+          <a:bodyPr/>
+          <a:lstStyle>
+            <a:lvl1pPr marL="0" indent="0">
+              <a:buNone/>
+              <a:defRPr sz="1600"/>
+            </a:lvl1pPr>
+            <a:lvl2pPr marL="457200" indent="0">
+              <a:buNone/>
+              <a:defRPr sz="1400"/>
+            </a:lvl2pPr>
+            <a:lvl3pPr marL="914400" indent="0">
+              <a:buNone/>
+              <a:defRPr sz="1200"/>
+            </a:lvl3pPr>
+            <a:lvl4pPr marL="1371600" indent="0">
+              <a:buNone/>
+              <a:defRPr sz="1000"/>
+            </a:lvl4pPr>
+            <a:lvl5pPr marL="1828800" indent="0">
+              <a:buNone/>
+              <a:defRPr sz="1000"/>
+            </a:lvl5pPr>
+            <a:lvl6pPr marL="2286000" indent="0">
+              <a:buNone/>
+              <a:defRPr sz="1000"/>
+            </a:lvl6pPr>
+            <a:lvl7pPr marL="2743200" indent="0">
+              <a:buNone/>
+              <a:defRPr sz="1000"/>
+            </a:lvl7pPr>
+            <a:lvl8pPr marL="3200400" indent="0">
+              <a:buNone/>
+              <a:defRPr sz="1000"/>
+            </a:lvl8pPr>
+            <a:lvl9pPr marL="3657600" indent="0">
+              <a:buNone/>
+              <a:defRPr sz="1000"/>
+            </a:lvl9pPr>
+          </a:lstStyle>
+          <a:p>
+            <a:pPr lvl="0"/>
+            <a:r>
+              <a:rPr lang="en-US"/>
+              <a:t>Edit Master text styles</a:t>
+            </a:r>
+          </a:p>
+        </p:txBody>
+      </p:sp>
+      <p:sp>
+        <p:nvSpPr>
+          <p:cNvPr id="5" name="Date Placeholder 4">
+            <a:extLst>
+              <a:ext uri="{FF2B5EF4-FFF2-40B4-BE49-F238E27FC236}">
+                <a16:creationId xmlns:a16="http://schemas.microsoft.com/office/drawing/2014/main" id="{762923C3-3905-413A-AC7F-F79D7AF08B6D}"/>
+              </a:ext>
+            </a:extLst>
+          </p:cNvPr>
+          <p:cNvSpPr>
+            <a:spLocks noGrp="1"/>
+          </p:cNvSpPr>
+          <p:nvPr>
+            <p:ph type="dt" sz="half" idx="10"/>
+          </p:nvPr>
+        </p:nvSpPr>
+        <p:spPr/>
+        <p:txBody>
+          <a:bodyPr/>
+          <a:lstStyle/>
+          <a:p>
+            <a:fld id="{15EF62BA-89F7-4AEF-9B54-5BB470E2DCC6}" type="datetimeFigureOut">
+              <a:rPr lang="en-GB" smtClean="0"/>
+              <a:t>17/04/2018</a:t>
+            </a:fld>
+            <a:endParaRPr lang="en-GB"/>
+          </a:p>
+        </p:txBody>
+      </p:sp>
+      <p:sp>
+        <p:nvSpPr>
+          <p:cNvPr id="6" name="Footer Placeholder 5">
+            <a:extLst>
+              <a:ext uri="{FF2B5EF4-FFF2-40B4-BE49-F238E27FC236}">
+                <a16:creationId xmlns:a16="http://schemas.microsoft.com/office/drawing/2014/main" id="{11946138-741A-4648-8D2D-2939AA168847}"/>
+              </a:ext>
+            </a:extLst>
+          </p:cNvPr>
+          <p:cNvSpPr>
+            <a:spLocks noGrp="1"/>
+          </p:cNvSpPr>
+          <p:nvPr>
+            <p:ph type="ftr" sz="quarter" idx="11"/>
+          </p:nvPr>
+        </p:nvSpPr>
+        <p:spPr/>
+        <p:txBody>
+          <a:bodyPr/>
+          <a:lstStyle/>
+          <a:p>
+            <a:endParaRPr lang="en-GB"/>
+          </a:p>
+        </p:txBody>
+      </p:sp>
+      <p:sp>
+        <p:nvSpPr>
+          <p:cNvPr id="7" name="Slide Number Placeholder 6">
+            <a:extLst>
+              <a:ext uri="{FF2B5EF4-FFF2-40B4-BE49-F238E27FC236}">
+                <a16:creationId xmlns:a16="http://schemas.microsoft.com/office/drawing/2014/main" id="{9848BB85-2327-41AC-8234-9901C1823126}"/>
+              </a:ext>
+            </a:extLst>
+          </p:cNvPr>
+          <p:cNvSpPr>
+            <a:spLocks noGrp="1"/>
+          </p:cNvSpPr>
+          <p:nvPr>
+            <p:ph type="sldNum" sz="quarter" idx="12"/>
+          </p:nvPr>
+        </p:nvSpPr>
+        <p:spPr/>
+        <p:txBody>
+          <a:bodyPr/>
+          <a:lstStyle/>
+          <a:p>
+            <a:fld id="{AD580FBD-1122-476C-B841-921403D6EF63}" type="slidenum">
+              <a:rPr lang="en-GB" smtClean="0"/>
+              <a:t>‹#›</a:t>
+            </a:fld>
+            <a:endParaRPr lang="en-GB"/>
+          </a:p>
+        </p:txBody>
+      </p:sp>
+    </p:spTree>
+    <p:extLst>
+      <p:ext uri="{BB962C8B-B14F-4D97-AF65-F5344CB8AC3E}">
+        <p14:creationId xmlns:p14="http://schemas.microsoft.com/office/powerpoint/2010/main" val="3370232763"/>
+      </p:ext>
+    </p:extLst>
+  </p:cSld>
+  <p:clrMapOvr>
+    <a:masterClrMapping/>
+  </p:clrMapOvr>
+</p:sldLayout>
+</file>
+
+<file path=ppt/slideLayouts/slideLayout11.xml><?xml version="1.0" encoding="utf-8"?>
+<p:sldLayout xmlns:a="http://schemas.openxmlformats.org/drawingml/2006/main" xmlns:r="http://schemas.openxmlformats.org/officeDocument/2006/relationships" xmlns:p="http://schemas.openxmlformats.org/presentationml/2006/main" type="vertTx" preserve="1">
+  <p:cSld name="Title and Vertical Text">
+    <p:spTree>
+      <p:nvGrpSpPr>
+        <p:cNvPr id="1" name=""/>
+        <p:cNvGrpSpPr/>
+        <p:nvPr/>
+      </p:nvGrpSpPr>
+      <p:grpSpPr>
+        <a:xfrm>
+          <a:off x="0" y="0"/>
+          <a:ext cx="0" cy="0"/>
+          <a:chOff x="0" y="0"/>
+          <a:chExt cx="0" cy="0"/>
+        </a:xfrm>
+      </p:grpSpPr>
+      <p:sp>
+        <p:nvSpPr>
+          <p:cNvPr id="2" name="Title 1">
+            <a:extLst>
+              <a:ext uri="{FF2B5EF4-FFF2-40B4-BE49-F238E27FC236}">
+                <a16:creationId xmlns:a16="http://schemas.microsoft.com/office/drawing/2014/main" id="{9C89409F-7D08-40B8-A939-CB612094E675}"/>
+              </a:ext>
+            </a:extLst>
+          </p:cNvPr>
+          <p:cNvSpPr>
+            <a:spLocks noGrp="1"/>
+          </p:cNvSpPr>
+          <p:nvPr>
+            <p:ph type="title"/>
+          </p:nvPr>
+        </p:nvSpPr>
+        <p:spPr/>
+        <p:txBody>
+          <a:bodyPr/>
+          <a:lstStyle/>
+          <a:p>
+            <a:r>
+              <a:rPr lang="en-US"/>
+              <a:t>Click to edit Master title style</a:t>
+            </a:r>
+            <a:endParaRPr lang="en-GB"/>
+          </a:p>
+        </p:txBody>
+      </p:sp>
+      <p:sp>
+        <p:nvSpPr>
+          <p:cNvPr id="3" name="Vertical Text Placeholder 2">
+            <a:extLst>
+              <a:ext uri="{FF2B5EF4-FFF2-40B4-BE49-F238E27FC236}">
+                <a16:creationId xmlns:a16="http://schemas.microsoft.com/office/drawing/2014/main" id="{A7EDA7E3-289D-4E6D-AC36-8AE0C87762C4}"/>
+              </a:ext>
+            </a:extLst>
+          </p:cNvPr>
+          <p:cNvSpPr>
+            <a:spLocks noGrp="1"/>
+          </p:cNvSpPr>
+          <p:nvPr>
+            <p:ph type="body" orient="vert" idx="1"/>
+          </p:nvPr>
+        </p:nvSpPr>
+        <p:spPr/>
+        <p:txBody>
+          <a:bodyPr vert="eaVert"/>
+          <a:lstStyle/>
+          <a:p>
+            <a:pPr lvl="0"/>
+            <a:r>
+              <a:rPr lang="en-US"/>
+              <a:t>Edit Master text styles</a:t>
+            </a:r>
+          </a:p>
+          <a:p>
+            <a:pPr lvl="1"/>
+            <a:r>
+              <a:rPr lang="en-US"/>
+              <a:t>Second level</a:t>
+            </a:r>
+          </a:p>
+          <a:p>
+            <a:pPr lvl="2"/>
+            <a:r>
+              <a:rPr lang="en-US"/>
+              <a:t>Third level</a:t>
+            </a:r>
+          </a:p>
+          <a:p>
+            <a:pPr lvl="3"/>
+            <a:r>
+              <a:rPr lang="en-US"/>
+              <a:t>Fourth level</a:t>
+            </a:r>
+          </a:p>
+          <a:p>
+            <a:pPr lvl="4"/>
+            <a:r>
+              <a:rPr lang="en-US"/>
+              <a:t>Fifth level</a:t>
+            </a:r>
+            <a:endParaRPr lang="en-GB"/>
+          </a:p>
+        </p:txBody>
+      </p:sp>
+      <p:sp>
+        <p:nvSpPr>
+          <p:cNvPr id="4" name="Date Placeholder 3">
+            <a:extLst>
+              <a:ext uri="{FF2B5EF4-FFF2-40B4-BE49-F238E27FC236}">
+                <a16:creationId xmlns:a16="http://schemas.microsoft.com/office/drawing/2014/main" id="{BBC7F3BC-44DC-4AA6-9742-A0E3AB6768B1}"/>
+              </a:ext>
+            </a:extLst>
+          </p:cNvPr>
+          <p:cNvSpPr>
+            <a:spLocks noGrp="1"/>
+          </p:cNvSpPr>
+          <p:nvPr>
+            <p:ph type="dt" sz="half" idx="10"/>
+          </p:nvPr>
+        </p:nvSpPr>
+        <p:spPr/>
+        <p:txBody>
+          <a:bodyPr/>
+          <a:lstStyle/>
+          <a:p>
+            <a:fld id="{15EF62BA-89F7-4AEF-9B54-5BB470E2DCC6}" type="datetimeFigureOut">
+              <a:rPr lang="en-GB" smtClean="0"/>
+              <a:t>17/04/2018</a:t>
+            </a:fld>
+            <a:endParaRPr lang="en-GB"/>
+          </a:p>
+        </p:txBody>
+      </p:sp>
+      <p:sp>
+        <p:nvSpPr>
+          <p:cNvPr id="5" name="Footer Placeholder 4">
+            <a:extLst>
+              <a:ext uri="{FF2B5EF4-FFF2-40B4-BE49-F238E27FC236}">
+                <a16:creationId xmlns:a16="http://schemas.microsoft.com/office/drawing/2014/main" id="{BD895BE3-112D-4CFE-9263-A264CC6C7CCE}"/>
+              </a:ext>
+            </a:extLst>
+          </p:cNvPr>
+          <p:cNvSpPr>
+            <a:spLocks noGrp="1"/>
+          </p:cNvSpPr>
+          <p:nvPr>
+            <p:ph type="ftr" sz="quarter" idx="11"/>
+          </p:nvPr>
+        </p:nvSpPr>
+        <p:spPr/>
+        <p:txBody>
+          <a:bodyPr/>
+          <a:lstStyle/>
+          <a:p>
+            <a:endParaRPr lang="en-GB"/>
+          </a:p>
+        </p:txBody>
+      </p:sp>
+      <p:sp>
+        <p:nvSpPr>
+          <p:cNvPr id="6" name="Slide Number Placeholder 5">
+            <a:extLst>
+              <a:ext uri="{FF2B5EF4-FFF2-40B4-BE49-F238E27FC236}">
+                <a16:creationId xmlns:a16="http://schemas.microsoft.com/office/drawing/2014/main" id="{A7835146-39F5-47F5-A4E6-80E5DC1E1573}"/>
+              </a:ext>
+            </a:extLst>
+          </p:cNvPr>
+          <p:cNvSpPr>
+            <a:spLocks noGrp="1"/>
+          </p:cNvSpPr>
+          <p:nvPr>
+            <p:ph type="sldNum" sz="quarter" idx="12"/>
+          </p:nvPr>
+        </p:nvSpPr>
+        <p:spPr/>
+        <p:txBody>
+          <a:bodyPr/>
+          <a:lstStyle/>
+          <a:p>
+            <a:fld id="{AD580FBD-1122-476C-B841-921403D6EF63}" type="slidenum">
+              <a:rPr lang="en-GB" smtClean="0"/>
+              <a:t>‹#›</a:t>
+            </a:fld>
+            <a:endParaRPr lang="en-GB"/>
+          </a:p>
+        </p:txBody>
+      </p:sp>
+    </p:spTree>
+    <p:extLst>
+      <p:ext uri="{BB962C8B-B14F-4D97-AF65-F5344CB8AC3E}">
+        <p14:creationId xmlns:p14="http://schemas.microsoft.com/office/powerpoint/2010/main" val="1471436364"/>
+      </p:ext>
+    </p:extLst>
+  </p:cSld>
+  <p:clrMapOvr>
+    <a:masterClrMapping/>
+  </p:clrMapOvr>
+</p:sldLayout>
+</file>
+
+<file path=ppt/slideLayouts/slideLayout12.xml><?xml version="1.0" encoding="utf-8"?>
+<p:sldLayout xmlns:a="http://schemas.openxmlformats.org/drawingml/2006/main" xmlns:r="http://schemas.openxmlformats.org/officeDocument/2006/relationships" xmlns:p="http://schemas.openxmlformats.org/presentationml/2006/main" type="vertTitleAndTx" preserve="1">
+  <p:cSld name="Vertical Title and Text">
+    <p:spTree>
+      <p:nvGrpSpPr>
+        <p:cNvPr id="1" name=""/>
+        <p:cNvGrpSpPr/>
+        <p:nvPr/>
+      </p:nvGrpSpPr>
+      <p:grpSpPr>
+        <a:xfrm>
+          <a:off x="0" y="0"/>
+          <a:ext cx="0" cy="0"/>
+          <a:chOff x="0" y="0"/>
+          <a:chExt cx="0" cy="0"/>
+        </a:xfrm>
+      </p:grpSpPr>
+      <p:sp>
+        <p:nvSpPr>
+          <p:cNvPr id="2" name="Vertical Title 1">
+            <a:extLst>
+              <a:ext uri="{FF2B5EF4-FFF2-40B4-BE49-F238E27FC236}">
+                <a16:creationId xmlns:a16="http://schemas.microsoft.com/office/drawing/2014/main" id="{187F4232-1D74-47CC-8855-89C5D179822A}"/>
+              </a:ext>
+            </a:extLst>
+          </p:cNvPr>
+          <p:cNvSpPr>
+            <a:spLocks noGrp="1"/>
+          </p:cNvSpPr>
+          <p:nvPr>
+            <p:ph type="title" orient="vert"/>
+          </p:nvPr>
+        </p:nvSpPr>
+        <p:spPr>
+          <a:xfrm>
+            <a:off x="8724900" y="365125"/>
+            <a:ext cx="2628900" cy="5811838"/>
+          </a:xfrm>
+        </p:spPr>
+        <p:txBody>
+          <a:bodyPr vert="eaVert"/>
+          <a:lstStyle/>
+          <a:p>
+            <a:r>
+              <a:rPr lang="en-US"/>
+              <a:t>Click to edit Master title style</a:t>
+            </a:r>
+            <a:endParaRPr lang="en-GB"/>
+          </a:p>
+        </p:txBody>
+      </p:sp>
+      <p:sp>
+        <p:nvSpPr>
+          <p:cNvPr id="3" name="Vertical Text Placeholder 2">
+            <a:extLst>
+              <a:ext uri="{FF2B5EF4-FFF2-40B4-BE49-F238E27FC236}">
+                <a16:creationId xmlns:a16="http://schemas.microsoft.com/office/drawing/2014/main" id="{421F9872-C0B6-4ED8-933C-D343D4F50F14}"/>
+              </a:ext>
+            </a:extLst>
+          </p:cNvPr>
+          <p:cNvSpPr>
+            <a:spLocks noGrp="1"/>
+          </p:cNvSpPr>
+          <p:nvPr>
+            <p:ph type="body" orient="vert" idx="1"/>
+          </p:nvPr>
+        </p:nvSpPr>
+        <p:spPr>
+          <a:xfrm>
+            <a:off x="838200" y="365125"/>
+            <a:ext cx="7734300" cy="5811838"/>
+          </a:xfrm>
+        </p:spPr>
+        <p:txBody>
+          <a:bodyPr vert="eaVert"/>
+          <a:lstStyle/>
+          <a:p>
+            <a:pPr lvl="0"/>
+            <a:r>
+              <a:rPr lang="en-US"/>
+              <a:t>Edit Master text styles</a:t>
+            </a:r>
+          </a:p>
+          <a:p>
+            <a:pPr lvl="1"/>
+            <a:r>
+              <a:rPr lang="en-US"/>
+              <a:t>Second level</a:t>
+            </a:r>
+          </a:p>
+          <a:p>
+            <a:pPr lvl="2"/>
+            <a:r>
+              <a:rPr lang="en-US"/>
+              <a:t>Third level</a:t>
+            </a:r>
+          </a:p>
+          <a:p>
+            <a:pPr lvl="3"/>
+            <a:r>
+              <a:rPr lang="en-US"/>
+              <a:t>Fourth level</a:t>
+            </a:r>
+          </a:p>
+          <a:p>
+            <a:pPr lvl="4"/>
+            <a:r>
+              <a:rPr lang="en-US"/>
+              <a:t>Fifth level</a:t>
+            </a:r>
+            <a:endParaRPr lang="en-GB"/>
+          </a:p>
+        </p:txBody>
+      </p:sp>
+      <p:sp>
+        <p:nvSpPr>
+          <p:cNvPr id="4" name="Date Placeholder 3">
+            <a:extLst>
+              <a:ext uri="{FF2B5EF4-FFF2-40B4-BE49-F238E27FC236}">
+                <a16:creationId xmlns:a16="http://schemas.microsoft.com/office/drawing/2014/main" id="{C3501F91-C53D-4D29-9E2E-55725DB43DF4}"/>
+              </a:ext>
+            </a:extLst>
+          </p:cNvPr>
+          <p:cNvSpPr>
+            <a:spLocks noGrp="1"/>
+          </p:cNvSpPr>
+          <p:nvPr>
+            <p:ph type="dt" sz="half" idx="10"/>
+          </p:nvPr>
+        </p:nvSpPr>
+        <p:spPr/>
+        <p:txBody>
+          <a:bodyPr/>
+          <a:lstStyle/>
+          <a:p>
+            <a:fld id="{15EF62BA-89F7-4AEF-9B54-5BB470E2DCC6}" type="datetimeFigureOut">
+              <a:rPr lang="en-GB" smtClean="0"/>
+              <a:t>17/04/2018</a:t>
+            </a:fld>
+            <a:endParaRPr lang="en-GB"/>
+          </a:p>
+        </p:txBody>
+      </p:sp>
+      <p:sp>
+        <p:nvSpPr>
+          <p:cNvPr id="5" name="Footer Placeholder 4">
+            <a:extLst>
+              <a:ext uri="{FF2B5EF4-FFF2-40B4-BE49-F238E27FC236}">
+                <a16:creationId xmlns:a16="http://schemas.microsoft.com/office/drawing/2014/main" id="{76FFC218-F43F-4682-853B-37D6C390169E}"/>
+              </a:ext>
+            </a:extLst>
+          </p:cNvPr>
+          <p:cNvSpPr>
+            <a:spLocks noGrp="1"/>
+          </p:cNvSpPr>
+          <p:nvPr>
+            <p:ph type="ftr" sz="quarter" idx="11"/>
+          </p:nvPr>
+        </p:nvSpPr>
+        <p:spPr/>
+        <p:txBody>
+          <a:bodyPr/>
+          <a:lstStyle/>
+          <a:p>
+            <a:endParaRPr lang="en-GB"/>
+          </a:p>
+        </p:txBody>
+      </p:sp>
+      <p:sp>
+        <p:nvSpPr>
+          <p:cNvPr id="6" name="Slide Number Placeholder 5">
+            <a:extLst>
+              <a:ext uri="{FF2B5EF4-FFF2-40B4-BE49-F238E27FC236}">
+                <a16:creationId xmlns:a16="http://schemas.microsoft.com/office/drawing/2014/main" id="{CF07A78A-5D7A-4209-8914-E7C22EF85F8C}"/>
+              </a:ext>
+            </a:extLst>
+          </p:cNvPr>
+          <p:cNvSpPr>
+            <a:spLocks noGrp="1"/>
+          </p:cNvSpPr>
+          <p:nvPr>
+            <p:ph type="sldNum" sz="quarter" idx="12"/>
+          </p:nvPr>
+        </p:nvSpPr>
+        <p:spPr/>
+        <p:txBody>
+          <a:bodyPr/>
+          <a:lstStyle/>
+          <a:p>
+            <a:fld id="{AD580FBD-1122-476C-B841-921403D6EF63}" type="slidenum">
+              <a:rPr lang="en-GB" smtClean="0"/>
+              <a:t>‹#›</a:t>
+            </a:fld>
+            <a:endParaRPr lang="en-GB"/>
+          </a:p>
+        </p:txBody>
+      </p:sp>
+    </p:spTree>
+    <p:extLst>
+      <p:ext uri="{BB962C8B-B14F-4D97-AF65-F5344CB8AC3E}">
+        <p14:creationId xmlns:p14="http://schemas.microsoft.com/office/powerpoint/2010/main" val="3297104429"/>
+      </p:ext>
+    </p:extLst>
+  </p:cSld>
+  <p:clrMapOvr>
+    <a:masterClrMapping/>
+  </p:clrMapOvr>
+</p:sldLayout>
+</file>
+
+<file path=ppt/slideLayouts/slideLayout2.xml><?xml version="1.0" encoding="utf-8"?>
+<p:sldLayout xmlns:a="http://schemas.openxmlformats.org/drawingml/2006/main" xmlns:r="http://schemas.openxmlformats.org/officeDocument/2006/relationships" xmlns:p="http://schemas.openxmlformats.org/presentationml/2006/main" type="title" preserve="1">
+  <p:cSld name="Title Slide">
+    <p:spTree>
+      <p:nvGrpSpPr>
+        <p:cNvPr id="1" name=""/>
+        <p:cNvGrpSpPr/>
+        <p:nvPr/>
+      </p:nvGrpSpPr>
+      <p:grpSpPr>
+        <a:xfrm>
+          <a:off x="0" y="0"/>
+          <a:ext cx="0" cy="0"/>
+          <a:chOff x="0" y="0"/>
+          <a:chExt cx="0" cy="0"/>
+        </a:xfrm>
+      </p:grpSpPr>
+      <p:sp>
+        <p:nvSpPr>
+          <p:cNvPr id="2" name="Title 1">
+            <a:extLst>
+              <a:ext uri="{FF2B5EF4-FFF2-40B4-BE49-F238E27FC236}">
+                <a16:creationId xmlns:a16="http://schemas.microsoft.com/office/drawing/2014/main" id="{63B424F7-9897-490F-B1BE-CA2FEB4C5A0C}"/>
+              </a:ext>
+            </a:extLst>
+          </p:cNvPr>
+          <p:cNvSpPr>
+            <a:spLocks noGrp="1"/>
+          </p:cNvSpPr>
+          <p:nvPr>
+            <p:ph type="ctrTitle"/>
+          </p:nvPr>
+        </p:nvSpPr>
+        <p:spPr>
+          <a:xfrm>
+            <a:off x="1524000" y="1122363"/>
+            <a:ext cx="9144000" cy="2387600"/>
+          </a:xfrm>
+        </p:spPr>
+        <p:txBody>
+          <a:bodyPr anchor="b"/>
+          <a:lstStyle>
+            <a:lvl1pPr algn="ctr">
+              <a:defRPr sz="6000"/>
+            </a:lvl1pPr>
+          </a:lstStyle>
+          <a:p>
+            <a:r>
+              <a:rPr lang="en-US"/>
+              <a:t>Click to edit Master title style</a:t>
+            </a:r>
+            <a:endParaRPr lang="en-GB"/>
+          </a:p>
+        </p:txBody>
+      </p:sp>
+      <p:sp>
+        <p:nvSpPr>
+          <p:cNvPr id="3" name="Subtitle 2">
+            <a:extLst>
+              <a:ext uri="{FF2B5EF4-FFF2-40B4-BE49-F238E27FC236}">
+                <a16:creationId xmlns:a16="http://schemas.microsoft.com/office/drawing/2014/main" id="{1B070885-49A9-4D18-9090-6E4BC0C21CC9}"/>
+              </a:ext>
+            </a:extLst>
+          </p:cNvPr>
+          <p:cNvSpPr>
+            <a:spLocks noGrp="1"/>
+          </p:cNvSpPr>
+          <p:nvPr>
+            <p:ph type="subTitle" idx="1"/>
+          </p:nvPr>
+        </p:nvSpPr>
+        <p:spPr>
+          <a:xfrm>
+            <a:off x="1524000" y="3602038"/>
+            <a:ext cx="9144000" cy="1655762"/>
+          </a:xfrm>
+        </p:spPr>
+        <p:txBody>
+          <a:bodyPr/>
+          <a:lstStyle>
+            <a:lvl1pPr marL="0" indent="0" algn="ctr">
+              <a:buNone/>
+              <a:defRPr sz="2400"/>
+            </a:lvl1pPr>
+            <a:lvl2pPr marL="457200" indent="0" algn="ctr">
+              <a:buNone/>
+              <a:defRPr sz="2000"/>
+            </a:lvl2pPr>
+            <a:lvl3pPr marL="914400" indent="0" algn="ctr">
+              <a:buNone/>
+              <a:defRPr sz="1800"/>
+            </a:lvl3pPr>
+            <a:lvl4pPr marL="1371600" indent="0" algn="ctr">
+              <a:buNone/>
+              <a:defRPr sz="1600"/>
+            </a:lvl4pPr>
+            <a:lvl5pPr marL="1828800" indent="0" algn="ctr">
+              <a:buNone/>
+              <a:defRPr sz="1600"/>
+            </a:lvl5pPr>
+            <a:lvl6pPr marL="2286000" indent="0" algn="ctr">
+              <a:buNone/>
+              <a:defRPr sz="1600"/>
+            </a:lvl6pPr>
+            <a:lvl7pPr marL="2743200" indent="0" algn="ctr">
+              <a:buNone/>
+              <a:defRPr sz="1600"/>
+            </a:lvl7pPr>
+            <a:lvl8pPr marL="3200400" indent="0" algn="ctr">
+              <a:buNone/>
+              <a:defRPr sz="1600"/>
+            </a:lvl8pPr>
+            <a:lvl9pPr marL="3657600" indent="0" algn="ctr">
+              <a:buNone/>
+              <a:defRPr sz="1600"/>
+            </a:lvl9pPr>
+          </a:lstStyle>
+          <a:p>
+            <a:r>
+              <a:rPr lang="en-US"/>
+              <a:t>Click to edit Master subtitle style</a:t>
+            </a:r>
+            <a:endParaRPr lang="en-GB"/>
+          </a:p>
+        </p:txBody>
+      </p:sp>
+      <p:sp>
+        <p:nvSpPr>
+          <p:cNvPr id="4" name="Date Placeholder 3">
+            <a:extLst>
+              <a:ext uri="{FF2B5EF4-FFF2-40B4-BE49-F238E27FC236}">
+                <a16:creationId xmlns:a16="http://schemas.microsoft.com/office/drawing/2014/main" id="{09B8208B-D67E-40D6-946A-EDC363DB7AF9}"/>
+              </a:ext>
+            </a:extLst>
+          </p:cNvPr>
+          <p:cNvSpPr>
+            <a:spLocks noGrp="1"/>
+          </p:cNvSpPr>
+          <p:nvPr>
+            <p:ph type="dt" sz="half" idx="10"/>
+          </p:nvPr>
+        </p:nvSpPr>
+        <p:spPr/>
+        <p:txBody>
+          <a:bodyPr/>
+          <a:lstStyle/>
+          <a:p>
+            <a:fld id="{15EF62BA-89F7-4AEF-9B54-5BB470E2DCC6}" type="datetimeFigureOut">
+              <a:rPr lang="en-GB" smtClean="0"/>
+              <a:t>17/04/2018</a:t>
+            </a:fld>
+            <a:endParaRPr lang="en-GB"/>
+          </a:p>
+        </p:txBody>
+      </p:sp>
+      <p:sp>
+        <p:nvSpPr>
+          <p:cNvPr id="5" name="Footer Placeholder 4">
+            <a:extLst>
+              <a:ext uri="{FF2B5EF4-FFF2-40B4-BE49-F238E27FC236}">
+                <a16:creationId xmlns:a16="http://schemas.microsoft.com/office/drawing/2014/main" id="{37689592-0806-4AF2-9F60-D02E63DE083D}"/>
+              </a:ext>
+            </a:extLst>
+          </p:cNvPr>
+          <p:cNvSpPr>
+            <a:spLocks noGrp="1"/>
+          </p:cNvSpPr>
+          <p:nvPr>
+            <p:ph type="ftr" sz="quarter" idx="11"/>
+          </p:nvPr>
+        </p:nvSpPr>
+        <p:spPr/>
+        <p:txBody>
+          <a:bodyPr/>
+          <a:lstStyle/>
+          <a:p>
+            <a:endParaRPr lang="en-GB"/>
+          </a:p>
+        </p:txBody>
+      </p:sp>
+      <p:sp>
+        <p:nvSpPr>
+          <p:cNvPr id="6" name="Slide Number Placeholder 5">
+            <a:extLst>
+              <a:ext uri="{FF2B5EF4-FFF2-40B4-BE49-F238E27FC236}">
+                <a16:creationId xmlns:a16="http://schemas.microsoft.com/office/drawing/2014/main" id="{17A67AAB-FC63-4414-AD3F-8A7912BE3D4D}"/>
+              </a:ext>
+            </a:extLst>
+          </p:cNvPr>
+          <p:cNvSpPr>
+            <a:spLocks noGrp="1"/>
+          </p:cNvSpPr>
+          <p:nvPr>
+            <p:ph type="sldNum" sz="quarter" idx="12"/>
+          </p:nvPr>
+        </p:nvSpPr>
+        <p:spPr/>
+        <p:txBody>
+          <a:bodyPr/>
+          <a:lstStyle/>
+          <a:p>
+            <a:fld id="{AD580FBD-1122-476C-B841-921403D6EF63}" type="slidenum">
+              <a:rPr lang="en-GB" smtClean="0"/>
+              <a:t>‹#›</a:t>
+            </a:fld>
+            <a:endParaRPr lang="en-GB"/>
+          </a:p>
+        </p:txBody>
+      </p:sp>
+    </p:spTree>
+    <p:extLst>
+      <p:ext uri="{BB962C8B-B14F-4D97-AF65-F5344CB8AC3E}">
+        <p14:creationId xmlns:p14="http://schemas.microsoft.com/office/powerpoint/2010/main" val="4034312670"/>
+      </p:ext>
+    </p:extLst>
+  </p:cSld>
+  <p:clrMapOvr>
+    <a:masterClrMapping/>
+  </p:clrMapOvr>
+</p:sldLayout>
+</file>
+
+<file path=ppt/slideLayouts/slideLayout3.xml><?xml version="1.0" encoding="utf-8"?>
+<p:sldLayout xmlns:a="http://schemas.openxmlformats.org/drawingml/2006/main" xmlns:r="http://schemas.openxmlformats.org/officeDocument/2006/relationships" xmlns:p="http://schemas.openxmlformats.org/presentationml/2006/main" type="obj" preserve="1">
+  <p:cSld name="Title and Content">
+    <p:spTree>
+      <p:nvGrpSpPr>
+        <p:cNvPr id="1" name=""/>
+        <p:cNvGrpSpPr/>
+        <p:nvPr/>
+      </p:nvGrpSpPr>
+      <p:grpSpPr>
+        <a:xfrm>
+          <a:off x="0" y="0"/>
+          <a:ext cx="0" cy="0"/>
+          <a:chOff x="0" y="0"/>
+          <a:chExt cx="0" cy="0"/>
+        </a:xfrm>
+      </p:grpSpPr>
+      <p:sp>
+        <p:nvSpPr>
+          <p:cNvPr id="2" name="Title 1">
+            <a:extLst>
+              <a:ext uri="{FF2B5EF4-FFF2-40B4-BE49-F238E27FC236}">
+                <a16:creationId xmlns:a16="http://schemas.microsoft.com/office/drawing/2014/main" id="{3E77A120-8F40-4A12-B9E5-955DABFB6E59}"/>
+              </a:ext>
+            </a:extLst>
+          </p:cNvPr>
+          <p:cNvSpPr>
+            <a:spLocks noGrp="1"/>
+          </p:cNvSpPr>
+          <p:nvPr>
+            <p:ph type="title"/>
+          </p:nvPr>
+        </p:nvSpPr>
+        <p:spPr/>
+        <p:txBody>
+          <a:bodyPr/>
+          <a:lstStyle/>
+          <a:p>
+            <a:r>
+              <a:rPr lang="en-US"/>
+              <a:t>Click to edit Master title style</a:t>
+            </a:r>
+            <a:endParaRPr lang="en-GB"/>
+          </a:p>
+        </p:txBody>
+      </p:sp>
+      <p:sp>
+        <p:nvSpPr>
+          <p:cNvPr id="3" name="Content Placeholder 2">
+            <a:extLst>
+              <a:ext uri="{FF2B5EF4-FFF2-40B4-BE49-F238E27FC236}">
+                <a16:creationId xmlns:a16="http://schemas.microsoft.com/office/drawing/2014/main" id="{94737001-5060-4742-B0BA-9F1CFC33FF1C}"/>
+              </a:ext>
+            </a:extLst>
+          </p:cNvPr>
+          <p:cNvSpPr>
+            <a:spLocks noGrp="1"/>
+          </p:cNvSpPr>
+          <p:nvPr>
+            <p:ph idx="1"/>
+          </p:nvPr>
+        </p:nvSpPr>
+        <p:spPr/>
+        <p:txBody>
+          <a:bodyPr/>
+          <a:lstStyle/>
+          <a:p>
+            <a:pPr lvl="0"/>
+            <a:r>
+              <a:rPr lang="en-US"/>
+              <a:t>Edit Master text styles</a:t>
+            </a:r>
+          </a:p>
+          <a:p>
+            <a:pPr lvl="1"/>
+            <a:r>
+              <a:rPr lang="en-US"/>
+              <a:t>Second level</a:t>
+            </a:r>
+          </a:p>
+          <a:p>
+            <a:pPr lvl="2"/>
+            <a:r>
+              <a:rPr lang="en-US"/>
+              <a:t>Third level</a:t>
+            </a:r>
+          </a:p>
+          <a:p>
+            <a:pPr lvl="3"/>
+            <a:r>
+              <a:rPr lang="en-US"/>
+              <a:t>Fourth level</a:t>
+            </a:r>
+          </a:p>
+          <a:p>
+            <a:pPr lvl="4"/>
+            <a:r>
+              <a:rPr lang="en-US"/>
+              <a:t>Fifth level</a:t>
+            </a:r>
+            <a:endParaRPr lang="en-GB"/>
+          </a:p>
+        </p:txBody>
+      </p:sp>
+      <p:sp>
+        <p:nvSpPr>
+          <p:cNvPr id="4" name="Date Placeholder 3">
+            <a:extLst>
+              <a:ext uri="{FF2B5EF4-FFF2-40B4-BE49-F238E27FC236}">
+                <a16:creationId xmlns:a16="http://schemas.microsoft.com/office/drawing/2014/main" id="{A9942AAE-21EC-4B8B-BC63-F80E26B7F4D2}"/>
+              </a:ext>
+            </a:extLst>
+          </p:cNvPr>
+          <p:cNvSpPr>
+            <a:spLocks noGrp="1"/>
+          </p:cNvSpPr>
+          <p:nvPr>
+            <p:ph type="dt" sz="half" idx="10"/>
+          </p:nvPr>
+        </p:nvSpPr>
+        <p:spPr/>
+        <p:txBody>
+          <a:bodyPr/>
+          <a:lstStyle/>
+          <a:p>
+            <a:fld id="{15EF62BA-89F7-4AEF-9B54-5BB470E2DCC6}" type="datetimeFigureOut">
+              <a:rPr lang="en-GB" smtClean="0"/>
+              <a:t>17/04/2018</a:t>
+            </a:fld>
+            <a:endParaRPr lang="en-GB"/>
+          </a:p>
+        </p:txBody>
+      </p:sp>
+      <p:sp>
+        <p:nvSpPr>
+          <p:cNvPr id="5" name="Footer Placeholder 4">
+            <a:extLst>
+              <a:ext uri="{FF2B5EF4-FFF2-40B4-BE49-F238E27FC236}">
+                <a16:creationId xmlns:a16="http://schemas.microsoft.com/office/drawing/2014/main" id="{6A325191-D3C4-4BE4-9A59-66DB85DBE7B0}"/>
+              </a:ext>
+            </a:extLst>
+          </p:cNvPr>
+          <p:cNvSpPr>
+            <a:spLocks noGrp="1"/>
+          </p:cNvSpPr>
+          <p:nvPr>
+            <p:ph type="ftr" sz="quarter" idx="11"/>
+          </p:nvPr>
+        </p:nvSpPr>
+        <p:spPr/>
+        <p:txBody>
+          <a:bodyPr/>
+          <a:lstStyle/>
+          <a:p>
+            <a:endParaRPr lang="en-GB"/>
+          </a:p>
+        </p:txBody>
+      </p:sp>
+      <p:sp>
+        <p:nvSpPr>
+          <p:cNvPr id="6" name="Slide Number Placeholder 5">
+            <a:extLst>
+              <a:ext uri="{FF2B5EF4-FFF2-40B4-BE49-F238E27FC236}">
+                <a16:creationId xmlns:a16="http://schemas.microsoft.com/office/drawing/2014/main" id="{CFE66656-CFD1-43F1-BBD9-C7AEEF7B93E5}"/>
+              </a:ext>
+            </a:extLst>
+          </p:cNvPr>
+          <p:cNvSpPr>
+            <a:spLocks noGrp="1"/>
+          </p:cNvSpPr>
+          <p:nvPr>
+            <p:ph type="sldNum" sz="quarter" idx="12"/>
+          </p:nvPr>
+        </p:nvSpPr>
+        <p:spPr/>
+        <p:txBody>
+          <a:bodyPr/>
+          <a:lstStyle/>
+          <a:p>
+            <a:fld id="{AD580FBD-1122-476C-B841-921403D6EF63}" type="slidenum">
+              <a:rPr lang="en-GB" smtClean="0"/>
+              <a:t>‹#›</a:t>
+            </a:fld>
+            <a:endParaRPr lang="en-GB"/>
+          </a:p>
+        </p:txBody>
+      </p:sp>
+    </p:spTree>
+    <p:extLst>
+      <p:ext uri="{BB962C8B-B14F-4D97-AF65-F5344CB8AC3E}">
+        <p14:creationId xmlns:p14="http://schemas.microsoft.com/office/powerpoint/2010/main" val="3253078244"/>
+      </p:ext>
+    </p:extLst>
+  </p:cSld>
+  <p:clrMapOvr>
+    <a:masterClrMapping/>
+  </p:clrMapOvr>
+</p:sldLayout>
+</file>
+
+<file path=ppt/slideLayouts/slideLayout4.xml><?xml version="1.0" encoding="utf-8"?>
+<p:sldLayout xmlns:a="http://schemas.openxmlformats.org/drawingml/2006/main" xmlns:r="http://schemas.openxmlformats.org/officeDocument/2006/relationships" xmlns:p="http://schemas.openxmlformats.org/presentationml/2006/main" type="secHead" preserve="1">
+  <p:cSld name="Section Header">
+    <p:spTree>
+      <p:nvGrpSpPr>
+        <p:cNvPr id="1" name=""/>
+        <p:cNvGrpSpPr/>
+        <p:nvPr/>
+      </p:nvGrpSpPr>
+      <p:grpSpPr>
+        <a:xfrm>
+          <a:off x="0" y="0"/>
+          <a:ext cx="0" cy="0"/>
+          <a:chOff x="0" y="0"/>
+          <a:chExt cx="0" cy="0"/>
+        </a:xfrm>
+      </p:grpSpPr>
+      <p:sp>
+        <p:nvSpPr>
+          <p:cNvPr id="2" name="Title 1">
+            <a:extLst>
+              <a:ext uri="{FF2B5EF4-FFF2-40B4-BE49-F238E27FC236}">
+                <a16:creationId xmlns:a16="http://schemas.microsoft.com/office/drawing/2014/main" id="{39441E4D-7DC2-4478-97AC-452B0A528126}"/>
+              </a:ext>
+            </a:extLst>
+          </p:cNvPr>
+          <p:cNvSpPr>
+            <a:spLocks noGrp="1"/>
+          </p:cNvSpPr>
+          <p:nvPr>
+            <p:ph type="title"/>
+          </p:nvPr>
+        </p:nvSpPr>
+        <p:spPr>
+          <a:xfrm>
+            <a:off x="831850" y="1709738"/>
+            <a:ext cx="10515600" cy="2852737"/>
+          </a:xfrm>
+        </p:spPr>
+        <p:txBody>
+          <a:bodyPr anchor="b"/>
+          <a:lstStyle>
+            <a:lvl1pPr>
+              <a:defRPr sz="6000"/>
+            </a:lvl1pPr>
+          </a:lstStyle>
+          <a:p>
+            <a:r>
+              <a:rPr lang="en-US"/>
+              <a:t>Click to edit Master title style</a:t>
+            </a:r>
+            <a:endParaRPr lang="en-GB"/>
+          </a:p>
+        </p:txBody>
+      </p:sp>
+      <p:sp>
+        <p:nvSpPr>
+          <p:cNvPr id="3" name="Text Placeholder 2">
+            <a:extLst>
+              <a:ext uri="{FF2B5EF4-FFF2-40B4-BE49-F238E27FC236}">
+                <a16:creationId xmlns:a16="http://schemas.microsoft.com/office/drawing/2014/main" id="{5A627763-F98B-4D4E-819F-11A7CC887EA5}"/>
+              </a:ext>
+            </a:extLst>
+          </p:cNvPr>
+          <p:cNvSpPr>
+            <a:spLocks noGrp="1"/>
+          </p:cNvSpPr>
+          <p:nvPr>
+            <p:ph type="body" idx="1"/>
+          </p:nvPr>
+        </p:nvSpPr>
+        <p:spPr>
+          <a:xfrm>
+            <a:off x="831850" y="4589463"/>
+            <a:ext cx="10515600" cy="1500187"/>
+          </a:xfrm>
+        </p:spPr>
+        <p:txBody>
+          <a:bodyPr/>
+          <a:lstStyle>
+            <a:lvl1pPr marL="0" indent="0">
+              <a:buNone/>
+              <a:defRPr sz="2400">
+                <a:solidFill>
+                  <a:schemeClr val="tx1">
+                    <a:tint val="75000"/>
+                  </a:schemeClr>
+                </a:solidFill>
+              </a:defRPr>
+            </a:lvl1pPr>
+            <a:lvl2pPr marL="457200" indent="0">
+              <a:buNone/>
+              <a:defRPr sz="2000">
+                <a:solidFill>
+                  <a:schemeClr val="tx1">
+                    <a:tint val="75000"/>
+                  </a:schemeClr>
+                </a:solidFill>
+              </a:defRPr>
+            </a:lvl2pPr>
+            <a:lvl3pPr marL="914400" indent="0">
+              <a:buNone/>
+              <a:defRPr sz="1800">
+                <a:solidFill>
+                  <a:schemeClr val="tx1">
+                    <a:tint val="75000"/>
+                  </a:schemeClr>
+                </a:solidFill>
+              </a:defRPr>
+            </a:lvl3pPr>
+            <a:lvl4pPr marL="1371600" indent="0">
+              <a:buNone/>
+              <a:defRPr sz="1600">
+                <a:solidFill>
+                  <a:schemeClr val="tx1">
+                    <a:tint val="75000"/>
+                  </a:schemeClr>
+                </a:solidFill>
+              </a:defRPr>
+            </a:lvl4pPr>
+            <a:lvl5pPr marL="1828800" indent="0">
+              <a:buNone/>
+              <a:defRPr sz="1600">
+                <a:solidFill>
+                  <a:schemeClr val="tx1">
+                    <a:tint val="75000"/>
+                  </a:schemeClr>
+                </a:solidFill>
+              </a:defRPr>
+            </a:lvl5pPr>
+            <a:lvl6pPr marL="2286000" indent="0">
+              <a:buNone/>
+              <a:defRPr sz="1600">
+                <a:solidFill>
+                  <a:schemeClr val="tx1">
+                    <a:tint val="75000"/>
+                  </a:schemeClr>
+                </a:solidFill>
+              </a:defRPr>
+            </a:lvl6pPr>
+            <a:lvl7pPr marL="2743200" indent="0">
+              <a:buNone/>
+              <a:defRPr sz="1600">
+                <a:solidFill>
+                  <a:schemeClr val="tx1">
+                    <a:tint val="75000"/>
+                  </a:schemeClr>
+                </a:solidFill>
+              </a:defRPr>
+            </a:lvl7pPr>
+            <a:lvl8pPr marL="3200400" indent="0">
+              <a:buNone/>
+              <a:defRPr sz="1600">
+                <a:solidFill>
+                  <a:schemeClr val="tx1">
+                    <a:tint val="75000"/>
+                  </a:schemeClr>
+                </a:solidFill>
+              </a:defRPr>
+            </a:lvl8pPr>
+            <a:lvl9pPr marL="3657600" indent="0">
+              <a:buNone/>
+              <a:defRPr sz="1600">
+                <a:solidFill>
+                  <a:schemeClr val="tx1">
+                    <a:tint val="75000"/>
+                  </a:schemeClr>
+                </a:solidFill>
+              </a:defRPr>
+            </a:lvl9pPr>
+          </a:lstStyle>
+          <a:p>
+            <a:pPr lvl="0"/>
+            <a:r>
+              <a:rPr lang="en-US"/>
+              <a:t>Edit Master text styles</a:t>
+            </a:r>
+          </a:p>
+        </p:txBody>
+      </p:sp>
+      <p:sp>
+        <p:nvSpPr>
+          <p:cNvPr id="4" name="Date Placeholder 3">
+            <a:extLst>
+              <a:ext uri="{FF2B5EF4-FFF2-40B4-BE49-F238E27FC236}">
+                <a16:creationId xmlns:a16="http://schemas.microsoft.com/office/drawing/2014/main" id="{E7E5B5FC-1668-430D-94DD-2FB9BFC77ACB}"/>
+              </a:ext>
+            </a:extLst>
+          </p:cNvPr>
+          <p:cNvSpPr>
+            <a:spLocks noGrp="1"/>
+          </p:cNvSpPr>
+          <p:nvPr>
+            <p:ph type="dt" sz="half" idx="10"/>
+          </p:nvPr>
+        </p:nvSpPr>
+        <p:spPr/>
+        <p:txBody>
+          <a:bodyPr/>
+          <a:lstStyle/>
+          <a:p>
+            <a:fld id="{15EF62BA-89F7-4AEF-9B54-5BB470E2DCC6}" type="datetimeFigureOut">
+              <a:rPr lang="en-GB" smtClean="0"/>
+              <a:t>17/04/2018</a:t>
+            </a:fld>
+            <a:endParaRPr lang="en-GB"/>
+          </a:p>
+        </p:txBody>
+      </p:sp>
+      <p:sp>
+        <p:nvSpPr>
+          <p:cNvPr id="5" name="Footer Placeholder 4">
+            <a:extLst>
+              <a:ext uri="{FF2B5EF4-FFF2-40B4-BE49-F238E27FC236}">
+                <a16:creationId xmlns:a16="http://schemas.microsoft.com/office/drawing/2014/main" id="{D6921387-A454-43F5-97DE-9463471ABCF9}"/>
+              </a:ext>
+            </a:extLst>
+          </p:cNvPr>
+          <p:cNvSpPr>
+            <a:spLocks noGrp="1"/>
+          </p:cNvSpPr>
+          <p:nvPr>
+            <p:ph type="ftr" sz="quarter" idx="11"/>
+          </p:nvPr>
+        </p:nvSpPr>
+        <p:spPr/>
+        <p:txBody>
+          <a:bodyPr/>
+          <a:lstStyle/>
+          <a:p>
+            <a:endParaRPr lang="en-GB"/>
+          </a:p>
+        </p:txBody>
+      </p:sp>
+      <p:sp>
+        <p:nvSpPr>
+          <p:cNvPr id="6" name="Slide Number Placeholder 5">
+            <a:extLst>
+              <a:ext uri="{FF2B5EF4-FFF2-40B4-BE49-F238E27FC236}">
+                <a16:creationId xmlns:a16="http://schemas.microsoft.com/office/drawing/2014/main" id="{68E1307E-3533-49F8-BD7C-287FA58BBD7A}"/>
+              </a:ext>
+            </a:extLst>
+          </p:cNvPr>
+          <p:cNvSpPr>
+            <a:spLocks noGrp="1"/>
+          </p:cNvSpPr>
+          <p:nvPr>
+            <p:ph type="sldNum" sz="quarter" idx="12"/>
+          </p:nvPr>
+        </p:nvSpPr>
+        <p:spPr/>
+        <p:txBody>
+          <a:bodyPr/>
+          <a:lstStyle/>
+          <a:p>
+            <a:fld id="{AD580FBD-1122-476C-B841-921403D6EF63}" type="slidenum">
+              <a:rPr lang="en-GB" smtClean="0"/>
+              <a:t>‹#›</a:t>
+            </a:fld>
+            <a:endParaRPr lang="en-GB"/>
+          </a:p>
+        </p:txBody>
+      </p:sp>
+    </p:spTree>
+    <p:extLst>
+      <p:ext uri="{BB962C8B-B14F-4D97-AF65-F5344CB8AC3E}">
+        <p14:creationId xmlns:p14="http://schemas.microsoft.com/office/powerpoint/2010/main" val="3214053394"/>
+      </p:ext>
+    </p:extLst>
+  </p:cSld>
+  <p:clrMapOvr>
+    <a:masterClrMapping/>
+  </p:clrMapOvr>
+</p:sldLayout>
+</file>
+
+<file path=ppt/slideLayouts/slideLayout5.xml><?xml version="1.0" encoding="utf-8"?>
+<p:sldLayout xmlns:a="http://schemas.openxmlformats.org/drawingml/2006/main" xmlns:r="http://schemas.openxmlformats.org/officeDocument/2006/relationships" xmlns:p="http://schemas.openxmlformats.org/presentationml/2006/main" type="twoObj" preserve="1">
+  <p:cSld name="Two Content">
+    <p:spTree>
+      <p:nvGrpSpPr>
+        <p:cNvPr id="1" name=""/>
+        <p:cNvGrpSpPr/>
+        <p:nvPr/>
+      </p:nvGrpSpPr>
+      <p:grpSpPr>
+        <a:xfrm>
+          <a:off x="0" y="0"/>
+          <a:ext cx="0" cy="0"/>
+          <a:chOff x="0" y="0"/>
+          <a:chExt cx="0" cy="0"/>
+        </a:xfrm>
+      </p:grpSpPr>
+      <p:sp>
+        <p:nvSpPr>
+          <p:cNvPr id="2" name="Title 1">
+            <a:extLst>
+              <a:ext uri="{FF2B5EF4-FFF2-40B4-BE49-F238E27FC236}">
+                <a16:creationId xmlns:a16="http://schemas.microsoft.com/office/drawing/2014/main" id="{96321328-F295-4A8A-90CC-DE2187640529}"/>
+              </a:ext>
+            </a:extLst>
+          </p:cNvPr>
+          <p:cNvSpPr>
+            <a:spLocks noGrp="1"/>
+          </p:cNvSpPr>
+          <p:nvPr>
+            <p:ph type="title"/>
+          </p:nvPr>
+        </p:nvSpPr>
+        <p:spPr/>
+        <p:txBody>
+          <a:bodyPr/>
+          <a:lstStyle/>
+          <a:p>
+            <a:r>
+              <a:rPr lang="en-US"/>
+              <a:t>Click to edit Master title style</a:t>
+            </a:r>
+            <a:endParaRPr lang="en-GB"/>
+          </a:p>
+        </p:txBody>
+      </p:sp>
+      <p:sp>
+        <p:nvSpPr>
+          <p:cNvPr id="3" name="Content Placeholder 2">
+            <a:extLst>
+              <a:ext uri="{FF2B5EF4-FFF2-40B4-BE49-F238E27FC236}">
+                <a16:creationId xmlns:a16="http://schemas.microsoft.com/office/drawing/2014/main" id="{C1BCEE8D-655D-40FD-AF64-B6E4080930DB}"/>
+              </a:ext>
+            </a:extLst>
+          </p:cNvPr>
+          <p:cNvSpPr>
+            <a:spLocks noGrp="1"/>
+          </p:cNvSpPr>
+          <p:nvPr>
+            <p:ph sz="half" idx="1"/>
+          </p:nvPr>
+        </p:nvSpPr>
+        <p:spPr>
+          <a:xfrm>
+            <a:off x="838200" y="1825625"/>
+            <a:ext cx="5181600" cy="4351338"/>
+          </a:xfrm>
+        </p:spPr>
+        <p:txBody>
+          <a:bodyPr/>
+          <a:lstStyle/>
+          <a:p>
+            <a:pPr lvl="0"/>
+            <a:r>
+              <a:rPr lang="en-US"/>
+              <a:t>Edit Master text styles</a:t>
+            </a:r>
+          </a:p>
+          <a:p>
+            <a:pPr lvl="1"/>
+            <a:r>
+              <a:rPr lang="en-US"/>
+              <a:t>Second level</a:t>
+            </a:r>
+          </a:p>
+          <a:p>
+            <a:pPr lvl="2"/>
+            <a:r>
+              <a:rPr lang="en-US"/>
+              <a:t>Third level</a:t>
+            </a:r>
+          </a:p>
+          <a:p>
+            <a:pPr lvl="3"/>
+            <a:r>
+              <a:rPr lang="en-US"/>
+              <a:t>Fourth level</a:t>
+            </a:r>
+          </a:p>
+          <a:p>
+            <a:pPr lvl="4"/>
+            <a:r>
+              <a:rPr lang="en-US"/>
+              <a:t>Fifth level</a:t>
+            </a:r>
+            <a:endParaRPr lang="en-GB"/>
+          </a:p>
+        </p:txBody>
+      </p:sp>
+      <p:sp>
+        <p:nvSpPr>
+          <p:cNvPr id="4" name="Content Placeholder 3">
+            <a:extLst>
+              <a:ext uri="{FF2B5EF4-FFF2-40B4-BE49-F238E27FC236}">
+                <a16:creationId xmlns:a16="http://schemas.microsoft.com/office/drawing/2014/main" id="{A20C8B61-16B0-439D-B60F-DD766ABCD773}"/>
+              </a:ext>
+            </a:extLst>
+          </p:cNvPr>
+          <p:cNvSpPr>
+            <a:spLocks noGrp="1"/>
+          </p:cNvSpPr>
+          <p:nvPr>
+            <p:ph sz="half" idx="2"/>
+          </p:nvPr>
+        </p:nvSpPr>
+        <p:spPr>
+          <a:xfrm>
+            <a:off x="6172200" y="1825625"/>
+            <a:ext cx="5181600" cy="4351338"/>
+          </a:xfrm>
+        </p:spPr>
+        <p:txBody>
+          <a:bodyPr/>
+          <a:lstStyle/>
+          <a:p>
+            <a:pPr lvl="0"/>
+            <a:r>
+              <a:rPr lang="en-US"/>
+              <a:t>Edit Master text styles</a:t>
+            </a:r>
+          </a:p>
+          <a:p>
+            <a:pPr lvl="1"/>
+            <a:r>
+              <a:rPr lang="en-US"/>
+              <a:t>Second level</a:t>
+            </a:r>
+          </a:p>
+          <a:p>
+            <a:pPr lvl="2"/>
+            <a:r>
+              <a:rPr lang="en-US"/>
+              <a:t>Third level</a:t>
+            </a:r>
+          </a:p>
+          <a:p>
+            <a:pPr lvl="3"/>
+            <a:r>
+              <a:rPr lang="en-US"/>
+              <a:t>Fourth level</a:t>
+            </a:r>
+          </a:p>
+          <a:p>
+            <a:pPr lvl="4"/>
+            <a:r>
+              <a:rPr lang="en-US"/>
+              <a:t>Fifth level</a:t>
+            </a:r>
+            <a:endParaRPr lang="en-GB"/>
+          </a:p>
+        </p:txBody>
+      </p:sp>
+      <p:sp>
+        <p:nvSpPr>
+          <p:cNvPr id="5" name="Date Placeholder 4">
+            <a:extLst>
+              <a:ext uri="{FF2B5EF4-FFF2-40B4-BE49-F238E27FC236}">
+                <a16:creationId xmlns:a16="http://schemas.microsoft.com/office/drawing/2014/main" id="{BF690A2B-8379-4C0F-90E5-18619C5A4681}"/>
+              </a:ext>
+            </a:extLst>
+          </p:cNvPr>
+          <p:cNvSpPr>
+            <a:spLocks noGrp="1"/>
+          </p:cNvSpPr>
+          <p:nvPr>
+            <p:ph type="dt" sz="half" idx="10"/>
+          </p:nvPr>
+        </p:nvSpPr>
+        <p:spPr/>
+        <p:txBody>
+          <a:bodyPr/>
+          <a:lstStyle/>
+          <a:p>
+            <a:fld id="{15EF62BA-89F7-4AEF-9B54-5BB470E2DCC6}" type="datetimeFigureOut">
+              <a:rPr lang="en-GB" smtClean="0"/>
+              <a:t>17/04/2018</a:t>
+            </a:fld>
+            <a:endParaRPr lang="en-GB"/>
+          </a:p>
+        </p:txBody>
+      </p:sp>
+      <p:sp>
+        <p:nvSpPr>
+          <p:cNvPr id="6" name="Footer Placeholder 5">
+            <a:extLst>
+              <a:ext uri="{FF2B5EF4-FFF2-40B4-BE49-F238E27FC236}">
+                <a16:creationId xmlns:a16="http://schemas.microsoft.com/office/drawing/2014/main" id="{FBB835DA-D9C1-43D6-A210-02BAADAA3B3E}"/>
+              </a:ext>
+            </a:extLst>
+          </p:cNvPr>
+          <p:cNvSpPr>
+            <a:spLocks noGrp="1"/>
+          </p:cNvSpPr>
+          <p:nvPr>
+            <p:ph type="ftr" sz="quarter" idx="11"/>
+          </p:nvPr>
+        </p:nvSpPr>
+        <p:spPr/>
+        <p:txBody>
+          <a:bodyPr/>
+          <a:lstStyle/>
+          <a:p>
+            <a:endParaRPr lang="en-GB"/>
+          </a:p>
+        </p:txBody>
+      </p:sp>
+      <p:sp>
+        <p:nvSpPr>
+          <p:cNvPr id="7" name="Slide Number Placeholder 6">
+            <a:extLst>
+              <a:ext uri="{FF2B5EF4-FFF2-40B4-BE49-F238E27FC236}">
+                <a16:creationId xmlns:a16="http://schemas.microsoft.com/office/drawing/2014/main" id="{529FE465-F68E-41B6-B80A-C1778A1A36D5}"/>
+              </a:ext>
+            </a:extLst>
+          </p:cNvPr>
+          <p:cNvSpPr>
+            <a:spLocks noGrp="1"/>
+          </p:cNvSpPr>
+          <p:nvPr>
+            <p:ph type="sldNum" sz="quarter" idx="12"/>
+          </p:nvPr>
+        </p:nvSpPr>
+        <p:spPr/>
+        <p:txBody>
+          <a:bodyPr/>
+          <a:lstStyle/>
+          <a:p>
+            <a:fld id="{AD580FBD-1122-476C-B841-921403D6EF63}" type="slidenum">
+              <a:rPr lang="en-GB" smtClean="0"/>
+              <a:t>‹#›</a:t>
+            </a:fld>
+            <a:endParaRPr lang="en-GB"/>
+          </a:p>
+        </p:txBody>
+      </p:sp>
+    </p:spTree>
+    <p:extLst>
+      <p:ext uri="{BB962C8B-B14F-4D97-AF65-F5344CB8AC3E}">
+        <p14:creationId xmlns:p14="http://schemas.microsoft.com/office/powerpoint/2010/main" val="4028350423"/>
+      </p:ext>
+    </p:extLst>
+  </p:cSld>
+  <p:clrMapOvr>
+    <a:masterClrMapping/>
+  </p:clrMapOvr>
+</p:sldLayout>
+</file>
+
+<file path=ppt/slideLayouts/slideLayout6.xml><?xml version="1.0" encoding="utf-8"?>
+<p:sldLayout xmlns:a="http://schemas.openxmlformats.org/drawingml/2006/main" xmlns:r="http://schemas.openxmlformats.org/officeDocument/2006/relationships" xmlns:p="http://schemas.openxmlformats.org/presentationml/2006/main" type="twoTxTwoObj" preserve="1">
+  <p:cSld name="Comparison">
+    <p:spTree>
+      <p:nvGrpSpPr>
+        <p:cNvPr id="1" name=""/>
+        <p:cNvGrpSpPr/>
+        <p:nvPr/>
+      </p:nvGrpSpPr>
+      <p:grpSpPr>
+        <a:xfrm>
+          <a:off x="0" y="0"/>
+          <a:ext cx="0" cy="0"/>
+          <a:chOff x="0" y="0"/>
+          <a:chExt cx="0" cy="0"/>
+        </a:xfrm>
+      </p:grpSpPr>
+      <p:sp>
+        <p:nvSpPr>
+          <p:cNvPr id="2" name="Title 1">
+            <a:extLst>
+              <a:ext uri="{FF2B5EF4-FFF2-40B4-BE49-F238E27FC236}">
+                <a16:creationId xmlns:a16="http://schemas.microsoft.com/office/drawing/2014/main" id="{0EFD460F-0D12-4A8F-8512-524C806FC24D}"/>
+              </a:ext>
+            </a:extLst>
+          </p:cNvPr>
+          <p:cNvSpPr>
+            <a:spLocks noGrp="1"/>
+          </p:cNvSpPr>
+          <p:nvPr>
+            <p:ph type="title"/>
+          </p:nvPr>
+        </p:nvSpPr>
+        <p:spPr>
+          <a:xfrm>
+            <a:off x="839788" y="365125"/>
+            <a:ext cx="10515600" cy="1325563"/>
+          </a:xfrm>
+        </p:spPr>
+        <p:txBody>
+          <a:bodyPr/>
+          <a:lstStyle/>
+          <a:p>
+            <a:r>
+              <a:rPr lang="en-US"/>
+              <a:t>Click to edit Master title style</a:t>
+            </a:r>
+            <a:endParaRPr lang="en-GB"/>
+          </a:p>
+        </p:txBody>
+      </p:sp>
+      <p:sp>
+        <p:nvSpPr>
+          <p:cNvPr id="3" name="Text Placeholder 2">
+            <a:extLst>
+              <a:ext uri="{FF2B5EF4-FFF2-40B4-BE49-F238E27FC236}">
+                <a16:creationId xmlns:a16="http://schemas.microsoft.com/office/drawing/2014/main" id="{AC3CF03F-41F1-4051-A409-873D9933E211}"/>
+              </a:ext>
+            </a:extLst>
+          </p:cNvPr>
+          <p:cNvSpPr>
+            <a:spLocks noGrp="1"/>
+          </p:cNvSpPr>
+          <p:nvPr>
+            <p:ph type="body" idx="1"/>
+          </p:nvPr>
+        </p:nvSpPr>
+        <p:spPr>
+          <a:xfrm>
+            <a:off x="839788" y="1681163"/>
+            <a:ext cx="5157787" cy="823912"/>
+          </a:xfrm>
+        </p:spPr>
+        <p:txBody>
+          <a:bodyPr anchor="b"/>
+          <a:lstStyle>
+            <a:lvl1pPr marL="0" indent="0">
+              <a:buNone/>
+              <a:defRPr sz="2400" b="1"/>
+            </a:lvl1pPr>
+            <a:lvl2pPr marL="457200" indent="0">
+              <a:buNone/>
+              <a:defRPr sz="2000" b="1"/>
+            </a:lvl2pPr>
+            <a:lvl3pPr marL="914400" indent="0">
+              <a:buNone/>
+              <a:defRPr sz="1800" b="1"/>
+            </a:lvl3pPr>
+            <a:lvl4pPr marL="1371600" indent="0">
+              <a:buNone/>
+              <a:defRPr sz="1600" b="1"/>
+            </a:lvl4pPr>
+            <a:lvl5pPr marL="1828800" indent="0">
+              <a:buNone/>
+              <a:defRPr sz="1600" b="1"/>
+            </a:lvl5pPr>
+            <a:lvl6pPr marL="2286000" indent="0">
+              <a:buNone/>
+              <a:defRPr sz="1600" b="1"/>
+            </a:lvl6pPr>
+            <a:lvl7pPr marL="2743200" indent="0">
+              <a:buNone/>
+              <a:defRPr sz="1600" b="1"/>
+            </a:lvl7pPr>
+            <a:lvl8pPr marL="3200400" indent="0">
+              <a:buNone/>
+              <a:defRPr sz="1600" b="1"/>
+            </a:lvl8pPr>
+            <a:lvl9pPr marL="3657600" indent="0">
+              <a:buNone/>
+              <a:defRPr sz="1600" b="1"/>
+            </a:lvl9pPr>
+          </a:lstStyle>
+          <a:p>
+            <a:pPr lvl="0"/>
+            <a:r>
+              <a:rPr lang="en-US"/>
+              <a:t>Edit Master text styles</a:t>
+            </a:r>
+          </a:p>
+        </p:txBody>
+      </p:sp>
+      <p:sp>
+        <p:nvSpPr>
+          <p:cNvPr id="4" name="Content Placeholder 3">
+            <a:extLst>
+              <a:ext uri="{FF2B5EF4-FFF2-40B4-BE49-F238E27FC236}">
+                <a16:creationId xmlns:a16="http://schemas.microsoft.com/office/drawing/2014/main" id="{BB33D339-CDFF-49C1-A2B6-ECA3C9EF6B18}"/>
+              </a:ext>
+            </a:extLst>
+          </p:cNvPr>
+          <p:cNvSpPr>
+            <a:spLocks noGrp="1"/>
+          </p:cNvSpPr>
+          <p:nvPr>
+            <p:ph sz="half" idx="2"/>
+          </p:nvPr>
+        </p:nvSpPr>
+        <p:spPr>
+          <a:xfrm>
+            <a:off x="839788" y="2505075"/>
+            <a:ext cx="5157787" cy="3684588"/>
+          </a:xfrm>
+        </p:spPr>
+        <p:txBody>
+          <a:bodyPr/>
+          <a:lstStyle/>
+          <a:p>
+            <a:pPr lvl="0"/>
+            <a:r>
+              <a:rPr lang="en-US"/>
+              <a:t>Edit Master text styles</a:t>
+            </a:r>
+          </a:p>
+          <a:p>
+            <a:pPr lvl="1"/>
+            <a:r>
+              <a:rPr lang="en-US"/>
+              <a:t>Second level</a:t>
+            </a:r>
+          </a:p>
+          <a:p>
+            <a:pPr lvl="2"/>
+            <a:r>
+              <a:rPr lang="en-US"/>
+              <a:t>Third level</a:t>
+            </a:r>
+          </a:p>
+          <a:p>
+            <a:pPr lvl="3"/>
+            <a:r>
+              <a:rPr lang="en-US"/>
+              <a:t>Fourth level</a:t>
+            </a:r>
+          </a:p>
+          <a:p>
+            <a:pPr lvl="4"/>
+            <a:r>
+              <a:rPr lang="en-US"/>
+              <a:t>Fifth level</a:t>
+            </a:r>
+            <a:endParaRPr lang="en-GB"/>
+          </a:p>
+        </p:txBody>
+      </p:sp>
+      <p:sp>
+        <p:nvSpPr>
+          <p:cNvPr id="5" name="Text Placeholder 4">
+            <a:extLst>
+              <a:ext uri="{FF2B5EF4-FFF2-40B4-BE49-F238E27FC236}">
+                <a16:creationId xmlns:a16="http://schemas.microsoft.com/office/drawing/2014/main" id="{30506EE2-ABAB-4B12-A38D-4E07039CA093}"/>
+              </a:ext>
+            </a:extLst>
+          </p:cNvPr>
+          <p:cNvSpPr>
+            <a:spLocks noGrp="1"/>
+          </p:cNvSpPr>
+          <p:nvPr>
+            <p:ph type="body" sz="quarter" idx="3"/>
+          </p:nvPr>
+        </p:nvSpPr>
+        <p:spPr>
+          <a:xfrm>
+            <a:off x="6172200" y="1681163"/>
+            <a:ext cx="5183188" cy="823912"/>
+          </a:xfrm>
+        </p:spPr>
+        <p:txBody>
+          <a:bodyPr anchor="b"/>
+          <a:lstStyle>
+            <a:lvl1pPr marL="0" indent="0">
+              <a:buNone/>
+              <a:defRPr sz="2400" b="1"/>
+            </a:lvl1pPr>
+            <a:lvl2pPr marL="457200" indent="0">
+              <a:buNone/>
+              <a:defRPr sz="2000" b="1"/>
+            </a:lvl2pPr>
+            <a:lvl3pPr marL="914400" indent="0">
+              <a:buNone/>
+              <a:defRPr sz="1800" b="1"/>
+            </a:lvl3pPr>
+            <a:lvl4pPr marL="1371600" indent="0">
+              <a:buNone/>
+              <a:defRPr sz="1600" b="1"/>
+            </a:lvl4pPr>
+            <a:lvl5pPr marL="1828800" indent="0">
+              <a:buNone/>
+              <a:defRPr sz="1600" b="1"/>
+            </a:lvl5pPr>
+            <a:lvl6pPr marL="2286000" indent="0">
+              <a:buNone/>
+              <a:defRPr sz="1600" b="1"/>
+            </a:lvl6pPr>
+            <a:lvl7pPr marL="2743200" indent="0">
+              <a:buNone/>
+              <a:defRPr sz="1600" b="1"/>
+            </a:lvl7pPr>
+            <a:lvl8pPr marL="3200400" indent="0">
+              <a:buNone/>
+              <a:defRPr sz="1600" b="1"/>
+            </a:lvl8pPr>
+            <a:lvl9pPr marL="3657600" indent="0">
+              <a:buNone/>
+              <a:defRPr sz="1600" b="1"/>
+            </a:lvl9pPr>
+          </a:lstStyle>
+          <a:p>
+            <a:pPr lvl="0"/>
+            <a:r>
+              <a:rPr lang="en-US"/>
+              <a:t>Edit Master text styles</a:t>
+            </a:r>
+          </a:p>
+        </p:txBody>
+      </p:sp>
+      <p:sp>
+        <p:nvSpPr>
+          <p:cNvPr id="6" name="Content Placeholder 5">
+            <a:extLst>
+              <a:ext uri="{FF2B5EF4-FFF2-40B4-BE49-F238E27FC236}">
+                <a16:creationId xmlns:a16="http://schemas.microsoft.com/office/drawing/2014/main" id="{731B279A-4476-40EE-8110-3B8D8269DB78}"/>
+              </a:ext>
+            </a:extLst>
+          </p:cNvPr>
+          <p:cNvSpPr>
+            <a:spLocks noGrp="1"/>
+          </p:cNvSpPr>
+          <p:nvPr>
+            <p:ph sz="quarter" idx="4"/>
+          </p:nvPr>
+        </p:nvSpPr>
+        <p:spPr>
+          <a:xfrm>
+            <a:off x="6172200" y="2505075"/>
+            <a:ext cx="5183188" cy="3684588"/>
+          </a:xfrm>
+        </p:spPr>
+        <p:txBody>
+          <a:bodyPr/>
+          <a:lstStyle/>
+          <a:p>
+            <a:pPr lvl="0"/>
+            <a:r>
+              <a:rPr lang="en-US"/>
+              <a:t>Edit Master text styles</a:t>
+            </a:r>
+          </a:p>
+          <a:p>
+            <a:pPr lvl="1"/>
+            <a:r>
+              <a:rPr lang="en-US"/>
+              <a:t>Second level</a:t>
+            </a:r>
+          </a:p>
+          <a:p>
+            <a:pPr lvl="2"/>
+            <a:r>
+              <a:rPr lang="en-US"/>
+              <a:t>Third level</a:t>
+            </a:r>
+          </a:p>
+          <a:p>
+            <a:pPr lvl="3"/>
+            <a:r>
+              <a:rPr lang="en-US"/>
+              <a:t>Fourth level</a:t>
+            </a:r>
+          </a:p>
+          <a:p>
+            <a:pPr lvl="4"/>
+            <a:r>
+              <a:rPr lang="en-US"/>
+              <a:t>Fifth level</a:t>
+            </a:r>
+            <a:endParaRPr lang="en-GB"/>
+          </a:p>
+        </p:txBody>
+      </p:sp>
+      <p:sp>
+        <p:nvSpPr>
+          <p:cNvPr id="7" name="Date Placeholder 6">
+            <a:extLst>
+              <a:ext uri="{FF2B5EF4-FFF2-40B4-BE49-F238E27FC236}">
+                <a16:creationId xmlns:a16="http://schemas.microsoft.com/office/drawing/2014/main" id="{097D3939-047B-4B41-8E21-0B9D48840487}"/>
+              </a:ext>
+            </a:extLst>
+          </p:cNvPr>
+          <p:cNvSpPr>
+            <a:spLocks noGrp="1"/>
+          </p:cNvSpPr>
+          <p:nvPr>
+            <p:ph type="dt" sz="half" idx="10"/>
+          </p:nvPr>
+        </p:nvSpPr>
+        <p:spPr/>
+        <p:txBody>
+          <a:bodyPr/>
+          <a:lstStyle/>
+          <a:p>
+            <a:fld id="{15EF62BA-89F7-4AEF-9B54-5BB470E2DCC6}" type="datetimeFigureOut">
+              <a:rPr lang="en-GB" smtClean="0"/>
+              <a:t>17/04/2018</a:t>
+            </a:fld>
+            <a:endParaRPr lang="en-GB"/>
+          </a:p>
+        </p:txBody>
+      </p:sp>
+      <p:sp>
+        <p:nvSpPr>
+          <p:cNvPr id="8" name="Footer Placeholder 7">
+            <a:extLst>
+              <a:ext uri="{FF2B5EF4-FFF2-40B4-BE49-F238E27FC236}">
+                <a16:creationId xmlns:a16="http://schemas.microsoft.com/office/drawing/2014/main" id="{71F112F4-18CE-4448-AFE8-0E42641FABDE}"/>
+              </a:ext>
+            </a:extLst>
+          </p:cNvPr>
+          <p:cNvSpPr>
+            <a:spLocks noGrp="1"/>
+          </p:cNvSpPr>
+          <p:nvPr>
+            <p:ph type="ftr" sz="quarter" idx="11"/>
+          </p:nvPr>
+        </p:nvSpPr>
+        <p:spPr/>
+        <p:txBody>
+          <a:bodyPr/>
+          <a:lstStyle/>
+          <a:p>
+            <a:endParaRPr lang="en-GB"/>
+          </a:p>
+        </p:txBody>
+      </p:sp>
+      <p:sp>
+        <p:nvSpPr>
+          <p:cNvPr id="9" name="Slide Number Placeholder 8">
+            <a:extLst>
+              <a:ext uri="{FF2B5EF4-FFF2-40B4-BE49-F238E27FC236}">
+                <a16:creationId xmlns:a16="http://schemas.microsoft.com/office/drawing/2014/main" id="{BBB5E134-E08C-4B8D-9447-87B794454CFB}"/>
+              </a:ext>
+            </a:extLst>
+          </p:cNvPr>
+          <p:cNvSpPr>
+            <a:spLocks noGrp="1"/>
+          </p:cNvSpPr>
+          <p:nvPr>
+            <p:ph type="sldNum" sz="quarter" idx="12"/>
+          </p:nvPr>
+        </p:nvSpPr>
+        <p:spPr/>
+        <p:txBody>
+          <a:bodyPr/>
+          <a:lstStyle/>
+          <a:p>
+            <a:fld id="{AD580FBD-1122-476C-B841-921403D6EF63}" type="slidenum">
+              <a:rPr lang="en-GB" smtClean="0"/>
+              <a:t>‹#›</a:t>
+            </a:fld>
+            <a:endParaRPr lang="en-GB"/>
+          </a:p>
+        </p:txBody>
+      </p:sp>
+    </p:spTree>
+    <p:extLst>
+      <p:ext uri="{BB962C8B-B14F-4D97-AF65-F5344CB8AC3E}">
+        <p14:creationId xmlns:p14="http://schemas.microsoft.com/office/powerpoint/2010/main" val="3132022690"/>
+      </p:ext>
+    </p:extLst>
+  </p:cSld>
+  <p:clrMapOvr>
+    <a:masterClrMapping/>
+  </p:clrMapOvr>
+</p:sldLayout>
+</file>
+
+<file path=ppt/slideLayouts/slideLayout7.xml><?xml version="1.0" encoding="utf-8"?>
+<p:sldLayout xmlns:a="http://schemas.openxmlformats.org/drawingml/2006/main" xmlns:r="http://schemas.openxmlformats.org/officeDocument/2006/relationships" xmlns:p="http://schemas.openxmlformats.org/presentationml/2006/main" type="titleOnly" preserve="1">
+  <p:cSld name="Title Only">
+    <p:spTree>
+      <p:nvGrpSpPr>
+        <p:cNvPr id="1" name=""/>
+        <p:cNvGrpSpPr/>
+        <p:nvPr/>
+      </p:nvGrpSpPr>
+      <p:grpSpPr>
+        <a:xfrm>
+          <a:off x="0" y="0"/>
+          <a:ext cx="0" cy="0"/>
+          <a:chOff x="0" y="0"/>
+          <a:chExt cx="0" cy="0"/>
+        </a:xfrm>
+      </p:grpSpPr>
+      <p:sp>
+        <p:nvSpPr>
+          <p:cNvPr id="2" name="Title 1">
+            <a:extLst>
+              <a:ext uri="{FF2B5EF4-FFF2-40B4-BE49-F238E27FC236}">
+                <a16:creationId xmlns:a16="http://schemas.microsoft.com/office/drawing/2014/main" id="{8B11427C-54C5-4054-9EA4-D3E6FA2E3028}"/>
+              </a:ext>
+            </a:extLst>
+          </p:cNvPr>
+          <p:cNvSpPr>
+            <a:spLocks noGrp="1"/>
+          </p:cNvSpPr>
+          <p:nvPr>
+            <p:ph type="title"/>
+          </p:nvPr>
+        </p:nvSpPr>
+        <p:spPr/>
+        <p:txBody>
+          <a:bodyPr/>
+          <a:lstStyle/>
+          <a:p>
+            <a:r>
+              <a:rPr lang="en-US"/>
+              <a:t>Click to edit Master title style</a:t>
+            </a:r>
+            <a:endParaRPr lang="en-GB"/>
+          </a:p>
+        </p:txBody>
+      </p:sp>
+      <p:sp>
+        <p:nvSpPr>
+          <p:cNvPr id="3" name="Date Placeholder 2">
+            <a:extLst>
+              <a:ext uri="{FF2B5EF4-FFF2-40B4-BE49-F238E27FC236}">
+                <a16:creationId xmlns:a16="http://schemas.microsoft.com/office/drawing/2014/main" id="{B7443935-DE78-4F63-B2F2-743DB8B38723}"/>
+              </a:ext>
+            </a:extLst>
+          </p:cNvPr>
+          <p:cNvSpPr>
+            <a:spLocks noGrp="1"/>
+          </p:cNvSpPr>
+          <p:nvPr>
+            <p:ph type="dt" sz="half" idx="10"/>
+          </p:nvPr>
+        </p:nvSpPr>
+        <p:spPr/>
+        <p:txBody>
+          <a:bodyPr/>
+          <a:lstStyle/>
+          <a:p>
+            <a:fld id="{15EF62BA-89F7-4AEF-9B54-5BB470E2DCC6}" type="datetimeFigureOut">
+              <a:rPr lang="en-GB" smtClean="0"/>
+              <a:t>17/04/2018</a:t>
+            </a:fld>
+            <a:endParaRPr lang="en-GB"/>
+          </a:p>
+        </p:txBody>
+      </p:sp>
+      <p:sp>
+        <p:nvSpPr>
+          <p:cNvPr id="4" name="Footer Placeholder 3">
+            <a:extLst>
+              <a:ext uri="{FF2B5EF4-FFF2-40B4-BE49-F238E27FC236}">
+                <a16:creationId xmlns:a16="http://schemas.microsoft.com/office/drawing/2014/main" id="{792928A2-DC03-46EF-BDCC-86FE7D1CF1AF}"/>
+              </a:ext>
+            </a:extLst>
+          </p:cNvPr>
+          <p:cNvSpPr>
+            <a:spLocks noGrp="1"/>
+          </p:cNvSpPr>
+          <p:nvPr>
+            <p:ph type="ftr" sz="quarter" idx="11"/>
+          </p:nvPr>
+        </p:nvSpPr>
+        <p:spPr/>
+        <p:txBody>
+          <a:bodyPr/>
+          <a:lstStyle/>
+          <a:p>
+            <a:endParaRPr lang="en-GB"/>
+          </a:p>
+        </p:txBody>
+      </p:sp>
+      <p:sp>
+        <p:nvSpPr>
+          <p:cNvPr id="5" name="Slide Number Placeholder 4">
+            <a:extLst>
+              <a:ext uri="{FF2B5EF4-FFF2-40B4-BE49-F238E27FC236}">
+                <a16:creationId xmlns:a16="http://schemas.microsoft.com/office/drawing/2014/main" id="{274B39C6-2D86-4410-A68E-E1C530D8BAA4}"/>
+              </a:ext>
+            </a:extLst>
+          </p:cNvPr>
+          <p:cNvSpPr>
+            <a:spLocks noGrp="1"/>
+          </p:cNvSpPr>
+          <p:nvPr>
+            <p:ph type="sldNum" sz="quarter" idx="12"/>
+          </p:nvPr>
+        </p:nvSpPr>
+        <p:spPr/>
+        <p:txBody>
+          <a:bodyPr/>
+          <a:lstStyle/>
+          <a:p>
+            <a:fld id="{AD580FBD-1122-476C-B841-921403D6EF63}" type="slidenum">
+              <a:rPr lang="en-GB" smtClean="0"/>
+              <a:t>‹#›</a:t>
+            </a:fld>
+            <a:endParaRPr lang="en-GB"/>
+          </a:p>
+        </p:txBody>
+      </p:sp>
+    </p:spTree>
+    <p:extLst>
+      <p:ext uri="{BB962C8B-B14F-4D97-AF65-F5344CB8AC3E}">
+        <p14:creationId xmlns:p14="http://schemas.microsoft.com/office/powerpoint/2010/main" val="188305652"/>
+      </p:ext>
+    </p:extLst>
+  </p:cSld>
+  <p:clrMapOvr>
+    <a:masterClrMapping/>
+  </p:clrMapOvr>
+</p:sldLayout>
+</file>
+
+<file path=ppt/slideLayouts/slideLayout8.xml><?xml version="1.0" encoding="utf-8"?>
+<p:sldLayout xmlns:a="http://schemas.openxmlformats.org/drawingml/2006/main" xmlns:r="http://schemas.openxmlformats.org/officeDocument/2006/relationships" xmlns:p="http://schemas.openxmlformats.org/presentationml/2006/main" type="blank" preserve="1">
+  <p:cSld name="Blank">
+    <p:spTree>
+      <p:nvGrpSpPr>
+        <p:cNvPr id="1" name=""/>
+        <p:cNvGrpSpPr/>
+        <p:nvPr/>
+      </p:nvGrpSpPr>
+      <p:grpSpPr>
+        <a:xfrm>
+          <a:off x="0" y="0"/>
+          <a:ext cx="0" cy="0"/>
+          <a:chOff x="0" y="0"/>
+          <a:chExt cx="0" cy="0"/>
+        </a:xfrm>
+      </p:grpSpPr>
+      <p:sp>
+        <p:nvSpPr>
+          <p:cNvPr id="2" name="Date Placeholder 1">
+            <a:extLst>
+              <a:ext uri="{FF2B5EF4-FFF2-40B4-BE49-F238E27FC236}">
+                <a16:creationId xmlns:a16="http://schemas.microsoft.com/office/drawing/2014/main" id="{ED008117-4419-4C99-840C-8CC4B424B033}"/>
+              </a:ext>
+            </a:extLst>
+          </p:cNvPr>
+          <p:cNvSpPr>
+            <a:spLocks noGrp="1"/>
+          </p:cNvSpPr>
+          <p:nvPr>
+            <p:ph type="dt" sz="half" idx="10"/>
+          </p:nvPr>
+        </p:nvSpPr>
+        <p:spPr/>
+        <p:txBody>
+          <a:bodyPr/>
+          <a:lstStyle/>
+          <a:p>
+            <a:fld id="{15EF62BA-89F7-4AEF-9B54-5BB470E2DCC6}" type="datetimeFigureOut">
+              <a:rPr lang="en-GB" smtClean="0"/>
+              <a:t>17/04/2018</a:t>
+            </a:fld>
+            <a:endParaRPr lang="en-GB"/>
+          </a:p>
+        </p:txBody>
+      </p:sp>
+      <p:sp>
+        <p:nvSpPr>
+          <p:cNvPr id="3" name="Footer Placeholder 2">
+            <a:extLst>
+              <a:ext uri="{FF2B5EF4-FFF2-40B4-BE49-F238E27FC236}">
+                <a16:creationId xmlns:a16="http://schemas.microsoft.com/office/drawing/2014/main" id="{D2980303-501D-41AA-9043-E8181A49D38B}"/>
+              </a:ext>
+            </a:extLst>
+          </p:cNvPr>
+          <p:cNvSpPr>
+            <a:spLocks noGrp="1"/>
+          </p:cNvSpPr>
+          <p:nvPr>
+            <p:ph type="ftr" sz="quarter" idx="11"/>
+          </p:nvPr>
+        </p:nvSpPr>
+        <p:spPr/>
+        <p:txBody>
+          <a:bodyPr/>
+          <a:lstStyle/>
+          <a:p>
+            <a:endParaRPr lang="en-GB"/>
+          </a:p>
+        </p:txBody>
+      </p:sp>
+      <p:sp>
+        <p:nvSpPr>
+          <p:cNvPr id="4" name="Slide Number Placeholder 3">
+            <a:extLst>
+              <a:ext uri="{FF2B5EF4-FFF2-40B4-BE49-F238E27FC236}">
+                <a16:creationId xmlns:a16="http://schemas.microsoft.com/office/drawing/2014/main" id="{045A9B67-03CA-48A3-905D-759407332D41}"/>
+              </a:ext>
+            </a:extLst>
+          </p:cNvPr>
+          <p:cNvSpPr>
+            <a:spLocks noGrp="1"/>
+          </p:cNvSpPr>
+          <p:nvPr>
+            <p:ph type="sldNum" sz="quarter" idx="12"/>
+          </p:nvPr>
+        </p:nvSpPr>
+        <p:spPr/>
+        <p:txBody>
+          <a:bodyPr/>
+          <a:lstStyle/>
+          <a:p>
+            <a:fld id="{AD580FBD-1122-476C-B841-921403D6EF63}" type="slidenum">
+              <a:rPr lang="en-GB" smtClean="0"/>
+              <a:t>‹#›</a:t>
+            </a:fld>
+            <a:endParaRPr lang="en-GB"/>
+          </a:p>
+        </p:txBody>
+      </p:sp>
+    </p:spTree>
+    <p:extLst>
+      <p:ext uri="{BB962C8B-B14F-4D97-AF65-F5344CB8AC3E}">
+        <p14:creationId xmlns:p14="http://schemas.microsoft.com/office/powerpoint/2010/main" val="171306147"/>
+      </p:ext>
+    </p:extLst>
+  </p:cSld>
+  <p:clrMapOvr>
+    <a:masterClrMapping/>
+  </p:clrMapOvr>
+</p:sldLayout>
+</file>
+
+<file path=ppt/slideLayouts/slideLayout9.xml><?xml version="1.0" encoding="utf-8"?>
 <p:sldLayout xmlns:a="http://schemas.openxmlformats.org/drawingml/2006/main" xmlns:r="http://schemas.openxmlformats.org/officeDocument/2006/relationships" xmlns:p="http://schemas.openxmlformats.org/presentationml/2006/main" type="objTx" preserve="1">
   <p:cSld name="Content with Caption">
     <p:spTree>
@@ -1012,7 +3531,7 @@
           <a:p>
             <a:fld id="{15EF62BA-89F7-4AEF-9B54-5BB470E2DCC6}" type="datetimeFigureOut">
               <a:rPr lang="en-GB" smtClean="0"/>
-              <a:t>15/04/2018</a:t>
+              <a:t>17/04/2018</a:t>
             </a:fld>
             <a:endParaRPr lang="en-GB"/>
           </a:p>
@@ -1085,2546 +3604,11 @@
 </p:sldLayout>
 </file>
 
-<file path=ppt/slideLayouts/slideLayout11.xml><?xml version="1.0" encoding="utf-8"?>
-<p:sldLayout xmlns:a="http://schemas.openxmlformats.org/drawingml/2006/main" xmlns:r="http://schemas.openxmlformats.org/officeDocument/2006/relationships" xmlns:p="http://schemas.openxmlformats.org/presentationml/2006/main" type="picTx" preserve="1">
-  <p:cSld name="Picture with Caption">
-    <p:spTree>
-      <p:nvGrpSpPr>
-        <p:cNvPr id="1" name=""/>
-        <p:cNvGrpSpPr/>
-        <p:nvPr/>
-      </p:nvGrpSpPr>
-      <p:grpSpPr>
-        <a:xfrm>
-          <a:off x="0" y="0"/>
-          <a:ext cx="0" cy="0"/>
-          <a:chOff x="0" y="0"/>
-          <a:chExt cx="0" cy="0"/>
-        </a:xfrm>
-      </p:grpSpPr>
-      <p:sp>
-        <p:nvSpPr>
-          <p:cNvPr id="2" name="Title 1">
-            <a:extLst>
-              <a:ext uri="{FF2B5EF4-FFF2-40B4-BE49-F238E27FC236}">
-                <a16:creationId xmlns:a16="http://schemas.microsoft.com/office/drawing/2014/main" id="{359C96EC-2E7A-49BE-A517-089A1AFDB431}"/>
-              </a:ext>
-            </a:extLst>
-          </p:cNvPr>
-          <p:cNvSpPr>
-            <a:spLocks noGrp="1"/>
-          </p:cNvSpPr>
-          <p:nvPr>
-            <p:ph type="title"/>
-          </p:nvPr>
-        </p:nvSpPr>
-        <p:spPr>
-          <a:xfrm>
-            <a:off x="839788" y="457200"/>
-            <a:ext cx="3932237" cy="1600200"/>
-          </a:xfrm>
-        </p:spPr>
-        <p:txBody>
-          <a:bodyPr anchor="b"/>
-          <a:lstStyle>
-            <a:lvl1pPr>
-              <a:defRPr sz="3200"/>
-            </a:lvl1pPr>
-          </a:lstStyle>
-          <a:p>
-            <a:r>
-              <a:rPr lang="en-US"/>
-              <a:t>Click to edit Master title style</a:t>
-            </a:r>
-            <a:endParaRPr lang="en-GB"/>
-          </a:p>
-        </p:txBody>
-      </p:sp>
-      <p:sp>
-        <p:nvSpPr>
-          <p:cNvPr id="3" name="Picture Placeholder 2">
-            <a:extLst>
-              <a:ext uri="{FF2B5EF4-FFF2-40B4-BE49-F238E27FC236}">
-                <a16:creationId xmlns:a16="http://schemas.microsoft.com/office/drawing/2014/main" id="{D4A7E02F-C621-4F37-B901-3814CC6B19E2}"/>
-              </a:ext>
-            </a:extLst>
-          </p:cNvPr>
-          <p:cNvSpPr>
-            <a:spLocks noGrp="1"/>
-          </p:cNvSpPr>
-          <p:nvPr>
-            <p:ph type="pic" idx="1"/>
-          </p:nvPr>
-        </p:nvSpPr>
-        <p:spPr>
-          <a:xfrm>
-            <a:off x="5183188" y="987425"/>
-            <a:ext cx="6172200" cy="4873625"/>
-          </a:xfrm>
-        </p:spPr>
-        <p:txBody>
-          <a:bodyPr/>
-          <a:lstStyle>
-            <a:lvl1pPr marL="0" indent="0">
-              <a:buNone/>
-              <a:defRPr sz="3200"/>
-            </a:lvl1pPr>
-            <a:lvl2pPr marL="457200" indent="0">
-              <a:buNone/>
-              <a:defRPr sz="2800"/>
-            </a:lvl2pPr>
-            <a:lvl3pPr marL="914400" indent="0">
-              <a:buNone/>
-              <a:defRPr sz="2400"/>
-            </a:lvl3pPr>
-            <a:lvl4pPr marL="1371600" indent="0">
-              <a:buNone/>
-              <a:defRPr sz="2000"/>
-            </a:lvl4pPr>
-            <a:lvl5pPr marL="1828800" indent="0">
-              <a:buNone/>
-              <a:defRPr sz="2000"/>
-            </a:lvl5pPr>
-            <a:lvl6pPr marL="2286000" indent="0">
-              <a:buNone/>
-              <a:defRPr sz="2000"/>
-            </a:lvl6pPr>
-            <a:lvl7pPr marL="2743200" indent="0">
-              <a:buNone/>
-              <a:defRPr sz="2000"/>
-            </a:lvl7pPr>
-            <a:lvl8pPr marL="3200400" indent="0">
-              <a:buNone/>
-              <a:defRPr sz="2000"/>
-            </a:lvl8pPr>
-            <a:lvl9pPr marL="3657600" indent="0">
-              <a:buNone/>
-              <a:defRPr sz="2000"/>
-            </a:lvl9pPr>
-          </a:lstStyle>
-          <a:p>
-            <a:endParaRPr lang="en-GB"/>
-          </a:p>
-        </p:txBody>
-      </p:sp>
-      <p:sp>
-        <p:nvSpPr>
-          <p:cNvPr id="4" name="Text Placeholder 3">
-            <a:extLst>
-              <a:ext uri="{FF2B5EF4-FFF2-40B4-BE49-F238E27FC236}">
-                <a16:creationId xmlns:a16="http://schemas.microsoft.com/office/drawing/2014/main" id="{D798D694-FF40-4C52-B912-0BD17C12EE24}"/>
-              </a:ext>
-            </a:extLst>
-          </p:cNvPr>
-          <p:cNvSpPr>
-            <a:spLocks noGrp="1"/>
-          </p:cNvSpPr>
-          <p:nvPr>
-            <p:ph type="body" sz="half" idx="2"/>
-          </p:nvPr>
-        </p:nvSpPr>
-        <p:spPr>
-          <a:xfrm>
-            <a:off x="839788" y="2057400"/>
-            <a:ext cx="3932237" cy="3811588"/>
-          </a:xfrm>
-        </p:spPr>
-        <p:txBody>
-          <a:bodyPr/>
-          <a:lstStyle>
-            <a:lvl1pPr marL="0" indent="0">
-              <a:buNone/>
-              <a:defRPr sz="1600"/>
-            </a:lvl1pPr>
-            <a:lvl2pPr marL="457200" indent="0">
-              <a:buNone/>
-              <a:defRPr sz="1400"/>
-            </a:lvl2pPr>
-            <a:lvl3pPr marL="914400" indent="0">
-              <a:buNone/>
-              <a:defRPr sz="1200"/>
-            </a:lvl3pPr>
-            <a:lvl4pPr marL="1371600" indent="0">
-              <a:buNone/>
-              <a:defRPr sz="1000"/>
-            </a:lvl4pPr>
-            <a:lvl5pPr marL="1828800" indent="0">
-              <a:buNone/>
-              <a:defRPr sz="1000"/>
-            </a:lvl5pPr>
-            <a:lvl6pPr marL="2286000" indent="0">
-              <a:buNone/>
-              <a:defRPr sz="1000"/>
-            </a:lvl6pPr>
-            <a:lvl7pPr marL="2743200" indent="0">
-              <a:buNone/>
-              <a:defRPr sz="1000"/>
-            </a:lvl7pPr>
-            <a:lvl8pPr marL="3200400" indent="0">
-              <a:buNone/>
-              <a:defRPr sz="1000"/>
-            </a:lvl8pPr>
-            <a:lvl9pPr marL="3657600" indent="0">
-              <a:buNone/>
-              <a:defRPr sz="1000"/>
-            </a:lvl9pPr>
-          </a:lstStyle>
-          <a:p>
-            <a:pPr lvl="0"/>
-            <a:r>
-              <a:rPr lang="en-US"/>
-              <a:t>Edit Master text styles</a:t>
-            </a:r>
-          </a:p>
-        </p:txBody>
-      </p:sp>
-      <p:sp>
-        <p:nvSpPr>
-          <p:cNvPr id="5" name="Date Placeholder 4">
-            <a:extLst>
-              <a:ext uri="{FF2B5EF4-FFF2-40B4-BE49-F238E27FC236}">
-                <a16:creationId xmlns:a16="http://schemas.microsoft.com/office/drawing/2014/main" id="{762923C3-3905-413A-AC7F-F79D7AF08B6D}"/>
-              </a:ext>
-            </a:extLst>
-          </p:cNvPr>
-          <p:cNvSpPr>
-            <a:spLocks noGrp="1"/>
-          </p:cNvSpPr>
-          <p:nvPr>
-            <p:ph type="dt" sz="half" idx="10"/>
-          </p:nvPr>
-        </p:nvSpPr>
-        <p:spPr/>
-        <p:txBody>
-          <a:bodyPr/>
-          <a:lstStyle/>
-          <a:p>
-            <a:fld id="{15EF62BA-89F7-4AEF-9B54-5BB470E2DCC6}" type="datetimeFigureOut">
-              <a:rPr lang="en-GB" smtClean="0"/>
-              <a:t>15/04/2018</a:t>
-            </a:fld>
-            <a:endParaRPr lang="en-GB"/>
-          </a:p>
-        </p:txBody>
-      </p:sp>
-      <p:sp>
-        <p:nvSpPr>
-          <p:cNvPr id="6" name="Footer Placeholder 5">
-            <a:extLst>
-              <a:ext uri="{FF2B5EF4-FFF2-40B4-BE49-F238E27FC236}">
-                <a16:creationId xmlns:a16="http://schemas.microsoft.com/office/drawing/2014/main" id="{11946138-741A-4648-8D2D-2939AA168847}"/>
-              </a:ext>
-            </a:extLst>
-          </p:cNvPr>
-          <p:cNvSpPr>
-            <a:spLocks noGrp="1"/>
-          </p:cNvSpPr>
-          <p:nvPr>
-            <p:ph type="ftr" sz="quarter" idx="11"/>
-          </p:nvPr>
-        </p:nvSpPr>
-        <p:spPr/>
-        <p:txBody>
-          <a:bodyPr/>
-          <a:lstStyle/>
-          <a:p>
-            <a:endParaRPr lang="en-GB"/>
-          </a:p>
-        </p:txBody>
-      </p:sp>
-      <p:sp>
-        <p:nvSpPr>
-          <p:cNvPr id="7" name="Slide Number Placeholder 6">
-            <a:extLst>
-              <a:ext uri="{FF2B5EF4-FFF2-40B4-BE49-F238E27FC236}">
-                <a16:creationId xmlns:a16="http://schemas.microsoft.com/office/drawing/2014/main" id="{9848BB85-2327-41AC-8234-9901C1823126}"/>
-              </a:ext>
-            </a:extLst>
-          </p:cNvPr>
-          <p:cNvSpPr>
-            <a:spLocks noGrp="1"/>
-          </p:cNvSpPr>
-          <p:nvPr>
-            <p:ph type="sldNum" sz="quarter" idx="12"/>
-          </p:nvPr>
-        </p:nvSpPr>
-        <p:spPr/>
-        <p:txBody>
-          <a:bodyPr/>
-          <a:lstStyle/>
-          <a:p>
-            <a:fld id="{AD580FBD-1122-476C-B841-921403D6EF63}" type="slidenum">
-              <a:rPr lang="en-GB" smtClean="0"/>
-              <a:t>‹#›</a:t>
-            </a:fld>
-            <a:endParaRPr lang="en-GB"/>
-          </a:p>
-        </p:txBody>
-      </p:sp>
-    </p:spTree>
-    <p:extLst>
-      <p:ext uri="{BB962C8B-B14F-4D97-AF65-F5344CB8AC3E}">
-        <p14:creationId xmlns:p14="http://schemas.microsoft.com/office/powerpoint/2010/main" val="3370232763"/>
-      </p:ext>
-    </p:extLst>
-  </p:cSld>
-  <p:clrMapOvr>
-    <a:masterClrMapping/>
-  </p:clrMapOvr>
-</p:sldLayout>
-</file>
-
-<file path=ppt/slideLayouts/slideLayout12.xml><?xml version="1.0" encoding="utf-8"?>
-<p:sldLayout xmlns:a="http://schemas.openxmlformats.org/drawingml/2006/main" xmlns:r="http://schemas.openxmlformats.org/officeDocument/2006/relationships" xmlns:p="http://schemas.openxmlformats.org/presentationml/2006/main" type="vertTx" preserve="1">
-  <p:cSld name="Title and Vertical Text">
-    <p:spTree>
-      <p:nvGrpSpPr>
-        <p:cNvPr id="1" name=""/>
-        <p:cNvGrpSpPr/>
-        <p:nvPr/>
-      </p:nvGrpSpPr>
-      <p:grpSpPr>
-        <a:xfrm>
-          <a:off x="0" y="0"/>
-          <a:ext cx="0" cy="0"/>
-          <a:chOff x="0" y="0"/>
-          <a:chExt cx="0" cy="0"/>
-        </a:xfrm>
-      </p:grpSpPr>
-      <p:sp>
-        <p:nvSpPr>
-          <p:cNvPr id="2" name="Title 1">
-            <a:extLst>
-              <a:ext uri="{FF2B5EF4-FFF2-40B4-BE49-F238E27FC236}">
-                <a16:creationId xmlns:a16="http://schemas.microsoft.com/office/drawing/2014/main" id="{9C89409F-7D08-40B8-A939-CB612094E675}"/>
-              </a:ext>
-            </a:extLst>
-          </p:cNvPr>
-          <p:cNvSpPr>
-            <a:spLocks noGrp="1"/>
-          </p:cNvSpPr>
-          <p:nvPr>
-            <p:ph type="title"/>
-          </p:nvPr>
-        </p:nvSpPr>
-        <p:spPr/>
-        <p:txBody>
-          <a:bodyPr/>
-          <a:lstStyle/>
-          <a:p>
-            <a:r>
-              <a:rPr lang="en-US"/>
-              <a:t>Click to edit Master title style</a:t>
-            </a:r>
-            <a:endParaRPr lang="en-GB"/>
-          </a:p>
-        </p:txBody>
-      </p:sp>
-      <p:sp>
-        <p:nvSpPr>
-          <p:cNvPr id="3" name="Vertical Text Placeholder 2">
-            <a:extLst>
-              <a:ext uri="{FF2B5EF4-FFF2-40B4-BE49-F238E27FC236}">
-                <a16:creationId xmlns:a16="http://schemas.microsoft.com/office/drawing/2014/main" id="{A7EDA7E3-289D-4E6D-AC36-8AE0C87762C4}"/>
-              </a:ext>
-            </a:extLst>
-          </p:cNvPr>
-          <p:cNvSpPr>
-            <a:spLocks noGrp="1"/>
-          </p:cNvSpPr>
-          <p:nvPr>
-            <p:ph type="body" orient="vert" idx="1"/>
-          </p:nvPr>
-        </p:nvSpPr>
-        <p:spPr/>
-        <p:txBody>
-          <a:bodyPr vert="eaVert"/>
-          <a:lstStyle/>
-          <a:p>
-            <a:pPr lvl="0"/>
-            <a:r>
-              <a:rPr lang="en-US"/>
-              <a:t>Edit Master text styles</a:t>
-            </a:r>
-          </a:p>
-          <a:p>
-            <a:pPr lvl="1"/>
-            <a:r>
-              <a:rPr lang="en-US"/>
-              <a:t>Second level</a:t>
-            </a:r>
-          </a:p>
-          <a:p>
-            <a:pPr lvl="2"/>
-            <a:r>
-              <a:rPr lang="en-US"/>
-              <a:t>Third level</a:t>
-            </a:r>
-          </a:p>
-          <a:p>
-            <a:pPr lvl="3"/>
-            <a:r>
-              <a:rPr lang="en-US"/>
-              <a:t>Fourth level</a:t>
-            </a:r>
-          </a:p>
-          <a:p>
-            <a:pPr lvl="4"/>
-            <a:r>
-              <a:rPr lang="en-US"/>
-              <a:t>Fifth level</a:t>
-            </a:r>
-            <a:endParaRPr lang="en-GB"/>
-          </a:p>
-        </p:txBody>
-      </p:sp>
-      <p:sp>
-        <p:nvSpPr>
-          <p:cNvPr id="4" name="Date Placeholder 3">
-            <a:extLst>
-              <a:ext uri="{FF2B5EF4-FFF2-40B4-BE49-F238E27FC236}">
-                <a16:creationId xmlns:a16="http://schemas.microsoft.com/office/drawing/2014/main" id="{BBC7F3BC-44DC-4AA6-9742-A0E3AB6768B1}"/>
-              </a:ext>
-            </a:extLst>
-          </p:cNvPr>
-          <p:cNvSpPr>
-            <a:spLocks noGrp="1"/>
-          </p:cNvSpPr>
-          <p:nvPr>
-            <p:ph type="dt" sz="half" idx="10"/>
-          </p:nvPr>
-        </p:nvSpPr>
-        <p:spPr/>
-        <p:txBody>
-          <a:bodyPr/>
-          <a:lstStyle/>
-          <a:p>
-            <a:fld id="{15EF62BA-89F7-4AEF-9B54-5BB470E2DCC6}" type="datetimeFigureOut">
-              <a:rPr lang="en-GB" smtClean="0"/>
-              <a:t>15/04/2018</a:t>
-            </a:fld>
-            <a:endParaRPr lang="en-GB"/>
-          </a:p>
-        </p:txBody>
-      </p:sp>
-      <p:sp>
-        <p:nvSpPr>
-          <p:cNvPr id="5" name="Footer Placeholder 4">
-            <a:extLst>
-              <a:ext uri="{FF2B5EF4-FFF2-40B4-BE49-F238E27FC236}">
-                <a16:creationId xmlns:a16="http://schemas.microsoft.com/office/drawing/2014/main" id="{BD895BE3-112D-4CFE-9263-A264CC6C7CCE}"/>
-              </a:ext>
-            </a:extLst>
-          </p:cNvPr>
-          <p:cNvSpPr>
-            <a:spLocks noGrp="1"/>
-          </p:cNvSpPr>
-          <p:nvPr>
-            <p:ph type="ftr" sz="quarter" idx="11"/>
-          </p:nvPr>
-        </p:nvSpPr>
-        <p:spPr/>
-        <p:txBody>
-          <a:bodyPr/>
-          <a:lstStyle/>
-          <a:p>
-            <a:endParaRPr lang="en-GB"/>
-          </a:p>
-        </p:txBody>
-      </p:sp>
-      <p:sp>
-        <p:nvSpPr>
-          <p:cNvPr id="6" name="Slide Number Placeholder 5">
-            <a:extLst>
-              <a:ext uri="{FF2B5EF4-FFF2-40B4-BE49-F238E27FC236}">
-                <a16:creationId xmlns:a16="http://schemas.microsoft.com/office/drawing/2014/main" id="{A7835146-39F5-47F5-A4E6-80E5DC1E1573}"/>
-              </a:ext>
-            </a:extLst>
-          </p:cNvPr>
-          <p:cNvSpPr>
-            <a:spLocks noGrp="1"/>
-          </p:cNvSpPr>
-          <p:nvPr>
-            <p:ph type="sldNum" sz="quarter" idx="12"/>
-          </p:nvPr>
-        </p:nvSpPr>
-        <p:spPr/>
-        <p:txBody>
-          <a:bodyPr/>
-          <a:lstStyle/>
-          <a:p>
-            <a:fld id="{AD580FBD-1122-476C-B841-921403D6EF63}" type="slidenum">
-              <a:rPr lang="en-GB" smtClean="0"/>
-              <a:t>‹#›</a:t>
-            </a:fld>
-            <a:endParaRPr lang="en-GB"/>
-          </a:p>
-        </p:txBody>
-      </p:sp>
-    </p:spTree>
-    <p:extLst>
-      <p:ext uri="{BB962C8B-B14F-4D97-AF65-F5344CB8AC3E}">
-        <p14:creationId xmlns:p14="http://schemas.microsoft.com/office/powerpoint/2010/main" val="1471436364"/>
-      </p:ext>
-    </p:extLst>
-  </p:cSld>
-  <p:clrMapOvr>
-    <a:masterClrMapping/>
-  </p:clrMapOvr>
-</p:sldLayout>
-</file>
-
-<file path=ppt/slideLayouts/slideLayout13.xml><?xml version="1.0" encoding="utf-8"?>
-<p:sldLayout xmlns:a="http://schemas.openxmlformats.org/drawingml/2006/main" xmlns:r="http://schemas.openxmlformats.org/officeDocument/2006/relationships" xmlns:p="http://schemas.openxmlformats.org/presentationml/2006/main" type="vertTitleAndTx" preserve="1">
-  <p:cSld name="Vertical Title and Text">
-    <p:spTree>
-      <p:nvGrpSpPr>
-        <p:cNvPr id="1" name=""/>
-        <p:cNvGrpSpPr/>
-        <p:nvPr/>
-      </p:nvGrpSpPr>
-      <p:grpSpPr>
-        <a:xfrm>
-          <a:off x="0" y="0"/>
-          <a:ext cx="0" cy="0"/>
-          <a:chOff x="0" y="0"/>
-          <a:chExt cx="0" cy="0"/>
-        </a:xfrm>
-      </p:grpSpPr>
-      <p:sp>
-        <p:nvSpPr>
-          <p:cNvPr id="2" name="Vertical Title 1">
-            <a:extLst>
-              <a:ext uri="{FF2B5EF4-FFF2-40B4-BE49-F238E27FC236}">
-                <a16:creationId xmlns:a16="http://schemas.microsoft.com/office/drawing/2014/main" id="{187F4232-1D74-47CC-8855-89C5D179822A}"/>
-              </a:ext>
-            </a:extLst>
-          </p:cNvPr>
-          <p:cNvSpPr>
-            <a:spLocks noGrp="1"/>
-          </p:cNvSpPr>
-          <p:nvPr>
-            <p:ph type="title" orient="vert"/>
-          </p:nvPr>
-        </p:nvSpPr>
-        <p:spPr>
-          <a:xfrm>
-            <a:off x="8724900" y="365125"/>
-            <a:ext cx="2628900" cy="5811838"/>
-          </a:xfrm>
-        </p:spPr>
-        <p:txBody>
-          <a:bodyPr vert="eaVert"/>
-          <a:lstStyle/>
-          <a:p>
-            <a:r>
-              <a:rPr lang="en-US"/>
-              <a:t>Click to edit Master title style</a:t>
-            </a:r>
-            <a:endParaRPr lang="en-GB"/>
-          </a:p>
-        </p:txBody>
-      </p:sp>
-      <p:sp>
-        <p:nvSpPr>
-          <p:cNvPr id="3" name="Vertical Text Placeholder 2">
-            <a:extLst>
-              <a:ext uri="{FF2B5EF4-FFF2-40B4-BE49-F238E27FC236}">
-                <a16:creationId xmlns:a16="http://schemas.microsoft.com/office/drawing/2014/main" id="{421F9872-C0B6-4ED8-933C-D343D4F50F14}"/>
-              </a:ext>
-            </a:extLst>
-          </p:cNvPr>
-          <p:cNvSpPr>
-            <a:spLocks noGrp="1"/>
-          </p:cNvSpPr>
-          <p:nvPr>
-            <p:ph type="body" orient="vert" idx="1"/>
-          </p:nvPr>
-        </p:nvSpPr>
-        <p:spPr>
-          <a:xfrm>
-            <a:off x="838200" y="365125"/>
-            <a:ext cx="7734300" cy="5811838"/>
-          </a:xfrm>
-        </p:spPr>
-        <p:txBody>
-          <a:bodyPr vert="eaVert"/>
-          <a:lstStyle/>
-          <a:p>
-            <a:pPr lvl="0"/>
-            <a:r>
-              <a:rPr lang="en-US"/>
-              <a:t>Edit Master text styles</a:t>
-            </a:r>
-          </a:p>
-          <a:p>
-            <a:pPr lvl="1"/>
-            <a:r>
-              <a:rPr lang="en-US"/>
-              <a:t>Second level</a:t>
-            </a:r>
-          </a:p>
-          <a:p>
-            <a:pPr lvl="2"/>
-            <a:r>
-              <a:rPr lang="en-US"/>
-              <a:t>Third level</a:t>
-            </a:r>
-          </a:p>
-          <a:p>
-            <a:pPr lvl="3"/>
-            <a:r>
-              <a:rPr lang="en-US"/>
-              <a:t>Fourth level</a:t>
-            </a:r>
-          </a:p>
-          <a:p>
-            <a:pPr lvl="4"/>
-            <a:r>
-              <a:rPr lang="en-US"/>
-              <a:t>Fifth level</a:t>
-            </a:r>
-            <a:endParaRPr lang="en-GB"/>
-          </a:p>
-        </p:txBody>
-      </p:sp>
-      <p:sp>
-        <p:nvSpPr>
-          <p:cNvPr id="4" name="Date Placeholder 3">
-            <a:extLst>
-              <a:ext uri="{FF2B5EF4-FFF2-40B4-BE49-F238E27FC236}">
-                <a16:creationId xmlns:a16="http://schemas.microsoft.com/office/drawing/2014/main" id="{C3501F91-C53D-4D29-9E2E-55725DB43DF4}"/>
-              </a:ext>
-            </a:extLst>
-          </p:cNvPr>
-          <p:cNvSpPr>
-            <a:spLocks noGrp="1"/>
-          </p:cNvSpPr>
-          <p:nvPr>
-            <p:ph type="dt" sz="half" idx="10"/>
-          </p:nvPr>
-        </p:nvSpPr>
-        <p:spPr/>
-        <p:txBody>
-          <a:bodyPr/>
-          <a:lstStyle/>
-          <a:p>
-            <a:fld id="{15EF62BA-89F7-4AEF-9B54-5BB470E2DCC6}" type="datetimeFigureOut">
-              <a:rPr lang="en-GB" smtClean="0"/>
-              <a:t>15/04/2018</a:t>
-            </a:fld>
-            <a:endParaRPr lang="en-GB"/>
-          </a:p>
-        </p:txBody>
-      </p:sp>
-      <p:sp>
-        <p:nvSpPr>
-          <p:cNvPr id="5" name="Footer Placeholder 4">
-            <a:extLst>
-              <a:ext uri="{FF2B5EF4-FFF2-40B4-BE49-F238E27FC236}">
-                <a16:creationId xmlns:a16="http://schemas.microsoft.com/office/drawing/2014/main" id="{76FFC218-F43F-4682-853B-37D6C390169E}"/>
-              </a:ext>
-            </a:extLst>
-          </p:cNvPr>
-          <p:cNvSpPr>
-            <a:spLocks noGrp="1"/>
-          </p:cNvSpPr>
-          <p:nvPr>
-            <p:ph type="ftr" sz="quarter" idx="11"/>
-          </p:nvPr>
-        </p:nvSpPr>
-        <p:spPr/>
-        <p:txBody>
-          <a:bodyPr/>
-          <a:lstStyle/>
-          <a:p>
-            <a:endParaRPr lang="en-GB"/>
-          </a:p>
-        </p:txBody>
-      </p:sp>
-      <p:sp>
-        <p:nvSpPr>
-          <p:cNvPr id="6" name="Slide Number Placeholder 5">
-            <a:extLst>
-              <a:ext uri="{FF2B5EF4-FFF2-40B4-BE49-F238E27FC236}">
-                <a16:creationId xmlns:a16="http://schemas.microsoft.com/office/drawing/2014/main" id="{CF07A78A-5D7A-4209-8914-E7C22EF85F8C}"/>
-              </a:ext>
-            </a:extLst>
-          </p:cNvPr>
-          <p:cNvSpPr>
-            <a:spLocks noGrp="1"/>
-          </p:cNvSpPr>
-          <p:nvPr>
-            <p:ph type="sldNum" sz="quarter" idx="12"/>
-          </p:nvPr>
-        </p:nvSpPr>
-        <p:spPr/>
-        <p:txBody>
-          <a:bodyPr/>
-          <a:lstStyle/>
-          <a:p>
-            <a:fld id="{AD580FBD-1122-476C-B841-921403D6EF63}" type="slidenum">
-              <a:rPr lang="en-GB" smtClean="0"/>
-              <a:t>‹#›</a:t>
-            </a:fld>
-            <a:endParaRPr lang="en-GB"/>
-          </a:p>
-        </p:txBody>
-      </p:sp>
-    </p:spTree>
-    <p:extLst>
-      <p:ext uri="{BB962C8B-B14F-4D97-AF65-F5344CB8AC3E}">
-        <p14:creationId xmlns:p14="http://schemas.microsoft.com/office/powerpoint/2010/main" val="3297104429"/>
-      </p:ext>
-    </p:extLst>
-  </p:cSld>
-  <p:clrMapOvr>
-    <a:masterClrMapping/>
-  </p:clrMapOvr>
-</p:sldLayout>
-</file>
-
-<file path=ppt/slideLayouts/slideLayout2.xml><?xml version="1.0" encoding="utf-8"?>
-<p:sldLayout xmlns:a="http://schemas.openxmlformats.org/drawingml/2006/main" xmlns:r="http://schemas.openxmlformats.org/officeDocument/2006/relationships" xmlns:p="http://schemas.openxmlformats.org/presentationml/2006/main" type="obj">
-  <p:cSld name="Title and Content">
-    <p:spTree>
-      <p:nvGrpSpPr>
-        <p:cNvPr id="1" name=""/>
-        <p:cNvGrpSpPr/>
-        <p:nvPr/>
-      </p:nvGrpSpPr>
-      <p:grpSpPr>
-        <a:xfrm>
-          <a:off x="0" y="0"/>
-          <a:ext cx="0" cy="0"/>
-          <a:chOff x="0" y="0"/>
-          <a:chExt cx="0" cy="0"/>
-        </a:xfrm>
-      </p:grpSpPr>
-      <p:sp>
-        <p:nvSpPr>
-          <p:cNvPr id="2" name="Title 1">
-            <a:extLst>
-              <a:ext uri="{FF2B5EF4-FFF2-40B4-BE49-F238E27FC236}">
-                <a16:creationId xmlns:a16="http://schemas.microsoft.com/office/drawing/2014/main" id="{DDEDB556-7ECC-4E8C-B097-F3B01D3C1E32}"/>
-              </a:ext>
-            </a:extLst>
-          </p:cNvPr>
-          <p:cNvSpPr>
-            <a:spLocks noGrp="1"/>
-          </p:cNvSpPr>
-          <p:nvPr>
-            <p:ph type="title"/>
-          </p:nvPr>
-        </p:nvSpPr>
-        <p:spPr/>
-        <p:txBody>
-          <a:bodyPr/>
-          <a:lstStyle/>
-          <a:p>
-            <a:r>
-              <a:rPr lang="en-US"/>
-              <a:t>Click to edit Master title style</a:t>
-            </a:r>
-            <a:endParaRPr lang="en-GB"/>
-          </a:p>
-        </p:txBody>
-      </p:sp>
-      <p:sp>
-        <p:nvSpPr>
-          <p:cNvPr id="3" name="Content Placeholder 2">
-            <a:extLst>
-              <a:ext uri="{FF2B5EF4-FFF2-40B4-BE49-F238E27FC236}">
-                <a16:creationId xmlns:a16="http://schemas.microsoft.com/office/drawing/2014/main" id="{3556DF7B-17B4-46ED-9505-0D5E89EE4E36}"/>
-              </a:ext>
-            </a:extLst>
-          </p:cNvPr>
-          <p:cNvSpPr>
-            <a:spLocks noGrp="1"/>
-          </p:cNvSpPr>
-          <p:nvPr>
-            <p:ph idx="1"/>
-          </p:nvPr>
-        </p:nvSpPr>
-        <p:spPr/>
-        <p:txBody>
-          <a:bodyPr/>
-          <a:lstStyle/>
-          <a:p>
-            <a:pPr lvl="0"/>
-            <a:r>
-              <a:rPr lang="en-US"/>
-              <a:t>Edit Master text styles</a:t>
-            </a:r>
-          </a:p>
-          <a:p>
-            <a:pPr lvl="1"/>
-            <a:r>
-              <a:rPr lang="en-US"/>
-              <a:t>Second level</a:t>
-            </a:r>
-          </a:p>
-          <a:p>
-            <a:pPr lvl="2"/>
-            <a:r>
-              <a:rPr lang="en-US"/>
-              <a:t>Third level</a:t>
-            </a:r>
-          </a:p>
-          <a:p>
-            <a:pPr lvl="3"/>
-            <a:r>
-              <a:rPr lang="en-US"/>
-              <a:t>Fourth level</a:t>
-            </a:r>
-          </a:p>
-          <a:p>
-            <a:pPr lvl="4"/>
-            <a:r>
-              <a:rPr lang="en-US"/>
-              <a:t>Fifth level</a:t>
-            </a:r>
-            <a:endParaRPr lang="en-GB"/>
-          </a:p>
-        </p:txBody>
-      </p:sp>
-      <p:sp>
-        <p:nvSpPr>
-          <p:cNvPr id="4" name="Date Placeholder 3">
-            <a:extLst>
-              <a:ext uri="{FF2B5EF4-FFF2-40B4-BE49-F238E27FC236}">
-                <a16:creationId xmlns:a16="http://schemas.microsoft.com/office/drawing/2014/main" id="{384A605A-EDDB-473A-8925-4D43931F78EF}"/>
-              </a:ext>
-            </a:extLst>
-          </p:cNvPr>
-          <p:cNvSpPr>
-            <a:spLocks noGrp="1"/>
-          </p:cNvSpPr>
-          <p:nvPr>
-            <p:ph type="dt" sz="half" idx="10"/>
-          </p:nvPr>
-        </p:nvSpPr>
-        <p:spPr/>
-        <p:txBody>
-          <a:bodyPr/>
-          <a:lstStyle/>
-          <a:p>
-            <a:fld id="{3EEEED0C-8388-4B3A-AFE2-92CF7B84689C}" type="datetimeFigureOut">
-              <a:rPr lang="en-GB" smtClean="0"/>
-              <a:t>15/04/2018</a:t>
-            </a:fld>
-            <a:endParaRPr lang="en-GB"/>
-          </a:p>
-        </p:txBody>
-      </p:sp>
-      <p:sp>
-        <p:nvSpPr>
-          <p:cNvPr id="5" name="Footer Placeholder 4">
-            <a:extLst>
-              <a:ext uri="{FF2B5EF4-FFF2-40B4-BE49-F238E27FC236}">
-                <a16:creationId xmlns:a16="http://schemas.microsoft.com/office/drawing/2014/main" id="{EA192A55-D27B-4772-8299-5FF63482D79A}"/>
-              </a:ext>
-            </a:extLst>
-          </p:cNvPr>
-          <p:cNvSpPr>
-            <a:spLocks noGrp="1"/>
-          </p:cNvSpPr>
-          <p:nvPr>
-            <p:ph type="ftr" sz="quarter" idx="11"/>
-          </p:nvPr>
-        </p:nvSpPr>
-        <p:spPr/>
-        <p:txBody>
-          <a:bodyPr/>
-          <a:lstStyle/>
-          <a:p>
-            <a:endParaRPr lang="en-GB"/>
-          </a:p>
-        </p:txBody>
-      </p:sp>
-      <p:sp>
-        <p:nvSpPr>
-          <p:cNvPr id="6" name="Slide Number Placeholder 5">
-            <a:extLst>
-              <a:ext uri="{FF2B5EF4-FFF2-40B4-BE49-F238E27FC236}">
-                <a16:creationId xmlns:a16="http://schemas.microsoft.com/office/drawing/2014/main" id="{E1C9C121-29F3-45D0-8292-981CE52104E3}"/>
-              </a:ext>
-            </a:extLst>
-          </p:cNvPr>
-          <p:cNvSpPr>
-            <a:spLocks noGrp="1"/>
-          </p:cNvSpPr>
-          <p:nvPr>
-            <p:ph type="sldNum" sz="quarter" idx="12"/>
-          </p:nvPr>
-        </p:nvSpPr>
-        <p:spPr/>
-        <p:txBody>
-          <a:bodyPr/>
-          <a:lstStyle/>
-          <a:p>
-            <a:fld id="{79E8509D-937C-4E6F-87F1-3A3734C7C8FE}" type="slidenum">
-              <a:rPr lang="en-GB" smtClean="0"/>
-              <a:t>‹#›</a:t>
-            </a:fld>
-            <a:endParaRPr lang="en-GB"/>
-          </a:p>
-        </p:txBody>
-      </p:sp>
-    </p:spTree>
-    <p:extLst>
-      <p:ext uri="{BB962C8B-B14F-4D97-AF65-F5344CB8AC3E}">
-        <p14:creationId xmlns:p14="http://schemas.microsoft.com/office/powerpoint/2010/main" val="1463980284"/>
-      </p:ext>
-    </p:extLst>
-  </p:cSld>
-  <p:clrMapOvr>
-    <a:masterClrMapping/>
-  </p:clrMapOvr>
-</p:sldLayout>
-</file>
-
-<file path=ppt/slideLayouts/slideLayout3.xml><?xml version="1.0" encoding="utf-8"?>
-<p:sldLayout xmlns:a="http://schemas.openxmlformats.org/drawingml/2006/main" xmlns:r="http://schemas.openxmlformats.org/officeDocument/2006/relationships" xmlns:p="http://schemas.openxmlformats.org/presentationml/2006/main" type="title" preserve="1">
-  <p:cSld name="Title Slide">
-    <p:spTree>
-      <p:nvGrpSpPr>
-        <p:cNvPr id="1" name=""/>
-        <p:cNvGrpSpPr/>
-        <p:nvPr/>
-      </p:nvGrpSpPr>
-      <p:grpSpPr>
-        <a:xfrm>
-          <a:off x="0" y="0"/>
-          <a:ext cx="0" cy="0"/>
-          <a:chOff x="0" y="0"/>
-          <a:chExt cx="0" cy="0"/>
-        </a:xfrm>
-      </p:grpSpPr>
-      <p:sp>
-        <p:nvSpPr>
-          <p:cNvPr id="2" name="Title 1">
-            <a:extLst>
-              <a:ext uri="{FF2B5EF4-FFF2-40B4-BE49-F238E27FC236}">
-                <a16:creationId xmlns:a16="http://schemas.microsoft.com/office/drawing/2014/main" id="{63B424F7-9897-490F-B1BE-CA2FEB4C5A0C}"/>
-              </a:ext>
-            </a:extLst>
-          </p:cNvPr>
-          <p:cNvSpPr>
-            <a:spLocks noGrp="1"/>
-          </p:cNvSpPr>
-          <p:nvPr>
-            <p:ph type="ctrTitle"/>
-          </p:nvPr>
-        </p:nvSpPr>
-        <p:spPr>
-          <a:xfrm>
-            <a:off x="1524000" y="1122363"/>
-            <a:ext cx="9144000" cy="2387600"/>
-          </a:xfrm>
-        </p:spPr>
-        <p:txBody>
-          <a:bodyPr anchor="b"/>
-          <a:lstStyle>
-            <a:lvl1pPr algn="ctr">
-              <a:defRPr sz="6000"/>
-            </a:lvl1pPr>
-          </a:lstStyle>
-          <a:p>
-            <a:r>
-              <a:rPr lang="en-US"/>
-              <a:t>Click to edit Master title style</a:t>
-            </a:r>
-            <a:endParaRPr lang="en-GB"/>
-          </a:p>
-        </p:txBody>
-      </p:sp>
-      <p:sp>
-        <p:nvSpPr>
-          <p:cNvPr id="3" name="Subtitle 2">
-            <a:extLst>
-              <a:ext uri="{FF2B5EF4-FFF2-40B4-BE49-F238E27FC236}">
-                <a16:creationId xmlns:a16="http://schemas.microsoft.com/office/drawing/2014/main" id="{1B070885-49A9-4D18-9090-6E4BC0C21CC9}"/>
-              </a:ext>
-            </a:extLst>
-          </p:cNvPr>
-          <p:cNvSpPr>
-            <a:spLocks noGrp="1"/>
-          </p:cNvSpPr>
-          <p:nvPr>
-            <p:ph type="subTitle" idx="1"/>
-          </p:nvPr>
-        </p:nvSpPr>
-        <p:spPr>
-          <a:xfrm>
-            <a:off x="1524000" y="3602038"/>
-            <a:ext cx="9144000" cy="1655762"/>
-          </a:xfrm>
-        </p:spPr>
-        <p:txBody>
-          <a:bodyPr/>
-          <a:lstStyle>
-            <a:lvl1pPr marL="0" indent="0" algn="ctr">
-              <a:buNone/>
-              <a:defRPr sz="2400"/>
-            </a:lvl1pPr>
-            <a:lvl2pPr marL="457200" indent="0" algn="ctr">
-              <a:buNone/>
-              <a:defRPr sz="2000"/>
-            </a:lvl2pPr>
-            <a:lvl3pPr marL="914400" indent="0" algn="ctr">
-              <a:buNone/>
-              <a:defRPr sz="1800"/>
-            </a:lvl3pPr>
-            <a:lvl4pPr marL="1371600" indent="0" algn="ctr">
-              <a:buNone/>
-              <a:defRPr sz="1600"/>
-            </a:lvl4pPr>
-            <a:lvl5pPr marL="1828800" indent="0" algn="ctr">
-              <a:buNone/>
-              <a:defRPr sz="1600"/>
-            </a:lvl5pPr>
-            <a:lvl6pPr marL="2286000" indent="0" algn="ctr">
-              <a:buNone/>
-              <a:defRPr sz="1600"/>
-            </a:lvl6pPr>
-            <a:lvl7pPr marL="2743200" indent="0" algn="ctr">
-              <a:buNone/>
-              <a:defRPr sz="1600"/>
-            </a:lvl7pPr>
-            <a:lvl8pPr marL="3200400" indent="0" algn="ctr">
-              <a:buNone/>
-              <a:defRPr sz="1600"/>
-            </a:lvl8pPr>
-            <a:lvl9pPr marL="3657600" indent="0" algn="ctr">
-              <a:buNone/>
-              <a:defRPr sz="1600"/>
-            </a:lvl9pPr>
-          </a:lstStyle>
-          <a:p>
-            <a:r>
-              <a:rPr lang="en-US"/>
-              <a:t>Click to edit Master subtitle style</a:t>
-            </a:r>
-            <a:endParaRPr lang="en-GB"/>
-          </a:p>
-        </p:txBody>
-      </p:sp>
-      <p:sp>
-        <p:nvSpPr>
-          <p:cNvPr id="4" name="Date Placeholder 3">
-            <a:extLst>
-              <a:ext uri="{FF2B5EF4-FFF2-40B4-BE49-F238E27FC236}">
-                <a16:creationId xmlns:a16="http://schemas.microsoft.com/office/drawing/2014/main" id="{09B8208B-D67E-40D6-946A-EDC363DB7AF9}"/>
-              </a:ext>
-            </a:extLst>
-          </p:cNvPr>
-          <p:cNvSpPr>
-            <a:spLocks noGrp="1"/>
-          </p:cNvSpPr>
-          <p:nvPr>
-            <p:ph type="dt" sz="half" idx="10"/>
-          </p:nvPr>
-        </p:nvSpPr>
-        <p:spPr/>
-        <p:txBody>
-          <a:bodyPr/>
-          <a:lstStyle/>
-          <a:p>
-            <a:fld id="{15EF62BA-89F7-4AEF-9B54-5BB470E2DCC6}" type="datetimeFigureOut">
-              <a:rPr lang="en-GB" smtClean="0"/>
-              <a:t>15/04/2018</a:t>
-            </a:fld>
-            <a:endParaRPr lang="en-GB"/>
-          </a:p>
-        </p:txBody>
-      </p:sp>
-      <p:sp>
-        <p:nvSpPr>
-          <p:cNvPr id="5" name="Footer Placeholder 4">
-            <a:extLst>
-              <a:ext uri="{FF2B5EF4-FFF2-40B4-BE49-F238E27FC236}">
-                <a16:creationId xmlns:a16="http://schemas.microsoft.com/office/drawing/2014/main" id="{37689592-0806-4AF2-9F60-D02E63DE083D}"/>
-              </a:ext>
-            </a:extLst>
-          </p:cNvPr>
-          <p:cNvSpPr>
-            <a:spLocks noGrp="1"/>
-          </p:cNvSpPr>
-          <p:nvPr>
-            <p:ph type="ftr" sz="quarter" idx="11"/>
-          </p:nvPr>
-        </p:nvSpPr>
-        <p:spPr/>
-        <p:txBody>
-          <a:bodyPr/>
-          <a:lstStyle/>
-          <a:p>
-            <a:endParaRPr lang="en-GB"/>
-          </a:p>
-        </p:txBody>
-      </p:sp>
-      <p:sp>
-        <p:nvSpPr>
-          <p:cNvPr id="6" name="Slide Number Placeholder 5">
-            <a:extLst>
-              <a:ext uri="{FF2B5EF4-FFF2-40B4-BE49-F238E27FC236}">
-                <a16:creationId xmlns:a16="http://schemas.microsoft.com/office/drawing/2014/main" id="{17A67AAB-FC63-4414-AD3F-8A7912BE3D4D}"/>
-              </a:ext>
-            </a:extLst>
-          </p:cNvPr>
-          <p:cNvSpPr>
-            <a:spLocks noGrp="1"/>
-          </p:cNvSpPr>
-          <p:nvPr>
-            <p:ph type="sldNum" sz="quarter" idx="12"/>
-          </p:nvPr>
-        </p:nvSpPr>
-        <p:spPr/>
-        <p:txBody>
-          <a:bodyPr/>
-          <a:lstStyle/>
-          <a:p>
-            <a:fld id="{AD580FBD-1122-476C-B841-921403D6EF63}" type="slidenum">
-              <a:rPr lang="en-GB" smtClean="0"/>
-              <a:t>‹#›</a:t>
-            </a:fld>
-            <a:endParaRPr lang="en-GB"/>
-          </a:p>
-        </p:txBody>
-      </p:sp>
-    </p:spTree>
-    <p:extLst>
-      <p:ext uri="{BB962C8B-B14F-4D97-AF65-F5344CB8AC3E}">
-        <p14:creationId xmlns:p14="http://schemas.microsoft.com/office/powerpoint/2010/main" val="4034312670"/>
-      </p:ext>
-    </p:extLst>
-  </p:cSld>
-  <p:clrMapOvr>
-    <a:masterClrMapping/>
-  </p:clrMapOvr>
-</p:sldLayout>
-</file>
-
-<file path=ppt/slideLayouts/slideLayout4.xml><?xml version="1.0" encoding="utf-8"?>
-<p:sldLayout xmlns:a="http://schemas.openxmlformats.org/drawingml/2006/main" xmlns:r="http://schemas.openxmlformats.org/officeDocument/2006/relationships" xmlns:p="http://schemas.openxmlformats.org/presentationml/2006/main" type="obj" preserve="1">
-  <p:cSld name="Title and Content">
-    <p:spTree>
-      <p:nvGrpSpPr>
-        <p:cNvPr id="1" name=""/>
-        <p:cNvGrpSpPr/>
-        <p:nvPr/>
-      </p:nvGrpSpPr>
-      <p:grpSpPr>
-        <a:xfrm>
-          <a:off x="0" y="0"/>
-          <a:ext cx="0" cy="0"/>
-          <a:chOff x="0" y="0"/>
-          <a:chExt cx="0" cy="0"/>
-        </a:xfrm>
-      </p:grpSpPr>
-      <p:sp>
-        <p:nvSpPr>
-          <p:cNvPr id="2" name="Title 1">
-            <a:extLst>
-              <a:ext uri="{FF2B5EF4-FFF2-40B4-BE49-F238E27FC236}">
-                <a16:creationId xmlns:a16="http://schemas.microsoft.com/office/drawing/2014/main" id="{3E77A120-8F40-4A12-B9E5-955DABFB6E59}"/>
-              </a:ext>
-            </a:extLst>
-          </p:cNvPr>
-          <p:cNvSpPr>
-            <a:spLocks noGrp="1"/>
-          </p:cNvSpPr>
-          <p:nvPr>
-            <p:ph type="title"/>
-          </p:nvPr>
-        </p:nvSpPr>
-        <p:spPr/>
-        <p:txBody>
-          <a:bodyPr/>
-          <a:lstStyle/>
-          <a:p>
-            <a:r>
-              <a:rPr lang="en-US"/>
-              <a:t>Click to edit Master title style</a:t>
-            </a:r>
-            <a:endParaRPr lang="en-GB"/>
-          </a:p>
-        </p:txBody>
-      </p:sp>
-      <p:sp>
-        <p:nvSpPr>
-          <p:cNvPr id="3" name="Content Placeholder 2">
-            <a:extLst>
-              <a:ext uri="{FF2B5EF4-FFF2-40B4-BE49-F238E27FC236}">
-                <a16:creationId xmlns:a16="http://schemas.microsoft.com/office/drawing/2014/main" id="{94737001-5060-4742-B0BA-9F1CFC33FF1C}"/>
-              </a:ext>
-            </a:extLst>
-          </p:cNvPr>
-          <p:cNvSpPr>
-            <a:spLocks noGrp="1"/>
-          </p:cNvSpPr>
-          <p:nvPr>
-            <p:ph idx="1"/>
-          </p:nvPr>
-        </p:nvSpPr>
-        <p:spPr/>
-        <p:txBody>
-          <a:bodyPr/>
-          <a:lstStyle/>
-          <a:p>
-            <a:pPr lvl="0"/>
-            <a:r>
-              <a:rPr lang="en-US"/>
-              <a:t>Edit Master text styles</a:t>
-            </a:r>
-          </a:p>
-          <a:p>
-            <a:pPr lvl="1"/>
-            <a:r>
-              <a:rPr lang="en-US"/>
-              <a:t>Second level</a:t>
-            </a:r>
-          </a:p>
-          <a:p>
-            <a:pPr lvl="2"/>
-            <a:r>
-              <a:rPr lang="en-US"/>
-              <a:t>Third level</a:t>
-            </a:r>
-          </a:p>
-          <a:p>
-            <a:pPr lvl="3"/>
-            <a:r>
-              <a:rPr lang="en-US"/>
-              <a:t>Fourth level</a:t>
-            </a:r>
-          </a:p>
-          <a:p>
-            <a:pPr lvl="4"/>
-            <a:r>
-              <a:rPr lang="en-US"/>
-              <a:t>Fifth level</a:t>
-            </a:r>
-            <a:endParaRPr lang="en-GB"/>
-          </a:p>
-        </p:txBody>
-      </p:sp>
-      <p:sp>
-        <p:nvSpPr>
-          <p:cNvPr id="4" name="Date Placeholder 3">
-            <a:extLst>
-              <a:ext uri="{FF2B5EF4-FFF2-40B4-BE49-F238E27FC236}">
-                <a16:creationId xmlns:a16="http://schemas.microsoft.com/office/drawing/2014/main" id="{A9942AAE-21EC-4B8B-BC63-F80E26B7F4D2}"/>
-              </a:ext>
-            </a:extLst>
-          </p:cNvPr>
-          <p:cNvSpPr>
-            <a:spLocks noGrp="1"/>
-          </p:cNvSpPr>
-          <p:nvPr>
-            <p:ph type="dt" sz="half" idx="10"/>
-          </p:nvPr>
-        </p:nvSpPr>
-        <p:spPr/>
-        <p:txBody>
-          <a:bodyPr/>
-          <a:lstStyle/>
-          <a:p>
-            <a:fld id="{15EF62BA-89F7-4AEF-9B54-5BB470E2DCC6}" type="datetimeFigureOut">
-              <a:rPr lang="en-GB" smtClean="0"/>
-              <a:t>15/04/2018</a:t>
-            </a:fld>
-            <a:endParaRPr lang="en-GB"/>
-          </a:p>
-        </p:txBody>
-      </p:sp>
-      <p:sp>
-        <p:nvSpPr>
-          <p:cNvPr id="5" name="Footer Placeholder 4">
-            <a:extLst>
-              <a:ext uri="{FF2B5EF4-FFF2-40B4-BE49-F238E27FC236}">
-                <a16:creationId xmlns:a16="http://schemas.microsoft.com/office/drawing/2014/main" id="{6A325191-D3C4-4BE4-9A59-66DB85DBE7B0}"/>
-              </a:ext>
-            </a:extLst>
-          </p:cNvPr>
-          <p:cNvSpPr>
-            <a:spLocks noGrp="1"/>
-          </p:cNvSpPr>
-          <p:nvPr>
-            <p:ph type="ftr" sz="quarter" idx="11"/>
-          </p:nvPr>
-        </p:nvSpPr>
-        <p:spPr/>
-        <p:txBody>
-          <a:bodyPr/>
-          <a:lstStyle/>
-          <a:p>
-            <a:endParaRPr lang="en-GB"/>
-          </a:p>
-        </p:txBody>
-      </p:sp>
-      <p:sp>
-        <p:nvSpPr>
-          <p:cNvPr id="6" name="Slide Number Placeholder 5">
-            <a:extLst>
-              <a:ext uri="{FF2B5EF4-FFF2-40B4-BE49-F238E27FC236}">
-                <a16:creationId xmlns:a16="http://schemas.microsoft.com/office/drawing/2014/main" id="{CFE66656-CFD1-43F1-BBD9-C7AEEF7B93E5}"/>
-              </a:ext>
-            </a:extLst>
-          </p:cNvPr>
-          <p:cNvSpPr>
-            <a:spLocks noGrp="1"/>
-          </p:cNvSpPr>
-          <p:nvPr>
-            <p:ph type="sldNum" sz="quarter" idx="12"/>
-          </p:nvPr>
-        </p:nvSpPr>
-        <p:spPr/>
-        <p:txBody>
-          <a:bodyPr/>
-          <a:lstStyle/>
-          <a:p>
-            <a:fld id="{AD580FBD-1122-476C-B841-921403D6EF63}" type="slidenum">
-              <a:rPr lang="en-GB" smtClean="0"/>
-              <a:t>‹#›</a:t>
-            </a:fld>
-            <a:endParaRPr lang="en-GB"/>
-          </a:p>
-        </p:txBody>
-      </p:sp>
-    </p:spTree>
-    <p:extLst>
-      <p:ext uri="{BB962C8B-B14F-4D97-AF65-F5344CB8AC3E}">
-        <p14:creationId xmlns:p14="http://schemas.microsoft.com/office/powerpoint/2010/main" val="3253078244"/>
-      </p:ext>
-    </p:extLst>
-  </p:cSld>
-  <p:clrMapOvr>
-    <a:masterClrMapping/>
-  </p:clrMapOvr>
-</p:sldLayout>
-</file>
-
-<file path=ppt/slideLayouts/slideLayout5.xml><?xml version="1.0" encoding="utf-8"?>
-<p:sldLayout xmlns:a="http://schemas.openxmlformats.org/drawingml/2006/main" xmlns:r="http://schemas.openxmlformats.org/officeDocument/2006/relationships" xmlns:p="http://schemas.openxmlformats.org/presentationml/2006/main" type="secHead" preserve="1">
-  <p:cSld name="Section Header">
-    <p:spTree>
-      <p:nvGrpSpPr>
-        <p:cNvPr id="1" name=""/>
-        <p:cNvGrpSpPr/>
-        <p:nvPr/>
-      </p:nvGrpSpPr>
-      <p:grpSpPr>
-        <a:xfrm>
-          <a:off x="0" y="0"/>
-          <a:ext cx="0" cy="0"/>
-          <a:chOff x="0" y="0"/>
-          <a:chExt cx="0" cy="0"/>
-        </a:xfrm>
-      </p:grpSpPr>
-      <p:sp>
-        <p:nvSpPr>
-          <p:cNvPr id="2" name="Title 1">
-            <a:extLst>
-              <a:ext uri="{FF2B5EF4-FFF2-40B4-BE49-F238E27FC236}">
-                <a16:creationId xmlns:a16="http://schemas.microsoft.com/office/drawing/2014/main" id="{39441E4D-7DC2-4478-97AC-452B0A528126}"/>
-              </a:ext>
-            </a:extLst>
-          </p:cNvPr>
-          <p:cNvSpPr>
-            <a:spLocks noGrp="1"/>
-          </p:cNvSpPr>
-          <p:nvPr>
-            <p:ph type="title"/>
-          </p:nvPr>
-        </p:nvSpPr>
-        <p:spPr>
-          <a:xfrm>
-            <a:off x="831850" y="1709738"/>
-            <a:ext cx="10515600" cy="2852737"/>
-          </a:xfrm>
-        </p:spPr>
-        <p:txBody>
-          <a:bodyPr anchor="b"/>
-          <a:lstStyle>
-            <a:lvl1pPr>
-              <a:defRPr sz="6000"/>
-            </a:lvl1pPr>
-          </a:lstStyle>
-          <a:p>
-            <a:r>
-              <a:rPr lang="en-US"/>
-              <a:t>Click to edit Master title style</a:t>
-            </a:r>
-            <a:endParaRPr lang="en-GB"/>
-          </a:p>
-        </p:txBody>
-      </p:sp>
-      <p:sp>
-        <p:nvSpPr>
-          <p:cNvPr id="3" name="Text Placeholder 2">
-            <a:extLst>
-              <a:ext uri="{FF2B5EF4-FFF2-40B4-BE49-F238E27FC236}">
-                <a16:creationId xmlns:a16="http://schemas.microsoft.com/office/drawing/2014/main" id="{5A627763-F98B-4D4E-819F-11A7CC887EA5}"/>
-              </a:ext>
-            </a:extLst>
-          </p:cNvPr>
-          <p:cNvSpPr>
-            <a:spLocks noGrp="1"/>
-          </p:cNvSpPr>
-          <p:nvPr>
-            <p:ph type="body" idx="1"/>
-          </p:nvPr>
-        </p:nvSpPr>
-        <p:spPr>
-          <a:xfrm>
-            <a:off x="831850" y="4589463"/>
-            <a:ext cx="10515600" cy="1500187"/>
-          </a:xfrm>
-        </p:spPr>
-        <p:txBody>
-          <a:bodyPr/>
-          <a:lstStyle>
-            <a:lvl1pPr marL="0" indent="0">
-              <a:buNone/>
-              <a:defRPr sz="2400">
-                <a:solidFill>
-                  <a:schemeClr val="tx1">
-                    <a:tint val="75000"/>
-                  </a:schemeClr>
-                </a:solidFill>
-              </a:defRPr>
-            </a:lvl1pPr>
-            <a:lvl2pPr marL="457200" indent="0">
-              <a:buNone/>
-              <a:defRPr sz="2000">
-                <a:solidFill>
-                  <a:schemeClr val="tx1">
-                    <a:tint val="75000"/>
-                  </a:schemeClr>
-                </a:solidFill>
-              </a:defRPr>
-            </a:lvl2pPr>
-            <a:lvl3pPr marL="914400" indent="0">
-              <a:buNone/>
-              <a:defRPr sz="1800">
-                <a:solidFill>
-                  <a:schemeClr val="tx1">
-                    <a:tint val="75000"/>
-                  </a:schemeClr>
-                </a:solidFill>
-              </a:defRPr>
-            </a:lvl3pPr>
-            <a:lvl4pPr marL="1371600" indent="0">
-              <a:buNone/>
-              <a:defRPr sz="1600">
-                <a:solidFill>
-                  <a:schemeClr val="tx1">
-                    <a:tint val="75000"/>
-                  </a:schemeClr>
-                </a:solidFill>
-              </a:defRPr>
-            </a:lvl4pPr>
-            <a:lvl5pPr marL="1828800" indent="0">
-              <a:buNone/>
-              <a:defRPr sz="1600">
-                <a:solidFill>
-                  <a:schemeClr val="tx1">
-                    <a:tint val="75000"/>
-                  </a:schemeClr>
-                </a:solidFill>
-              </a:defRPr>
-            </a:lvl5pPr>
-            <a:lvl6pPr marL="2286000" indent="0">
-              <a:buNone/>
-              <a:defRPr sz="1600">
-                <a:solidFill>
-                  <a:schemeClr val="tx1">
-                    <a:tint val="75000"/>
-                  </a:schemeClr>
-                </a:solidFill>
-              </a:defRPr>
-            </a:lvl6pPr>
-            <a:lvl7pPr marL="2743200" indent="0">
-              <a:buNone/>
-              <a:defRPr sz="1600">
-                <a:solidFill>
-                  <a:schemeClr val="tx1">
-                    <a:tint val="75000"/>
-                  </a:schemeClr>
-                </a:solidFill>
-              </a:defRPr>
-            </a:lvl7pPr>
-            <a:lvl8pPr marL="3200400" indent="0">
-              <a:buNone/>
-              <a:defRPr sz="1600">
-                <a:solidFill>
-                  <a:schemeClr val="tx1">
-                    <a:tint val="75000"/>
-                  </a:schemeClr>
-                </a:solidFill>
-              </a:defRPr>
-            </a:lvl8pPr>
-            <a:lvl9pPr marL="3657600" indent="0">
-              <a:buNone/>
-              <a:defRPr sz="1600">
-                <a:solidFill>
-                  <a:schemeClr val="tx1">
-                    <a:tint val="75000"/>
-                  </a:schemeClr>
-                </a:solidFill>
-              </a:defRPr>
-            </a:lvl9pPr>
-          </a:lstStyle>
-          <a:p>
-            <a:pPr lvl="0"/>
-            <a:r>
-              <a:rPr lang="en-US"/>
-              <a:t>Edit Master text styles</a:t>
-            </a:r>
-          </a:p>
-        </p:txBody>
-      </p:sp>
-      <p:sp>
-        <p:nvSpPr>
-          <p:cNvPr id="4" name="Date Placeholder 3">
-            <a:extLst>
-              <a:ext uri="{FF2B5EF4-FFF2-40B4-BE49-F238E27FC236}">
-                <a16:creationId xmlns:a16="http://schemas.microsoft.com/office/drawing/2014/main" id="{E7E5B5FC-1668-430D-94DD-2FB9BFC77ACB}"/>
-              </a:ext>
-            </a:extLst>
-          </p:cNvPr>
-          <p:cNvSpPr>
-            <a:spLocks noGrp="1"/>
-          </p:cNvSpPr>
-          <p:nvPr>
-            <p:ph type="dt" sz="half" idx="10"/>
-          </p:nvPr>
-        </p:nvSpPr>
-        <p:spPr/>
-        <p:txBody>
-          <a:bodyPr/>
-          <a:lstStyle/>
-          <a:p>
-            <a:fld id="{15EF62BA-89F7-4AEF-9B54-5BB470E2DCC6}" type="datetimeFigureOut">
-              <a:rPr lang="en-GB" smtClean="0"/>
-              <a:t>15/04/2018</a:t>
-            </a:fld>
-            <a:endParaRPr lang="en-GB"/>
-          </a:p>
-        </p:txBody>
-      </p:sp>
-      <p:sp>
-        <p:nvSpPr>
-          <p:cNvPr id="5" name="Footer Placeholder 4">
-            <a:extLst>
-              <a:ext uri="{FF2B5EF4-FFF2-40B4-BE49-F238E27FC236}">
-                <a16:creationId xmlns:a16="http://schemas.microsoft.com/office/drawing/2014/main" id="{D6921387-A454-43F5-97DE-9463471ABCF9}"/>
-              </a:ext>
-            </a:extLst>
-          </p:cNvPr>
-          <p:cNvSpPr>
-            <a:spLocks noGrp="1"/>
-          </p:cNvSpPr>
-          <p:nvPr>
-            <p:ph type="ftr" sz="quarter" idx="11"/>
-          </p:nvPr>
-        </p:nvSpPr>
-        <p:spPr/>
-        <p:txBody>
-          <a:bodyPr/>
-          <a:lstStyle/>
-          <a:p>
-            <a:endParaRPr lang="en-GB"/>
-          </a:p>
-        </p:txBody>
-      </p:sp>
-      <p:sp>
-        <p:nvSpPr>
-          <p:cNvPr id="6" name="Slide Number Placeholder 5">
-            <a:extLst>
-              <a:ext uri="{FF2B5EF4-FFF2-40B4-BE49-F238E27FC236}">
-                <a16:creationId xmlns:a16="http://schemas.microsoft.com/office/drawing/2014/main" id="{68E1307E-3533-49F8-BD7C-287FA58BBD7A}"/>
-              </a:ext>
-            </a:extLst>
-          </p:cNvPr>
-          <p:cNvSpPr>
-            <a:spLocks noGrp="1"/>
-          </p:cNvSpPr>
-          <p:nvPr>
-            <p:ph type="sldNum" sz="quarter" idx="12"/>
-          </p:nvPr>
-        </p:nvSpPr>
-        <p:spPr/>
-        <p:txBody>
-          <a:bodyPr/>
-          <a:lstStyle/>
-          <a:p>
-            <a:fld id="{AD580FBD-1122-476C-B841-921403D6EF63}" type="slidenum">
-              <a:rPr lang="en-GB" smtClean="0"/>
-              <a:t>‹#›</a:t>
-            </a:fld>
-            <a:endParaRPr lang="en-GB"/>
-          </a:p>
-        </p:txBody>
-      </p:sp>
-    </p:spTree>
-    <p:extLst>
-      <p:ext uri="{BB962C8B-B14F-4D97-AF65-F5344CB8AC3E}">
-        <p14:creationId xmlns:p14="http://schemas.microsoft.com/office/powerpoint/2010/main" val="3214053394"/>
-      </p:ext>
-    </p:extLst>
-  </p:cSld>
-  <p:clrMapOvr>
-    <a:masterClrMapping/>
-  </p:clrMapOvr>
-</p:sldLayout>
-</file>
-
-<file path=ppt/slideLayouts/slideLayout6.xml><?xml version="1.0" encoding="utf-8"?>
-<p:sldLayout xmlns:a="http://schemas.openxmlformats.org/drawingml/2006/main" xmlns:r="http://schemas.openxmlformats.org/officeDocument/2006/relationships" xmlns:p="http://schemas.openxmlformats.org/presentationml/2006/main" type="twoObj" preserve="1">
-  <p:cSld name="Two Content">
-    <p:spTree>
-      <p:nvGrpSpPr>
-        <p:cNvPr id="1" name=""/>
-        <p:cNvGrpSpPr/>
-        <p:nvPr/>
-      </p:nvGrpSpPr>
-      <p:grpSpPr>
-        <a:xfrm>
-          <a:off x="0" y="0"/>
-          <a:ext cx="0" cy="0"/>
-          <a:chOff x="0" y="0"/>
-          <a:chExt cx="0" cy="0"/>
-        </a:xfrm>
-      </p:grpSpPr>
-      <p:sp>
-        <p:nvSpPr>
-          <p:cNvPr id="2" name="Title 1">
-            <a:extLst>
-              <a:ext uri="{FF2B5EF4-FFF2-40B4-BE49-F238E27FC236}">
-                <a16:creationId xmlns:a16="http://schemas.microsoft.com/office/drawing/2014/main" id="{96321328-F295-4A8A-90CC-DE2187640529}"/>
-              </a:ext>
-            </a:extLst>
-          </p:cNvPr>
-          <p:cNvSpPr>
-            <a:spLocks noGrp="1"/>
-          </p:cNvSpPr>
-          <p:nvPr>
-            <p:ph type="title"/>
-          </p:nvPr>
-        </p:nvSpPr>
-        <p:spPr/>
-        <p:txBody>
-          <a:bodyPr/>
-          <a:lstStyle/>
-          <a:p>
-            <a:r>
-              <a:rPr lang="en-US"/>
-              <a:t>Click to edit Master title style</a:t>
-            </a:r>
-            <a:endParaRPr lang="en-GB"/>
-          </a:p>
-        </p:txBody>
-      </p:sp>
-      <p:sp>
-        <p:nvSpPr>
-          <p:cNvPr id="3" name="Content Placeholder 2">
-            <a:extLst>
-              <a:ext uri="{FF2B5EF4-FFF2-40B4-BE49-F238E27FC236}">
-                <a16:creationId xmlns:a16="http://schemas.microsoft.com/office/drawing/2014/main" id="{C1BCEE8D-655D-40FD-AF64-B6E4080930DB}"/>
-              </a:ext>
-            </a:extLst>
-          </p:cNvPr>
-          <p:cNvSpPr>
-            <a:spLocks noGrp="1"/>
-          </p:cNvSpPr>
-          <p:nvPr>
-            <p:ph sz="half" idx="1"/>
-          </p:nvPr>
-        </p:nvSpPr>
-        <p:spPr>
-          <a:xfrm>
-            <a:off x="838200" y="1825625"/>
-            <a:ext cx="5181600" cy="4351338"/>
-          </a:xfrm>
-        </p:spPr>
-        <p:txBody>
-          <a:bodyPr/>
-          <a:lstStyle/>
-          <a:p>
-            <a:pPr lvl="0"/>
-            <a:r>
-              <a:rPr lang="en-US"/>
-              <a:t>Edit Master text styles</a:t>
-            </a:r>
-          </a:p>
-          <a:p>
-            <a:pPr lvl="1"/>
-            <a:r>
-              <a:rPr lang="en-US"/>
-              <a:t>Second level</a:t>
-            </a:r>
-          </a:p>
-          <a:p>
-            <a:pPr lvl="2"/>
-            <a:r>
-              <a:rPr lang="en-US"/>
-              <a:t>Third level</a:t>
-            </a:r>
-          </a:p>
-          <a:p>
-            <a:pPr lvl="3"/>
-            <a:r>
-              <a:rPr lang="en-US"/>
-              <a:t>Fourth level</a:t>
-            </a:r>
-          </a:p>
-          <a:p>
-            <a:pPr lvl="4"/>
-            <a:r>
-              <a:rPr lang="en-US"/>
-              <a:t>Fifth level</a:t>
-            </a:r>
-            <a:endParaRPr lang="en-GB"/>
-          </a:p>
-        </p:txBody>
-      </p:sp>
-      <p:sp>
-        <p:nvSpPr>
-          <p:cNvPr id="4" name="Content Placeholder 3">
-            <a:extLst>
-              <a:ext uri="{FF2B5EF4-FFF2-40B4-BE49-F238E27FC236}">
-                <a16:creationId xmlns:a16="http://schemas.microsoft.com/office/drawing/2014/main" id="{A20C8B61-16B0-439D-B60F-DD766ABCD773}"/>
-              </a:ext>
-            </a:extLst>
-          </p:cNvPr>
-          <p:cNvSpPr>
-            <a:spLocks noGrp="1"/>
-          </p:cNvSpPr>
-          <p:nvPr>
-            <p:ph sz="half" idx="2"/>
-          </p:nvPr>
-        </p:nvSpPr>
-        <p:spPr>
-          <a:xfrm>
-            <a:off x="6172200" y="1825625"/>
-            <a:ext cx="5181600" cy="4351338"/>
-          </a:xfrm>
-        </p:spPr>
-        <p:txBody>
-          <a:bodyPr/>
-          <a:lstStyle/>
-          <a:p>
-            <a:pPr lvl="0"/>
-            <a:r>
-              <a:rPr lang="en-US"/>
-              <a:t>Edit Master text styles</a:t>
-            </a:r>
-          </a:p>
-          <a:p>
-            <a:pPr lvl="1"/>
-            <a:r>
-              <a:rPr lang="en-US"/>
-              <a:t>Second level</a:t>
-            </a:r>
-          </a:p>
-          <a:p>
-            <a:pPr lvl="2"/>
-            <a:r>
-              <a:rPr lang="en-US"/>
-              <a:t>Third level</a:t>
-            </a:r>
-          </a:p>
-          <a:p>
-            <a:pPr lvl="3"/>
-            <a:r>
-              <a:rPr lang="en-US"/>
-              <a:t>Fourth level</a:t>
-            </a:r>
-          </a:p>
-          <a:p>
-            <a:pPr lvl="4"/>
-            <a:r>
-              <a:rPr lang="en-US"/>
-              <a:t>Fifth level</a:t>
-            </a:r>
-            <a:endParaRPr lang="en-GB"/>
-          </a:p>
-        </p:txBody>
-      </p:sp>
-      <p:sp>
-        <p:nvSpPr>
-          <p:cNvPr id="5" name="Date Placeholder 4">
-            <a:extLst>
-              <a:ext uri="{FF2B5EF4-FFF2-40B4-BE49-F238E27FC236}">
-                <a16:creationId xmlns:a16="http://schemas.microsoft.com/office/drawing/2014/main" id="{BF690A2B-8379-4C0F-90E5-18619C5A4681}"/>
-              </a:ext>
-            </a:extLst>
-          </p:cNvPr>
-          <p:cNvSpPr>
-            <a:spLocks noGrp="1"/>
-          </p:cNvSpPr>
-          <p:nvPr>
-            <p:ph type="dt" sz="half" idx="10"/>
-          </p:nvPr>
-        </p:nvSpPr>
-        <p:spPr/>
-        <p:txBody>
-          <a:bodyPr/>
-          <a:lstStyle/>
-          <a:p>
-            <a:fld id="{15EF62BA-89F7-4AEF-9B54-5BB470E2DCC6}" type="datetimeFigureOut">
-              <a:rPr lang="en-GB" smtClean="0"/>
-              <a:t>15/04/2018</a:t>
-            </a:fld>
-            <a:endParaRPr lang="en-GB"/>
-          </a:p>
-        </p:txBody>
-      </p:sp>
-      <p:sp>
-        <p:nvSpPr>
-          <p:cNvPr id="6" name="Footer Placeholder 5">
-            <a:extLst>
-              <a:ext uri="{FF2B5EF4-FFF2-40B4-BE49-F238E27FC236}">
-                <a16:creationId xmlns:a16="http://schemas.microsoft.com/office/drawing/2014/main" id="{FBB835DA-D9C1-43D6-A210-02BAADAA3B3E}"/>
-              </a:ext>
-            </a:extLst>
-          </p:cNvPr>
-          <p:cNvSpPr>
-            <a:spLocks noGrp="1"/>
-          </p:cNvSpPr>
-          <p:nvPr>
-            <p:ph type="ftr" sz="quarter" idx="11"/>
-          </p:nvPr>
-        </p:nvSpPr>
-        <p:spPr/>
-        <p:txBody>
-          <a:bodyPr/>
-          <a:lstStyle/>
-          <a:p>
-            <a:endParaRPr lang="en-GB"/>
-          </a:p>
-        </p:txBody>
-      </p:sp>
-      <p:sp>
-        <p:nvSpPr>
-          <p:cNvPr id="7" name="Slide Number Placeholder 6">
-            <a:extLst>
-              <a:ext uri="{FF2B5EF4-FFF2-40B4-BE49-F238E27FC236}">
-                <a16:creationId xmlns:a16="http://schemas.microsoft.com/office/drawing/2014/main" id="{529FE465-F68E-41B6-B80A-C1778A1A36D5}"/>
-              </a:ext>
-            </a:extLst>
-          </p:cNvPr>
-          <p:cNvSpPr>
-            <a:spLocks noGrp="1"/>
-          </p:cNvSpPr>
-          <p:nvPr>
-            <p:ph type="sldNum" sz="quarter" idx="12"/>
-          </p:nvPr>
-        </p:nvSpPr>
-        <p:spPr/>
-        <p:txBody>
-          <a:bodyPr/>
-          <a:lstStyle/>
-          <a:p>
-            <a:fld id="{AD580FBD-1122-476C-B841-921403D6EF63}" type="slidenum">
-              <a:rPr lang="en-GB" smtClean="0"/>
-              <a:t>‹#›</a:t>
-            </a:fld>
-            <a:endParaRPr lang="en-GB"/>
-          </a:p>
-        </p:txBody>
-      </p:sp>
-    </p:spTree>
-    <p:extLst>
-      <p:ext uri="{BB962C8B-B14F-4D97-AF65-F5344CB8AC3E}">
-        <p14:creationId xmlns:p14="http://schemas.microsoft.com/office/powerpoint/2010/main" val="4028350423"/>
-      </p:ext>
-    </p:extLst>
-  </p:cSld>
-  <p:clrMapOvr>
-    <a:masterClrMapping/>
-  </p:clrMapOvr>
-</p:sldLayout>
-</file>
-
-<file path=ppt/slideLayouts/slideLayout7.xml><?xml version="1.0" encoding="utf-8"?>
-<p:sldLayout xmlns:a="http://schemas.openxmlformats.org/drawingml/2006/main" xmlns:r="http://schemas.openxmlformats.org/officeDocument/2006/relationships" xmlns:p="http://schemas.openxmlformats.org/presentationml/2006/main" type="twoTxTwoObj" preserve="1">
-  <p:cSld name="Comparison">
-    <p:spTree>
-      <p:nvGrpSpPr>
-        <p:cNvPr id="1" name=""/>
-        <p:cNvGrpSpPr/>
-        <p:nvPr/>
-      </p:nvGrpSpPr>
-      <p:grpSpPr>
-        <a:xfrm>
-          <a:off x="0" y="0"/>
-          <a:ext cx="0" cy="0"/>
-          <a:chOff x="0" y="0"/>
-          <a:chExt cx="0" cy="0"/>
-        </a:xfrm>
-      </p:grpSpPr>
-      <p:sp>
-        <p:nvSpPr>
-          <p:cNvPr id="2" name="Title 1">
-            <a:extLst>
-              <a:ext uri="{FF2B5EF4-FFF2-40B4-BE49-F238E27FC236}">
-                <a16:creationId xmlns:a16="http://schemas.microsoft.com/office/drawing/2014/main" id="{0EFD460F-0D12-4A8F-8512-524C806FC24D}"/>
-              </a:ext>
-            </a:extLst>
-          </p:cNvPr>
-          <p:cNvSpPr>
-            <a:spLocks noGrp="1"/>
-          </p:cNvSpPr>
-          <p:nvPr>
-            <p:ph type="title"/>
-          </p:nvPr>
-        </p:nvSpPr>
-        <p:spPr>
-          <a:xfrm>
-            <a:off x="839788" y="365125"/>
-            <a:ext cx="10515600" cy="1325563"/>
-          </a:xfrm>
-        </p:spPr>
-        <p:txBody>
-          <a:bodyPr/>
-          <a:lstStyle/>
-          <a:p>
-            <a:r>
-              <a:rPr lang="en-US"/>
-              <a:t>Click to edit Master title style</a:t>
-            </a:r>
-            <a:endParaRPr lang="en-GB"/>
-          </a:p>
-        </p:txBody>
-      </p:sp>
-      <p:sp>
-        <p:nvSpPr>
-          <p:cNvPr id="3" name="Text Placeholder 2">
-            <a:extLst>
-              <a:ext uri="{FF2B5EF4-FFF2-40B4-BE49-F238E27FC236}">
-                <a16:creationId xmlns:a16="http://schemas.microsoft.com/office/drawing/2014/main" id="{AC3CF03F-41F1-4051-A409-873D9933E211}"/>
-              </a:ext>
-            </a:extLst>
-          </p:cNvPr>
-          <p:cNvSpPr>
-            <a:spLocks noGrp="1"/>
-          </p:cNvSpPr>
-          <p:nvPr>
-            <p:ph type="body" idx="1"/>
-          </p:nvPr>
-        </p:nvSpPr>
-        <p:spPr>
-          <a:xfrm>
-            <a:off x="839788" y="1681163"/>
-            <a:ext cx="5157787" cy="823912"/>
-          </a:xfrm>
-        </p:spPr>
-        <p:txBody>
-          <a:bodyPr anchor="b"/>
-          <a:lstStyle>
-            <a:lvl1pPr marL="0" indent="0">
-              <a:buNone/>
-              <a:defRPr sz="2400" b="1"/>
-            </a:lvl1pPr>
-            <a:lvl2pPr marL="457200" indent="0">
-              <a:buNone/>
-              <a:defRPr sz="2000" b="1"/>
-            </a:lvl2pPr>
-            <a:lvl3pPr marL="914400" indent="0">
-              <a:buNone/>
-              <a:defRPr sz="1800" b="1"/>
-            </a:lvl3pPr>
-            <a:lvl4pPr marL="1371600" indent="0">
-              <a:buNone/>
-              <a:defRPr sz="1600" b="1"/>
-            </a:lvl4pPr>
-            <a:lvl5pPr marL="1828800" indent="0">
-              <a:buNone/>
-              <a:defRPr sz="1600" b="1"/>
-            </a:lvl5pPr>
-            <a:lvl6pPr marL="2286000" indent="0">
-              <a:buNone/>
-              <a:defRPr sz="1600" b="1"/>
-            </a:lvl6pPr>
-            <a:lvl7pPr marL="2743200" indent="0">
-              <a:buNone/>
-              <a:defRPr sz="1600" b="1"/>
-            </a:lvl7pPr>
-            <a:lvl8pPr marL="3200400" indent="0">
-              <a:buNone/>
-              <a:defRPr sz="1600" b="1"/>
-            </a:lvl8pPr>
-            <a:lvl9pPr marL="3657600" indent="0">
-              <a:buNone/>
-              <a:defRPr sz="1600" b="1"/>
-            </a:lvl9pPr>
-          </a:lstStyle>
-          <a:p>
-            <a:pPr lvl="0"/>
-            <a:r>
-              <a:rPr lang="en-US"/>
-              <a:t>Edit Master text styles</a:t>
-            </a:r>
-          </a:p>
-        </p:txBody>
-      </p:sp>
-      <p:sp>
-        <p:nvSpPr>
-          <p:cNvPr id="4" name="Content Placeholder 3">
-            <a:extLst>
-              <a:ext uri="{FF2B5EF4-FFF2-40B4-BE49-F238E27FC236}">
-                <a16:creationId xmlns:a16="http://schemas.microsoft.com/office/drawing/2014/main" id="{BB33D339-CDFF-49C1-A2B6-ECA3C9EF6B18}"/>
-              </a:ext>
-            </a:extLst>
-          </p:cNvPr>
-          <p:cNvSpPr>
-            <a:spLocks noGrp="1"/>
-          </p:cNvSpPr>
-          <p:nvPr>
-            <p:ph sz="half" idx="2"/>
-          </p:nvPr>
-        </p:nvSpPr>
-        <p:spPr>
-          <a:xfrm>
-            <a:off x="839788" y="2505075"/>
-            <a:ext cx="5157787" cy="3684588"/>
-          </a:xfrm>
-        </p:spPr>
-        <p:txBody>
-          <a:bodyPr/>
-          <a:lstStyle/>
-          <a:p>
-            <a:pPr lvl="0"/>
-            <a:r>
-              <a:rPr lang="en-US"/>
-              <a:t>Edit Master text styles</a:t>
-            </a:r>
-          </a:p>
-          <a:p>
-            <a:pPr lvl="1"/>
-            <a:r>
-              <a:rPr lang="en-US"/>
-              <a:t>Second level</a:t>
-            </a:r>
-          </a:p>
-          <a:p>
-            <a:pPr lvl="2"/>
-            <a:r>
-              <a:rPr lang="en-US"/>
-              <a:t>Third level</a:t>
-            </a:r>
-          </a:p>
-          <a:p>
-            <a:pPr lvl="3"/>
-            <a:r>
-              <a:rPr lang="en-US"/>
-              <a:t>Fourth level</a:t>
-            </a:r>
-          </a:p>
-          <a:p>
-            <a:pPr lvl="4"/>
-            <a:r>
-              <a:rPr lang="en-US"/>
-              <a:t>Fifth level</a:t>
-            </a:r>
-            <a:endParaRPr lang="en-GB"/>
-          </a:p>
-        </p:txBody>
-      </p:sp>
-      <p:sp>
-        <p:nvSpPr>
-          <p:cNvPr id="5" name="Text Placeholder 4">
-            <a:extLst>
-              <a:ext uri="{FF2B5EF4-FFF2-40B4-BE49-F238E27FC236}">
-                <a16:creationId xmlns:a16="http://schemas.microsoft.com/office/drawing/2014/main" id="{30506EE2-ABAB-4B12-A38D-4E07039CA093}"/>
-              </a:ext>
-            </a:extLst>
-          </p:cNvPr>
-          <p:cNvSpPr>
-            <a:spLocks noGrp="1"/>
-          </p:cNvSpPr>
-          <p:nvPr>
-            <p:ph type="body" sz="quarter" idx="3"/>
-          </p:nvPr>
-        </p:nvSpPr>
-        <p:spPr>
-          <a:xfrm>
-            <a:off x="6172200" y="1681163"/>
-            <a:ext cx="5183188" cy="823912"/>
-          </a:xfrm>
-        </p:spPr>
-        <p:txBody>
-          <a:bodyPr anchor="b"/>
-          <a:lstStyle>
-            <a:lvl1pPr marL="0" indent="0">
-              <a:buNone/>
-              <a:defRPr sz="2400" b="1"/>
-            </a:lvl1pPr>
-            <a:lvl2pPr marL="457200" indent="0">
-              <a:buNone/>
-              <a:defRPr sz="2000" b="1"/>
-            </a:lvl2pPr>
-            <a:lvl3pPr marL="914400" indent="0">
-              <a:buNone/>
-              <a:defRPr sz="1800" b="1"/>
-            </a:lvl3pPr>
-            <a:lvl4pPr marL="1371600" indent="0">
-              <a:buNone/>
-              <a:defRPr sz="1600" b="1"/>
-            </a:lvl4pPr>
-            <a:lvl5pPr marL="1828800" indent="0">
-              <a:buNone/>
-              <a:defRPr sz="1600" b="1"/>
-            </a:lvl5pPr>
-            <a:lvl6pPr marL="2286000" indent="0">
-              <a:buNone/>
-              <a:defRPr sz="1600" b="1"/>
-            </a:lvl6pPr>
-            <a:lvl7pPr marL="2743200" indent="0">
-              <a:buNone/>
-              <a:defRPr sz="1600" b="1"/>
-            </a:lvl7pPr>
-            <a:lvl8pPr marL="3200400" indent="0">
-              <a:buNone/>
-              <a:defRPr sz="1600" b="1"/>
-            </a:lvl8pPr>
-            <a:lvl9pPr marL="3657600" indent="0">
-              <a:buNone/>
-              <a:defRPr sz="1600" b="1"/>
-            </a:lvl9pPr>
-          </a:lstStyle>
-          <a:p>
-            <a:pPr lvl="0"/>
-            <a:r>
-              <a:rPr lang="en-US"/>
-              <a:t>Edit Master text styles</a:t>
-            </a:r>
-          </a:p>
-        </p:txBody>
-      </p:sp>
-      <p:sp>
-        <p:nvSpPr>
-          <p:cNvPr id="6" name="Content Placeholder 5">
-            <a:extLst>
-              <a:ext uri="{FF2B5EF4-FFF2-40B4-BE49-F238E27FC236}">
-                <a16:creationId xmlns:a16="http://schemas.microsoft.com/office/drawing/2014/main" id="{731B279A-4476-40EE-8110-3B8D8269DB78}"/>
-              </a:ext>
-            </a:extLst>
-          </p:cNvPr>
-          <p:cNvSpPr>
-            <a:spLocks noGrp="1"/>
-          </p:cNvSpPr>
-          <p:nvPr>
-            <p:ph sz="quarter" idx="4"/>
-          </p:nvPr>
-        </p:nvSpPr>
-        <p:spPr>
-          <a:xfrm>
-            <a:off x="6172200" y="2505075"/>
-            <a:ext cx="5183188" cy="3684588"/>
-          </a:xfrm>
-        </p:spPr>
-        <p:txBody>
-          <a:bodyPr/>
-          <a:lstStyle/>
-          <a:p>
-            <a:pPr lvl="0"/>
-            <a:r>
-              <a:rPr lang="en-US"/>
-              <a:t>Edit Master text styles</a:t>
-            </a:r>
-          </a:p>
-          <a:p>
-            <a:pPr lvl="1"/>
-            <a:r>
-              <a:rPr lang="en-US"/>
-              <a:t>Second level</a:t>
-            </a:r>
-          </a:p>
-          <a:p>
-            <a:pPr lvl="2"/>
-            <a:r>
-              <a:rPr lang="en-US"/>
-              <a:t>Third level</a:t>
-            </a:r>
-          </a:p>
-          <a:p>
-            <a:pPr lvl="3"/>
-            <a:r>
-              <a:rPr lang="en-US"/>
-              <a:t>Fourth level</a:t>
-            </a:r>
-          </a:p>
-          <a:p>
-            <a:pPr lvl="4"/>
-            <a:r>
-              <a:rPr lang="en-US"/>
-              <a:t>Fifth level</a:t>
-            </a:r>
-            <a:endParaRPr lang="en-GB"/>
-          </a:p>
-        </p:txBody>
-      </p:sp>
-      <p:sp>
-        <p:nvSpPr>
-          <p:cNvPr id="7" name="Date Placeholder 6">
-            <a:extLst>
-              <a:ext uri="{FF2B5EF4-FFF2-40B4-BE49-F238E27FC236}">
-                <a16:creationId xmlns:a16="http://schemas.microsoft.com/office/drawing/2014/main" id="{097D3939-047B-4B41-8E21-0B9D48840487}"/>
-              </a:ext>
-            </a:extLst>
-          </p:cNvPr>
-          <p:cNvSpPr>
-            <a:spLocks noGrp="1"/>
-          </p:cNvSpPr>
-          <p:nvPr>
-            <p:ph type="dt" sz="half" idx="10"/>
-          </p:nvPr>
-        </p:nvSpPr>
-        <p:spPr/>
-        <p:txBody>
-          <a:bodyPr/>
-          <a:lstStyle/>
-          <a:p>
-            <a:fld id="{15EF62BA-89F7-4AEF-9B54-5BB470E2DCC6}" type="datetimeFigureOut">
-              <a:rPr lang="en-GB" smtClean="0"/>
-              <a:t>15/04/2018</a:t>
-            </a:fld>
-            <a:endParaRPr lang="en-GB"/>
-          </a:p>
-        </p:txBody>
-      </p:sp>
-      <p:sp>
-        <p:nvSpPr>
-          <p:cNvPr id="8" name="Footer Placeholder 7">
-            <a:extLst>
-              <a:ext uri="{FF2B5EF4-FFF2-40B4-BE49-F238E27FC236}">
-                <a16:creationId xmlns:a16="http://schemas.microsoft.com/office/drawing/2014/main" id="{71F112F4-18CE-4448-AFE8-0E42641FABDE}"/>
-              </a:ext>
-            </a:extLst>
-          </p:cNvPr>
-          <p:cNvSpPr>
-            <a:spLocks noGrp="1"/>
-          </p:cNvSpPr>
-          <p:nvPr>
-            <p:ph type="ftr" sz="quarter" idx="11"/>
-          </p:nvPr>
-        </p:nvSpPr>
-        <p:spPr/>
-        <p:txBody>
-          <a:bodyPr/>
-          <a:lstStyle/>
-          <a:p>
-            <a:endParaRPr lang="en-GB"/>
-          </a:p>
-        </p:txBody>
-      </p:sp>
-      <p:sp>
-        <p:nvSpPr>
-          <p:cNvPr id="9" name="Slide Number Placeholder 8">
-            <a:extLst>
-              <a:ext uri="{FF2B5EF4-FFF2-40B4-BE49-F238E27FC236}">
-                <a16:creationId xmlns:a16="http://schemas.microsoft.com/office/drawing/2014/main" id="{BBB5E134-E08C-4B8D-9447-87B794454CFB}"/>
-              </a:ext>
-            </a:extLst>
-          </p:cNvPr>
-          <p:cNvSpPr>
-            <a:spLocks noGrp="1"/>
-          </p:cNvSpPr>
-          <p:nvPr>
-            <p:ph type="sldNum" sz="quarter" idx="12"/>
-          </p:nvPr>
-        </p:nvSpPr>
-        <p:spPr/>
-        <p:txBody>
-          <a:bodyPr/>
-          <a:lstStyle/>
-          <a:p>
-            <a:fld id="{AD580FBD-1122-476C-B841-921403D6EF63}" type="slidenum">
-              <a:rPr lang="en-GB" smtClean="0"/>
-              <a:t>‹#›</a:t>
-            </a:fld>
-            <a:endParaRPr lang="en-GB"/>
-          </a:p>
-        </p:txBody>
-      </p:sp>
-    </p:spTree>
-    <p:extLst>
-      <p:ext uri="{BB962C8B-B14F-4D97-AF65-F5344CB8AC3E}">
-        <p14:creationId xmlns:p14="http://schemas.microsoft.com/office/powerpoint/2010/main" val="3132022690"/>
-      </p:ext>
-    </p:extLst>
-  </p:cSld>
-  <p:clrMapOvr>
-    <a:masterClrMapping/>
-  </p:clrMapOvr>
-</p:sldLayout>
-</file>
-
-<file path=ppt/slideLayouts/slideLayout8.xml><?xml version="1.0" encoding="utf-8"?>
-<p:sldLayout xmlns:a="http://schemas.openxmlformats.org/drawingml/2006/main" xmlns:r="http://schemas.openxmlformats.org/officeDocument/2006/relationships" xmlns:p="http://schemas.openxmlformats.org/presentationml/2006/main" type="titleOnly" preserve="1">
-  <p:cSld name="Title Only">
-    <p:spTree>
-      <p:nvGrpSpPr>
-        <p:cNvPr id="1" name=""/>
-        <p:cNvGrpSpPr/>
-        <p:nvPr/>
-      </p:nvGrpSpPr>
-      <p:grpSpPr>
-        <a:xfrm>
-          <a:off x="0" y="0"/>
-          <a:ext cx="0" cy="0"/>
-          <a:chOff x="0" y="0"/>
-          <a:chExt cx="0" cy="0"/>
-        </a:xfrm>
-      </p:grpSpPr>
-      <p:sp>
-        <p:nvSpPr>
-          <p:cNvPr id="2" name="Title 1">
-            <a:extLst>
-              <a:ext uri="{FF2B5EF4-FFF2-40B4-BE49-F238E27FC236}">
-                <a16:creationId xmlns:a16="http://schemas.microsoft.com/office/drawing/2014/main" id="{8B11427C-54C5-4054-9EA4-D3E6FA2E3028}"/>
-              </a:ext>
-            </a:extLst>
-          </p:cNvPr>
-          <p:cNvSpPr>
-            <a:spLocks noGrp="1"/>
-          </p:cNvSpPr>
-          <p:nvPr>
-            <p:ph type="title"/>
-          </p:nvPr>
-        </p:nvSpPr>
-        <p:spPr/>
-        <p:txBody>
-          <a:bodyPr/>
-          <a:lstStyle/>
-          <a:p>
-            <a:r>
-              <a:rPr lang="en-US"/>
-              <a:t>Click to edit Master title style</a:t>
-            </a:r>
-            <a:endParaRPr lang="en-GB"/>
-          </a:p>
-        </p:txBody>
-      </p:sp>
-      <p:sp>
-        <p:nvSpPr>
-          <p:cNvPr id="3" name="Date Placeholder 2">
-            <a:extLst>
-              <a:ext uri="{FF2B5EF4-FFF2-40B4-BE49-F238E27FC236}">
-                <a16:creationId xmlns:a16="http://schemas.microsoft.com/office/drawing/2014/main" id="{B7443935-DE78-4F63-B2F2-743DB8B38723}"/>
-              </a:ext>
-            </a:extLst>
-          </p:cNvPr>
-          <p:cNvSpPr>
-            <a:spLocks noGrp="1"/>
-          </p:cNvSpPr>
-          <p:nvPr>
-            <p:ph type="dt" sz="half" idx="10"/>
-          </p:nvPr>
-        </p:nvSpPr>
-        <p:spPr/>
-        <p:txBody>
-          <a:bodyPr/>
-          <a:lstStyle/>
-          <a:p>
-            <a:fld id="{15EF62BA-89F7-4AEF-9B54-5BB470E2DCC6}" type="datetimeFigureOut">
-              <a:rPr lang="en-GB" smtClean="0"/>
-              <a:t>15/04/2018</a:t>
-            </a:fld>
-            <a:endParaRPr lang="en-GB"/>
-          </a:p>
-        </p:txBody>
-      </p:sp>
-      <p:sp>
-        <p:nvSpPr>
-          <p:cNvPr id="4" name="Footer Placeholder 3">
-            <a:extLst>
-              <a:ext uri="{FF2B5EF4-FFF2-40B4-BE49-F238E27FC236}">
-                <a16:creationId xmlns:a16="http://schemas.microsoft.com/office/drawing/2014/main" id="{792928A2-DC03-46EF-BDCC-86FE7D1CF1AF}"/>
-              </a:ext>
-            </a:extLst>
-          </p:cNvPr>
-          <p:cNvSpPr>
-            <a:spLocks noGrp="1"/>
-          </p:cNvSpPr>
-          <p:nvPr>
-            <p:ph type="ftr" sz="quarter" idx="11"/>
-          </p:nvPr>
-        </p:nvSpPr>
-        <p:spPr/>
-        <p:txBody>
-          <a:bodyPr/>
-          <a:lstStyle/>
-          <a:p>
-            <a:endParaRPr lang="en-GB"/>
-          </a:p>
-        </p:txBody>
-      </p:sp>
-      <p:sp>
-        <p:nvSpPr>
-          <p:cNvPr id="5" name="Slide Number Placeholder 4">
-            <a:extLst>
-              <a:ext uri="{FF2B5EF4-FFF2-40B4-BE49-F238E27FC236}">
-                <a16:creationId xmlns:a16="http://schemas.microsoft.com/office/drawing/2014/main" id="{274B39C6-2D86-4410-A68E-E1C530D8BAA4}"/>
-              </a:ext>
-            </a:extLst>
-          </p:cNvPr>
-          <p:cNvSpPr>
-            <a:spLocks noGrp="1"/>
-          </p:cNvSpPr>
-          <p:nvPr>
-            <p:ph type="sldNum" sz="quarter" idx="12"/>
-          </p:nvPr>
-        </p:nvSpPr>
-        <p:spPr/>
-        <p:txBody>
-          <a:bodyPr/>
-          <a:lstStyle/>
-          <a:p>
-            <a:fld id="{AD580FBD-1122-476C-B841-921403D6EF63}" type="slidenum">
-              <a:rPr lang="en-GB" smtClean="0"/>
-              <a:t>‹#›</a:t>
-            </a:fld>
-            <a:endParaRPr lang="en-GB"/>
-          </a:p>
-        </p:txBody>
-      </p:sp>
-    </p:spTree>
-    <p:extLst>
-      <p:ext uri="{BB962C8B-B14F-4D97-AF65-F5344CB8AC3E}">
-        <p14:creationId xmlns:p14="http://schemas.microsoft.com/office/powerpoint/2010/main" val="188305652"/>
-      </p:ext>
-    </p:extLst>
-  </p:cSld>
-  <p:clrMapOvr>
-    <a:masterClrMapping/>
-  </p:clrMapOvr>
-</p:sldLayout>
-</file>
-
-<file path=ppt/slideLayouts/slideLayout9.xml><?xml version="1.0" encoding="utf-8"?>
-<p:sldLayout xmlns:a="http://schemas.openxmlformats.org/drawingml/2006/main" xmlns:r="http://schemas.openxmlformats.org/officeDocument/2006/relationships" xmlns:p="http://schemas.openxmlformats.org/presentationml/2006/main" type="blank" preserve="1">
-  <p:cSld name="Blank">
-    <p:spTree>
-      <p:nvGrpSpPr>
-        <p:cNvPr id="1" name=""/>
-        <p:cNvGrpSpPr/>
-        <p:nvPr/>
-      </p:nvGrpSpPr>
-      <p:grpSpPr>
-        <a:xfrm>
-          <a:off x="0" y="0"/>
-          <a:ext cx="0" cy="0"/>
-          <a:chOff x="0" y="0"/>
-          <a:chExt cx="0" cy="0"/>
-        </a:xfrm>
-      </p:grpSpPr>
-      <p:sp>
-        <p:nvSpPr>
-          <p:cNvPr id="2" name="Date Placeholder 1">
-            <a:extLst>
-              <a:ext uri="{FF2B5EF4-FFF2-40B4-BE49-F238E27FC236}">
-                <a16:creationId xmlns:a16="http://schemas.microsoft.com/office/drawing/2014/main" id="{ED008117-4419-4C99-840C-8CC4B424B033}"/>
-              </a:ext>
-            </a:extLst>
-          </p:cNvPr>
-          <p:cNvSpPr>
-            <a:spLocks noGrp="1"/>
-          </p:cNvSpPr>
-          <p:nvPr>
-            <p:ph type="dt" sz="half" idx="10"/>
-          </p:nvPr>
-        </p:nvSpPr>
-        <p:spPr/>
-        <p:txBody>
-          <a:bodyPr/>
-          <a:lstStyle/>
-          <a:p>
-            <a:fld id="{15EF62BA-89F7-4AEF-9B54-5BB470E2DCC6}" type="datetimeFigureOut">
-              <a:rPr lang="en-GB" smtClean="0"/>
-              <a:t>15/04/2018</a:t>
-            </a:fld>
-            <a:endParaRPr lang="en-GB"/>
-          </a:p>
-        </p:txBody>
-      </p:sp>
-      <p:sp>
-        <p:nvSpPr>
-          <p:cNvPr id="3" name="Footer Placeholder 2">
-            <a:extLst>
-              <a:ext uri="{FF2B5EF4-FFF2-40B4-BE49-F238E27FC236}">
-                <a16:creationId xmlns:a16="http://schemas.microsoft.com/office/drawing/2014/main" id="{D2980303-501D-41AA-9043-E8181A49D38B}"/>
-              </a:ext>
-            </a:extLst>
-          </p:cNvPr>
-          <p:cNvSpPr>
-            <a:spLocks noGrp="1"/>
-          </p:cNvSpPr>
-          <p:nvPr>
-            <p:ph type="ftr" sz="quarter" idx="11"/>
-          </p:nvPr>
-        </p:nvSpPr>
-        <p:spPr/>
-        <p:txBody>
-          <a:bodyPr/>
-          <a:lstStyle/>
-          <a:p>
-            <a:endParaRPr lang="en-GB"/>
-          </a:p>
-        </p:txBody>
-      </p:sp>
-      <p:sp>
-        <p:nvSpPr>
-          <p:cNvPr id="4" name="Slide Number Placeholder 3">
-            <a:extLst>
-              <a:ext uri="{FF2B5EF4-FFF2-40B4-BE49-F238E27FC236}">
-                <a16:creationId xmlns:a16="http://schemas.microsoft.com/office/drawing/2014/main" id="{045A9B67-03CA-48A3-905D-759407332D41}"/>
-              </a:ext>
-            </a:extLst>
-          </p:cNvPr>
-          <p:cNvSpPr>
-            <a:spLocks noGrp="1"/>
-          </p:cNvSpPr>
-          <p:nvPr>
-            <p:ph type="sldNum" sz="quarter" idx="12"/>
-          </p:nvPr>
-        </p:nvSpPr>
-        <p:spPr/>
-        <p:txBody>
-          <a:bodyPr/>
-          <a:lstStyle/>
-          <a:p>
-            <a:fld id="{AD580FBD-1122-476C-B841-921403D6EF63}" type="slidenum">
-              <a:rPr lang="en-GB" smtClean="0"/>
-              <a:t>‹#›</a:t>
-            </a:fld>
-            <a:endParaRPr lang="en-GB"/>
-          </a:p>
-        </p:txBody>
-      </p:sp>
-    </p:spTree>
-    <p:extLst>
-      <p:ext uri="{BB962C8B-B14F-4D97-AF65-F5344CB8AC3E}">
-        <p14:creationId xmlns:p14="http://schemas.microsoft.com/office/powerpoint/2010/main" val="171306147"/>
-      </p:ext>
-    </p:extLst>
-  </p:cSld>
-  <p:clrMapOvr>
-    <a:masterClrMapping/>
-  </p:clrMapOvr>
-</p:sldLayout>
-</file>
-
 <file path=ppt/slideMasters/slideMaster1.xml><?xml version="1.0" encoding="utf-8"?>
 <p:sldMaster xmlns:a="http://schemas.openxmlformats.org/drawingml/2006/main" xmlns:r="http://schemas.openxmlformats.org/officeDocument/2006/relationships" xmlns:p="http://schemas.openxmlformats.org/presentationml/2006/main">
   <p:cSld>
     <p:bg>
-      <p:bgRef idx="1002">
+      <p:bgRef idx="1001">
         <a:schemeClr val="bg1"/>
       </p:bgRef>
     </p:bg>
@@ -3683,7 +3667,7 @@
           <a:p>
             <a:fld id="{37EB0E46-E80E-48D9-AB78-B258CCB95DD8}" type="datetimeFigureOut">
               <a:rPr lang="en-GB" smtClean="0"/>
-              <a:t>15/04/2018</a:t>
+              <a:t>17/04/2018</a:t>
             </a:fld>
             <a:endParaRPr lang="en-GB"/>
           </a:p>
@@ -3794,7 +3778,7 @@
           <p:nvPr userDrawn="1"/>
         </p:nvPicPr>
         <p:blipFill>
-          <a:blip r:embed="rId4">
+          <a:blip r:embed="rId3">
             <a:extLst>
               <a:ext uri="{28A0092B-C50C-407E-A947-70E740481C1C}">
                 <a14:useLocalDpi xmlns:a14="http://schemas.microsoft.com/office/drawing/2010/main" val="0"/>
@@ -3807,8 +3791,8 @@
         </p:blipFill>
         <p:spPr>
           <a:xfrm>
-            <a:off x="2286000" y="1507958"/>
-            <a:ext cx="7620000" cy="1524000"/>
+            <a:off x="3716110" y="1352836"/>
+            <a:ext cx="4759779" cy="951956"/>
           </a:xfrm>
           <a:prstGeom prst="rect">
             <a:avLst/>
@@ -3825,7 +3809,6 @@
   <p:clrMap bg1="dk1" tx1="lt1" bg2="dk2" tx2="lt2" accent1="accent1" accent2="accent2" accent3="accent3" accent4="accent4" accent5="accent5" accent6="accent6" hlink="hlink" folHlink="folHlink"/>
   <p:sldLayoutIdLst>
     <p:sldLayoutId id="2147483661" r:id="rId1"/>
-    <p:sldLayoutId id="2147483662" r:id="rId2"/>
   </p:sldLayoutIdLst>
   <p:txStyles>
     <p:titleStyle>
@@ -4114,7 +4097,7 @@
 <p:sldMaster xmlns:a="http://schemas.openxmlformats.org/drawingml/2006/main" xmlns:r="http://schemas.openxmlformats.org/officeDocument/2006/relationships" xmlns:p="http://schemas.openxmlformats.org/presentationml/2006/main" preserve="1">
   <p:cSld>
     <p:bg>
-      <p:bgRef idx="1002">
+      <p:bgRef idx="1001">
         <a:schemeClr val="bg1"/>
       </p:bgRef>
     </p:bg>
@@ -4280,7 +4263,7 @@
           <a:p>
             <a:fld id="{15EF62BA-89F7-4AEF-9B54-5BB470E2DCC6}" type="datetimeFigureOut">
               <a:rPr lang="en-GB" smtClean="0"/>
-              <a:t>15/04/2018</a:t>
+              <a:t>17/04/2018</a:t>
             </a:fld>
             <a:endParaRPr lang="en-GB"/>
           </a:p>
@@ -4749,10 +4732,54 @@
             <p:ph type="subTitle" idx="1"/>
           </p:nvPr>
         </p:nvSpPr>
-        <p:spPr/>
-        <p:txBody>
-          <a:bodyPr/>
-          <a:lstStyle/>
+        <p:spPr>
+          <a:xfrm>
+            <a:off x="1524000" y="3650164"/>
+            <a:ext cx="9144000" cy="1655762"/>
+          </a:xfrm>
+        </p:spPr>
+        <p:txBody>
+          <a:bodyPr/>
+          <a:lstStyle/>
+          <a:p>
+            <a:r>
+              <a:rPr lang="en-GB" dirty="0"/>
+              <a:t>Czar Ian Echavez</a:t>
+            </a:r>
+          </a:p>
+          <a:p>
+            <a:r>
+              <a:rPr lang="en-GB" dirty="0"/>
+              <a:t>BSc Computer Science</a:t>
+            </a:r>
+          </a:p>
+          <a:p>
+            <a:endParaRPr lang="en-GB" dirty="0"/>
+          </a:p>
+          <a:p>
+            <a:r>
+              <a:rPr lang="en-GB" sz="1800" dirty="0"/>
+              <a:t>Supervised by</a:t>
+            </a:r>
+          </a:p>
+          <a:p>
+            <a:r>
+              <a:rPr lang="en-GB" sz="1800" dirty="0"/>
+              <a:t>Atta Badii</a:t>
+            </a:r>
+          </a:p>
+          <a:p>
+            <a:r>
+              <a:rPr lang="en-GB" sz="1800" dirty="0"/>
+              <a:t>And </a:t>
+            </a:r>
+          </a:p>
+          <a:p>
+            <a:r>
+              <a:rPr lang="en-GB" sz="1800" dirty="0"/>
+              <a:t>Tom Thorne</a:t>
+            </a:r>
+          </a:p>
           <a:p>
             <a:endParaRPr lang="en-GB" dirty="0"/>
           </a:p>
@@ -4762,6 +4789,880 @@
     <p:extLst>
       <p:ext uri="{BB962C8B-B14F-4D97-AF65-F5344CB8AC3E}">
         <p14:creationId xmlns:p14="http://schemas.microsoft.com/office/powerpoint/2010/main" val="3194812505"/>
+      </p:ext>
+    </p:extLst>
+  </p:cSld>
+  <p:clrMapOvr>
+    <a:masterClrMapping/>
+  </p:clrMapOvr>
+</p:sld>
+</file>
+
+<file path=ppt/slides/slide10.xml><?xml version="1.0" encoding="utf-8"?>
+<p:sld xmlns:a="http://schemas.openxmlformats.org/drawingml/2006/main" xmlns:r="http://schemas.openxmlformats.org/officeDocument/2006/relationships" xmlns:p="http://schemas.openxmlformats.org/presentationml/2006/main">
+  <p:cSld>
+    <p:spTree>
+      <p:nvGrpSpPr>
+        <p:cNvPr id="1" name=""/>
+        <p:cNvGrpSpPr/>
+        <p:nvPr/>
+      </p:nvGrpSpPr>
+      <p:grpSpPr>
+        <a:xfrm>
+          <a:off x="0" y="0"/>
+          <a:ext cx="0" cy="0"/>
+          <a:chOff x="0" y="0"/>
+          <a:chExt cx="0" cy="0"/>
+        </a:xfrm>
+      </p:grpSpPr>
+      <p:sp>
+        <p:nvSpPr>
+          <p:cNvPr id="2" name="Title 1">
+            <a:extLst>
+              <a:ext uri="{FF2B5EF4-FFF2-40B4-BE49-F238E27FC236}">
+                <a16:creationId xmlns:a16="http://schemas.microsoft.com/office/drawing/2014/main" id="{31FC5D61-D876-495D-A1A8-C020331DD959}"/>
+              </a:ext>
+            </a:extLst>
+          </p:cNvPr>
+          <p:cNvSpPr>
+            <a:spLocks noGrp="1"/>
+          </p:cNvSpPr>
+          <p:nvPr>
+            <p:ph type="title"/>
+          </p:nvPr>
+        </p:nvSpPr>
+        <p:spPr/>
+        <p:txBody>
+          <a:bodyPr/>
+          <a:lstStyle/>
+          <a:p>
+            <a:r>
+              <a:rPr lang="en-GB" dirty="0"/>
+              <a:t>Implementation - GUI</a:t>
+            </a:r>
+          </a:p>
+        </p:txBody>
+      </p:sp>
+      <p:sp>
+        <p:nvSpPr>
+          <p:cNvPr id="3" name="Content Placeholder 2">
+            <a:extLst>
+              <a:ext uri="{FF2B5EF4-FFF2-40B4-BE49-F238E27FC236}">
+                <a16:creationId xmlns:a16="http://schemas.microsoft.com/office/drawing/2014/main" id="{9C3051DE-B872-43B3-8F08-26B9EC37910D}"/>
+              </a:ext>
+            </a:extLst>
+          </p:cNvPr>
+          <p:cNvSpPr>
+            <a:spLocks noGrp="1"/>
+          </p:cNvSpPr>
+          <p:nvPr>
+            <p:ph idx="1"/>
+          </p:nvPr>
+        </p:nvSpPr>
+        <p:spPr>
+          <a:xfrm>
+            <a:off x="838200" y="1825625"/>
+            <a:ext cx="5257800" cy="4351338"/>
+          </a:xfrm>
+        </p:spPr>
+        <p:txBody>
+          <a:bodyPr/>
+          <a:lstStyle/>
+          <a:p>
+            <a:r>
+              <a:rPr lang="en-GB" dirty="0"/>
+              <a:t>GUI items handled by header library called </a:t>
+            </a:r>
+            <a:r>
+              <a:rPr lang="en-GB" dirty="0" err="1"/>
+              <a:t>ImGUI</a:t>
+            </a:r>
+            <a:endParaRPr lang="en-GB" dirty="0"/>
+          </a:p>
+          <a:p>
+            <a:r>
+              <a:rPr lang="en-GB" dirty="0"/>
+              <a:t>GUI items allow for easy interaction between the simulator and the user</a:t>
+            </a:r>
+          </a:p>
+        </p:txBody>
+      </p:sp>
+      <p:pic>
+        <p:nvPicPr>
+          <p:cNvPr id="4" name="Picture 3">
+            <a:extLst>
+              <a:ext uri="{FF2B5EF4-FFF2-40B4-BE49-F238E27FC236}">
+                <a16:creationId xmlns:a16="http://schemas.microsoft.com/office/drawing/2014/main" id="{8EF3CC62-F9F6-4364-8BBD-BE22E273F6CD}"/>
+              </a:ext>
+            </a:extLst>
+          </p:cNvPr>
+          <p:cNvPicPr>
+            <a:picLocks noChangeAspect="1"/>
+          </p:cNvPicPr>
+          <p:nvPr/>
+        </p:nvPicPr>
+        <p:blipFill>
+          <a:blip r:embed="rId2"/>
+          <a:stretch>
+            <a:fillRect/>
+          </a:stretch>
+        </p:blipFill>
+        <p:spPr>
+          <a:xfrm>
+            <a:off x="7440872" y="1307136"/>
+            <a:ext cx="3846253" cy="4746002"/>
+          </a:xfrm>
+          <a:prstGeom prst="rect">
+            <a:avLst/>
+          </a:prstGeom>
+        </p:spPr>
+      </p:pic>
+    </p:spTree>
+    <p:extLst>
+      <p:ext uri="{BB962C8B-B14F-4D97-AF65-F5344CB8AC3E}">
+        <p14:creationId xmlns:p14="http://schemas.microsoft.com/office/powerpoint/2010/main" val="1436601378"/>
+      </p:ext>
+    </p:extLst>
+  </p:cSld>
+  <p:clrMapOvr>
+    <a:masterClrMapping/>
+  </p:clrMapOvr>
+</p:sld>
+</file>
+
+<file path=ppt/slides/slide11.xml><?xml version="1.0" encoding="utf-8"?>
+<p:sld xmlns:a="http://schemas.openxmlformats.org/drawingml/2006/main" xmlns:r="http://schemas.openxmlformats.org/officeDocument/2006/relationships" xmlns:p="http://schemas.openxmlformats.org/presentationml/2006/main">
+  <p:cSld>
+    <p:spTree>
+      <p:nvGrpSpPr>
+        <p:cNvPr id="1" name=""/>
+        <p:cNvGrpSpPr/>
+        <p:nvPr/>
+      </p:nvGrpSpPr>
+      <p:grpSpPr>
+        <a:xfrm>
+          <a:off x="0" y="0"/>
+          <a:ext cx="0" cy="0"/>
+          <a:chOff x="0" y="0"/>
+          <a:chExt cx="0" cy="0"/>
+        </a:xfrm>
+      </p:grpSpPr>
+      <p:sp>
+        <p:nvSpPr>
+          <p:cNvPr id="2" name="Title 1">
+            <a:extLst>
+              <a:ext uri="{FF2B5EF4-FFF2-40B4-BE49-F238E27FC236}">
+                <a16:creationId xmlns:a16="http://schemas.microsoft.com/office/drawing/2014/main" id="{792B8E66-2461-4585-BF6A-48F473D9B354}"/>
+              </a:ext>
+            </a:extLst>
+          </p:cNvPr>
+          <p:cNvSpPr>
+            <a:spLocks noGrp="1"/>
+          </p:cNvSpPr>
+          <p:nvPr>
+            <p:ph type="title"/>
+          </p:nvPr>
+        </p:nvSpPr>
+        <p:spPr/>
+        <p:txBody>
+          <a:bodyPr/>
+          <a:lstStyle/>
+          <a:p>
+            <a:r>
+              <a:rPr lang="en-GB" dirty="0"/>
+              <a:t>Implementation – ZEUS System</a:t>
+            </a:r>
+          </a:p>
+        </p:txBody>
+      </p:sp>
+      <p:sp>
+        <p:nvSpPr>
+          <p:cNvPr id="3" name="Content Placeholder 2">
+            <a:extLst>
+              <a:ext uri="{FF2B5EF4-FFF2-40B4-BE49-F238E27FC236}">
+                <a16:creationId xmlns:a16="http://schemas.microsoft.com/office/drawing/2014/main" id="{EAF5A9B9-BCE4-4DDA-8648-9F40084FCE19}"/>
+              </a:ext>
+            </a:extLst>
+          </p:cNvPr>
+          <p:cNvSpPr>
+            <a:spLocks noGrp="1"/>
+          </p:cNvSpPr>
+          <p:nvPr>
+            <p:ph idx="1"/>
+          </p:nvPr>
+        </p:nvSpPr>
+        <p:spPr/>
+        <p:txBody>
+          <a:bodyPr>
+            <a:normAutofit/>
+          </a:bodyPr>
+          <a:lstStyle/>
+          <a:p>
+            <a:pPr marL="0" indent="0">
+              <a:buNone/>
+            </a:pPr>
+            <a:r>
+              <a:rPr lang="en-GB" sz="2000" dirty="0"/>
+              <a:t>The ZEUS System is split into 2 pieces of software:</a:t>
+            </a:r>
+          </a:p>
+          <a:p>
+            <a:r>
+              <a:rPr lang="en-GB" sz="2000" dirty="0"/>
+              <a:t>Main Simulator</a:t>
+            </a:r>
+          </a:p>
+          <a:p>
+            <a:r>
+              <a:rPr lang="en-GB" sz="2000" dirty="0"/>
+              <a:t>Scenario Creator</a:t>
+            </a:r>
+          </a:p>
+          <a:p>
+            <a:pPr marL="0" indent="0">
+              <a:buNone/>
+            </a:pPr>
+            <a:r>
+              <a:rPr lang="en-GB" sz="2000" dirty="0"/>
+              <a:t>Two pieces of software created for two different purposes. Simulator visualises the spread of disease while the scenario creator is for advanced users wanting to make new scenarios</a:t>
+            </a:r>
+          </a:p>
+        </p:txBody>
+      </p:sp>
+      <p:grpSp>
+        <p:nvGrpSpPr>
+          <p:cNvPr id="6" name="Group 5">
+            <a:extLst>
+              <a:ext uri="{FF2B5EF4-FFF2-40B4-BE49-F238E27FC236}">
+                <a16:creationId xmlns:a16="http://schemas.microsoft.com/office/drawing/2014/main" id="{5DD593D1-4073-471D-8331-88848B14E47A}"/>
+              </a:ext>
+            </a:extLst>
+          </p:cNvPr>
+          <p:cNvGrpSpPr/>
+          <p:nvPr/>
+        </p:nvGrpSpPr>
+        <p:grpSpPr>
+          <a:xfrm>
+            <a:off x="838200" y="4001294"/>
+            <a:ext cx="4038600" cy="2614218"/>
+            <a:chOff x="838200" y="3574136"/>
+            <a:chExt cx="4038600" cy="2614218"/>
+          </a:xfrm>
+        </p:grpSpPr>
+        <p:pic>
+          <p:nvPicPr>
+            <p:cNvPr id="4" name="Picture 3">
+              <a:extLst>
+                <a:ext uri="{FF2B5EF4-FFF2-40B4-BE49-F238E27FC236}">
+                  <a16:creationId xmlns:a16="http://schemas.microsoft.com/office/drawing/2014/main" id="{4317C31E-4843-4444-B1F1-9F324B3A8AEB}"/>
+                </a:ext>
+              </a:extLst>
+            </p:cNvPr>
+            <p:cNvPicPr>
+              <a:picLocks noChangeAspect="1"/>
+            </p:cNvPicPr>
+            <p:nvPr/>
+          </p:nvPicPr>
+          <p:blipFill>
+            <a:blip r:embed="rId3"/>
+            <a:stretch>
+              <a:fillRect/>
+            </a:stretch>
+          </p:blipFill>
+          <p:spPr>
+            <a:xfrm>
+              <a:off x="838200" y="3574136"/>
+              <a:ext cx="4038600" cy="2210713"/>
+            </a:xfrm>
+            <a:prstGeom prst="rect">
+              <a:avLst/>
+            </a:prstGeom>
+          </p:spPr>
+        </p:pic>
+        <p:sp>
+          <p:nvSpPr>
+            <p:cNvPr id="5" name="TextBox 4">
+              <a:extLst>
+                <a:ext uri="{FF2B5EF4-FFF2-40B4-BE49-F238E27FC236}">
+                  <a16:creationId xmlns:a16="http://schemas.microsoft.com/office/drawing/2014/main" id="{224BF6F4-62B7-424A-A558-149C1B7D5599}"/>
+                </a:ext>
+              </a:extLst>
+            </p:cNvPr>
+            <p:cNvSpPr txBox="1"/>
+            <p:nvPr/>
+          </p:nvSpPr>
+          <p:spPr>
+            <a:xfrm>
+              <a:off x="2045996" y="5819022"/>
+              <a:ext cx="1623008" cy="369332"/>
+            </a:xfrm>
+            <a:prstGeom prst="rect">
+              <a:avLst/>
+            </a:prstGeom>
+            <a:noFill/>
+          </p:spPr>
+          <p:txBody>
+            <a:bodyPr wrap="none" rtlCol="0">
+              <a:spAutoFit/>
+            </a:bodyPr>
+            <a:lstStyle/>
+            <a:p>
+              <a:r>
+                <a:rPr lang="en-GB" dirty="0"/>
+                <a:t>Main Simulator</a:t>
+              </a:r>
+            </a:p>
+          </p:txBody>
+        </p:sp>
+      </p:grpSp>
+      <p:grpSp>
+        <p:nvGrpSpPr>
+          <p:cNvPr id="9" name="Group 8">
+            <a:extLst>
+              <a:ext uri="{FF2B5EF4-FFF2-40B4-BE49-F238E27FC236}">
+                <a16:creationId xmlns:a16="http://schemas.microsoft.com/office/drawing/2014/main" id="{60FA16E6-3A83-4B54-86BB-9130D5734846}"/>
+              </a:ext>
+            </a:extLst>
+          </p:cNvPr>
+          <p:cNvGrpSpPr/>
+          <p:nvPr/>
+        </p:nvGrpSpPr>
+        <p:grpSpPr>
+          <a:xfrm>
+            <a:off x="6695135" y="4001294"/>
+            <a:ext cx="4038600" cy="2759354"/>
+            <a:chOff x="6881812" y="3429000"/>
+            <a:chExt cx="4038600" cy="2759354"/>
+          </a:xfrm>
+        </p:grpSpPr>
+        <p:pic>
+          <p:nvPicPr>
+            <p:cNvPr id="7" name="Picture 6">
+              <a:extLst>
+                <a:ext uri="{FF2B5EF4-FFF2-40B4-BE49-F238E27FC236}">
+                  <a16:creationId xmlns:a16="http://schemas.microsoft.com/office/drawing/2014/main" id="{6EC9C48E-8129-41D0-AD3F-3848F27783A8}"/>
+                </a:ext>
+              </a:extLst>
+            </p:cNvPr>
+            <p:cNvPicPr>
+              <a:picLocks noChangeAspect="1"/>
+            </p:cNvPicPr>
+            <p:nvPr/>
+          </p:nvPicPr>
+          <p:blipFill>
+            <a:blip r:embed="rId4"/>
+            <a:stretch>
+              <a:fillRect/>
+            </a:stretch>
+          </p:blipFill>
+          <p:spPr>
+            <a:xfrm>
+              <a:off x="6881812" y="3429000"/>
+              <a:ext cx="4038600" cy="2210713"/>
+            </a:xfrm>
+            <a:prstGeom prst="rect">
+              <a:avLst/>
+            </a:prstGeom>
+          </p:spPr>
+        </p:pic>
+        <p:sp>
+          <p:nvSpPr>
+            <p:cNvPr id="8" name="TextBox 7">
+              <a:extLst>
+                <a:ext uri="{FF2B5EF4-FFF2-40B4-BE49-F238E27FC236}">
+                  <a16:creationId xmlns:a16="http://schemas.microsoft.com/office/drawing/2014/main" id="{CEBC218D-088F-4416-B9A3-FB72D5F8C4F2}"/>
+                </a:ext>
+              </a:extLst>
+            </p:cNvPr>
+            <p:cNvSpPr txBox="1"/>
+            <p:nvPr/>
+          </p:nvSpPr>
+          <p:spPr>
+            <a:xfrm>
+              <a:off x="8089608" y="5819022"/>
+              <a:ext cx="1745029" cy="369332"/>
+            </a:xfrm>
+            <a:prstGeom prst="rect">
+              <a:avLst/>
+            </a:prstGeom>
+            <a:noFill/>
+          </p:spPr>
+          <p:txBody>
+            <a:bodyPr wrap="none" rtlCol="0">
+              <a:spAutoFit/>
+            </a:bodyPr>
+            <a:lstStyle/>
+            <a:p>
+              <a:r>
+                <a:rPr lang="en-GB" dirty="0"/>
+                <a:t>Scenario Creator</a:t>
+              </a:r>
+            </a:p>
+          </p:txBody>
+        </p:sp>
+      </p:grpSp>
+    </p:spTree>
+    <p:extLst>
+      <p:ext uri="{BB962C8B-B14F-4D97-AF65-F5344CB8AC3E}">
+        <p14:creationId xmlns:p14="http://schemas.microsoft.com/office/powerpoint/2010/main" val="685191059"/>
+      </p:ext>
+    </p:extLst>
+  </p:cSld>
+  <p:clrMapOvr>
+    <a:masterClrMapping/>
+  </p:clrMapOvr>
+</p:sld>
+</file>
+
+<file path=ppt/slides/slide12.xml><?xml version="1.0" encoding="utf-8"?>
+<p:sld xmlns:a="http://schemas.openxmlformats.org/drawingml/2006/main" xmlns:r="http://schemas.openxmlformats.org/officeDocument/2006/relationships" xmlns:p="http://schemas.openxmlformats.org/presentationml/2006/main">
+  <p:cSld>
+    <p:spTree>
+      <p:nvGrpSpPr>
+        <p:cNvPr id="1" name=""/>
+        <p:cNvGrpSpPr/>
+        <p:nvPr/>
+      </p:nvGrpSpPr>
+      <p:grpSpPr>
+        <a:xfrm>
+          <a:off x="0" y="0"/>
+          <a:ext cx="0" cy="0"/>
+          <a:chOff x="0" y="0"/>
+          <a:chExt cx="0" cy="0"/>
+        </a:xfrm>
+      </p:grpSpPr>
+      <p:sp>
+        <p:nvSpPr>
+          <p:cNvPr id="2" name="Title 1">
+            <a:extLst>
+              <a:ext uri="{FF2B5EF4-FFF2-40B4-BE49-F238E27FC236}">
+                <a16:creationId xmlns:a16="http://schemas.microsoft.com/office/drawing/2014/main" id="{9E794139-7A80-42D5-A2F1-2900734EF238}"/>
+              </a:ext>
+            </a:extLst>
+          </p:cNvPr>
+          <p:cNvSpPr>
+            <a:spLocks noGrp="1"/>
+          </p:cNvSpPr>
+          <p:nvPr>
+            <p:ph type="title"/>
+          </p:nvPr>
+        </p:nvSpPr>
+        <p:spPr/>
+        <p:txBody>
+          <a:bodyPr/>
+          <a:lstStyle/>
+          <a:p>
+            <a:r>
+              <a:rPr lang="en-GB" dirty="0"/>
+              <a:t>Evaluation</a:t>
+            </a:r>
+          </a:p>
+        </p:txBody>
+      </p:sp>
+      <p:sp>
+        <p:nvSpPr>
+          <p:cNvPr id="3" name="Content Placeholder 2">
+            <a:extLst>
+              <a:ext uri="{FF2B5EF4-FFF2-40B4-BE49-F238E27FC236}">
+                <a16:creationId xmlns:a16="http://schemas.microsoft.com/office/drawing/2014/main" id="{B4555252-DB6C-40E4-96B8-6485C7ECBB8D}"/>
+              </a:ext>
+            </a:extLst>
+          </p:cNvPr>
+          <p:cNvSpPr>
+            <a:spLocks noGrp="1"/>
+          </p:cNvSpPr>
+          <p:nvPr>
+            <p:ph idx="1"/>
+          </p:nvPr>
+        </p:nvSpPr>
+        <p:spPr/>
+        <p:txBody>
+          <a:bodyPr/>
+          <a:lstStyle/>
+          <a:p>
+            <a:endParaRPr lang="en-GB" dirty="0"/>
+          </a:p>
+        </p:txBody>
+      </p:sp>
+    </p:spTree>
+    <p:extLst>
+      <p:ext uri="{BB962C8B-B14F-4D97-AF65-F5344CB8AC3E}">
+        <p14:creationId xmlns:p14="http://schemas.microsoft.com/office/powerpoint/2010/main" val="3028840492"/>
+      </p:ext>
+    </p:extLst>
+  </p:cSld>
+  <p:clrMapOvr>
+    <a:masterClrMapping/>
+  </p:clrMapOvr>
+</p:sld>
+</file>
+
+<file path=ppt/slides/slide13.xml><?xml version="1.0" encoding="utf-8"?>
+<p:sld xmlns:a="http://schemas.openxmlformats.org/drawingml/2006/main" xmlns:r="http://schemas.openxmlformats.org/officeDocument/2006/relationships" xmlns:p="http://schemas.openxmlformats.org/presentationml/2006/main">
+  <p:cSld>
+    <p:spTree>
+      <p:nvGrpSpPr>
+        <p:cNvPr id="1" name=""/>
+        <p:cNvGrpSpPr/>
+        <p:nvPr/>
+      </p:nvGrpSpPr>
+      <p:grpSpPr>
+        <a:xfrm>
+          <a:off x="0" y="0"/>
+          <a:ext cx="0" cy="0"/>
+          <a:chOff x="0" y="0"/>
+          <a:chExt cx="0" cy="0"/>
+        </a:xfrm>
+      </p:grpSpPr>
+      <p:sp>
+        <p:nvSpPr>
+          <p:cNvPr id="2" name="Title 1">
+            <a:extLst>
+              <a:ext uri="{FF2B5EF4-FFF2-40B4-BE49-F238E27FC236}">
+                <a16:creationId xmlns:a16="http://schemas.microsoft.com/office/drawing/2014/main" id="{ADD16F08-9770-4768-920F-041EA7AD7E44}"/>
+              </a:ext>
+            </a:extLst>
+          </p:cNvPr>
+          <p:cNvSpPr>
+            <a:spLocks noGrp="1"/>
+          </p:cNvSpPr>
+          <p:nvPr>
+            <p:ph type="title"/>
+          </p:nvPr>
+        </p:nvSpPr>
+        <p:spPr/>
+        <p:txBody>
+          <a:bodyPr/>
+          <a:lstStyle/>
+          <a:p>
+            <a:r>
+              <a:rPr lang="en-GB" dirty="0"/>
+              <a:t>Possible improvements</a:t>
+            </a:r>
+          </a:p>
+        </p:txBody>
+      </p:sp>
+      <p:sp>
+        <p:nvSpPr>
+          <p:cNvPr id="3" name="Content Placeholder 2">
+            <a:extLst>
+              <a:ext uri="{FF2B5EF4-FFF2-40B4-BE49-F238E27FC236}">
+                <a16:creationId xmlns:a16="http://schemas.microsoft.com/office/drawing/2014/main" id="{D3E22D18-9E3B-4544-8740-A7C1BBD46F17}"/>
+              </a:ext>
+            </a:extLst>
+          </p:cNvPr>
+          <p:cNvSpPr>
+            <a:spLocks noGrp="1"/>
+          </p:cNvSpPr>
+          <p:nvPr>
+            <p:ph idx="1"/>
+          </p:nvPr>
+        </p:nvSpPr>
+        <p:spPr/>
+        <p:txBody>
+          <a:bodyPr/>
+          <a:lstStyle/>
+          <a:p>
+            <a:endParaRPr lang="en-GB"/>
+          </a:p>
+        </p:txBody>
+      </p:sp>
+    </p:spTree>
+    <p:extLst>
+      <p:ext uri="{BB962C8B-B14F-4D97-AF65-F5344CB8AC3E}">
+        <p14:creationId xmlns:p14="http://schemas.microsoft.com/office/powerpoint/2010/main" val="2560623392"/>
+      </p:ext>
+    </p:extLst>
+  </p:cSld>
+  <p:clrMapOvr>
+    <a:masterClrMapping/>
+  </p:clrMapOvr>
+</p:sld>
+</file>
+
+<file path=ppt/slides/slide14.xml><?xml version="1.0" encoding="utf-8"?>
+<p:sld xmlns:a="http://schemas.openxmlformats.org/drawingml/2006/main" xmlns:r="http://schemas.openxmlformats.org/officeDocument/2006/relationships" xmlns:p="http://schemas.openxmlformats.org/presentationml/2006/main">
+  <p:cSld>
+    <p:spTree>
+      <p:nvGrpSpPr>
+        <p:cNvPr id="1" name=""/>
+        <p:cNvGrpSpPr/>
+        <p:nvPr/>
+      </p:nvGrpSpPr>
+      <p:grpSpPr>
+        <a:xfrm>
+          <a:off x="0" y="0"/>
+          <a:ext cx="0" cy="0"/>
+          <a:chOff x="0" y="0"/>
+          <a:chExt cx="0" cy="0"/>
+        </a:xfrm>
+      </p:grpSpPr>
+      <p:sp>
+        <p:nvSpPr>
+          <p:cNvPr id="2" name="Title 1">
+            <a:extLst>
+              <a:ext uri="{FF2B5EF4-FFF2-40B4-BE49-F238E27FC236}">
+                <a16:creationId xmlns:a16="http://schemas.microsoft.com/office/drawing/2014/main" id="{9B888AF0-E76B-49C4-8B04-D5D75A0C470F}"/>
+              </a:ext>
+            </a:extLst>
+          </p:cNvPr>
+          <p:cNvSpPr>
+            <a:spLocks noGrp="1"/>
+          </p:cNvSpPr>
+          <p:nvPr>
+            <p:ph type="title"/>
+          </p:nvPr>
+        </p:nvSpPr>
+        <p:spPr/>
+        <p:txBody>
+          <a:bodyPr/>
+          <a:lstStyle/>
+          <a:p>
+            <a:r>
+              <a:rPr lang="en-GB" dirty="0"/>
+              <a:t>References</a:t>
+            </a:r>
+          </a:p>
+        </p:txBody>
+      </p:sp>
+      <p:sp>
+        <p:nvSpPr>
+          <p:cNvPr id="3" name="Content Placeholder 2">
+            <a:extLst>
+              <a:ext uri="{FF2B5EF4-FFF2-40B4-BE49-F238E27FC236}">
+                <a16:creationId xmlns:a16="http://schemas.microsoft.com/office/drawing/2014/main" id="{2CFBC883-0F86-40E3-940A-EAD5BB4091AA}"/>
+              </a:ext>
+            </a:extLst>
+          </p:cNvPr>
+          <p:cNvSpPr>
+            <a:spLocks noGrp="1"/>
+          </p:cNvSpPr>
+          <p:nvPr>
+            <p:ph idx="1"/>
+          </p:nvPr>
+        </p:nvSpPr>
+        <p:spPr>
+          <a:xfrm>
+            <a:off x="272716" y="1443789"/>
+            <a:ext cx="11405938" cy="5049086"/>
+          </a:xfrm>
+        </p:spPr>
+        <p:txBody>
+          <a:bodyPr>
+            <a:normAutofit/>
+          </a:bodyPr>
+          <a:lstStyle/>
+          <a:p>
+            <a:pPr marL="0" indent="0">
+              <a:spcBef>
+                <a:spcPts val="0"/>
+              </a:spcBef>
+              <a:buNone/>
+            </a:pPr>
+            <a:r>
+              <a:rPr lang="en-GB" sz="1800" dirty="0"/>
+              <a:t>GLEAM Simulator [Online] [Accessed 26 March 2018 09:33]</a:t>
+            </a:r>
+          </a:p>
+          <a:p>
+            <a:pPr marL="0" indent="0">
+              <a:spcBef>
+                <a:spcPts val="0"/>
+              </a:spcBef>
+              <a:spcAft>
+                <a:spcPts val="1800"/>
+              </a:spcAft>
+              <a:buNone/>
+            </a:pPr>
+            <a:r>
+              <a:rPr lang="en-GB" sz="1800" u="sng" dirty="0">
+                <a:hlinkClick r:id="rId2"/>
+              </a:rPr>
+              <a:t>http://www.gleamviz.org/simulator/</a:t>
+            </a:r>
+            <a:r>
+              <a:rPr lang="en-GB" sz="1800" dirty="0"/>
+              <a:t> </a:t>
+            </a:r>
+            <a:endParaRPr lang="en-GB" sz="2000" dirty="0"/>
+          </a:p>
+          <a:p>
+            <a:pPr marL="0" indent="0">
+              <a:spcBef>
+                <a:spcPts val="0"/>
+              </a:spcBef>
+              <a:buNone/>
+            </a:pPr>
+            <a:r>
+              <a:rPr lang="en-GB" sz="1800" dirty="0"/>
+              <a:t>Zombietown USA Browser Demo [Online] [Accessed 26 March 2018 20:45]</a:t>
+            </a:r>
+          </a:p>
+          <a:p>
+            <a:pPr marL="0" indent="0">
+              <a:spcBef>
+                <a:spcPts val="0"/>
+              </a:spcBef>
+              <a:spcAft>
+                <a:spcPts val="1800"/>
+              </a:spcAft>
+              <a:buNone/>
+            </a:pPr>
+            <a:r>
+              <a:rPr lang="en-GB" sz="1800" u="sng" dirty="0">
+                <a:hlinkClick r:id="rId3"/>
+              </a:rPr>
+              <a:t>http://mattbierbaum.github.io/zombies-usa/</a:t>
+            </a:r>
+            <a:endParaRPr lang="en-GB" sz="2000" dirty="0"/>
+          </a:p>
+          <a:p>
+            <a:pPr marL="0" indent="0">
+              <a:spcBef>
+                <a:spcPts val="0"/>
+              </a:spcBef>
+              <a:buNone/>
+            </a:pPr>
+            <a:r>
+              <a:rPr lang="en-GB" sz="1800" dirty="0"/>
+              <a:t>WHEN ZOMBIES ATTACK!: MATHEMATICAL MODELLING OF AN OUTBREAK OF ZOMBIE INFECTION [Online] [Accessed 27 March 2018 02:26]</a:t>
+            </a:r>
+          </a:p>
+          <a:p>
+            <a:pPr marL="0" indent="0">
+              <a:spcBef>
+                <a:spcPts val="0"/>
+              </a:spcBef>
+              <a:spcAft>
+                <a:spcPts val="1800"/>
+              </a:spcAft>
+              <a:buNone/>
+            </a:pPr>
+            <a:r>
+              <a:rPr lang="en-GB" sz="1800" u="sng" dirty="0">
+                <a:hlinkClick r:id="rId4"/>
+              </a:rPr>
+              <a:t>https://mysite.science.uottawa.ca/rsmith43/Zombies.pdf</a:t>
+            </a:r>
+            <a:endParaRPr lang="en-GB" sz="2000" dirty="0"/>
+          </a:p>
+          <a:p>
+            <a:pPr marL="0" indent="0">
+              <a:spcBef>
+                <a:spcPts val="0"/>
+              </a:spcBef>
+              <a:buNone/>
+            </a:pPr>
+            <a:r>
+              <a:rPr lang="en-GB" sz="1800" dirty="0"/>
+              <a:t>CIA World Factbook Data – used for creating the ZEUS default scenario [Online] [Accessed 04 April 2018 01:12]</a:t>
+            </a:r>
+          </a:p>
+          <a:p>
+            <a:pPr marL="0" indent="0">
+              <a:spcBef>
+                <a:spcPts val="0"/>
+              </a:spcBef>
+              <a:spcAft>
+                <a:spcPts val="1800"/>
+              </a:spcAft>
+              <a:buNone/>
+            </a:pPr>
+            <a:r>
+              <a:rPr lang="en-GB" sz="1800" dirty="0">
+                <a:hlinkClick r:id="rId5"/>
+              </a:rPr>
+              <a:t>https://www.cia.gov/library/publications/the-world-factbook/</a:t>
+            </a:r>
+            <a:endParaRPr lang="en-GB" sz="1800" dirty="0"/>
+          </a:p>
+          <a:p>
+            <a:pPr marL="0" indent="0">
+              <a:spcBef>
+                <a:spcPts val="0"/>
+              </a:spcBef>
+              <a:buNone/>
+            </a:pPr>
+            <a:r>
+              <a:rPr lang="en-GB" sz="1800" dirty="0" err="1"/>
+              <a:t>ImGui</a:t>
+            </a:r>
+            <a:r>
+              <a:rPr lang="en-GB" sz="1800" dirty="0"/>
+              <a:t> (dear </a:t>
+            </a:r>
+            <a:r>
+              <a:rPr lang="en-GB" sz="1800" dirty="0" err="1"/>
+              <a:t>imgui</a:t>
+            </a:r>
+            <a:r>
+              <a:rPr lang="en-GB" sz="1800" dirty="0"/>
+              <a:t>) GUI library used in the ZEUS System</a:t>
+            </a:r>
+          </a:p>
+          <a:p>
+            <a:pPr marL="0" indent="0">
+              <a:spcBef>
+                <a:spcPts val="0"/>
+              </a:spcBef>
+              <a:spcAft>
+                <a:spcPts val="1800"/>
+              </a:spcAft>
+              <a:buNone/>
+            </a:pPr>
+            <a:r>
+              <a:rPr lang="en-GB" sz="1800" dirty="0">
+                <a:hlinkClick r:id="rId6"/>
+              </a:rPr>
+              <a:t>https://github.com/ocornut/imgui</a:t>
+            </a:r>
+            <a:endParaRPr lang="en-GB" sz="1800" dirty="0"/>
+          </a:p>
+          <a:p>
+            <a:pPr marL="0" indent="0">
+              <a:spcBef>
+                <a:spcPts val="0"/>
+              </a:spcBef>
+              <a:buNone/>
+            </a:pPr>
+            <a:r>
+              <a:rPr lang="en-GB" sz="1800" dirty="0"/>
+              <a:t>SDL Simple Direct-Media Layer graphics library</a:t>
+            </a:r>
+          </a:p>
+          <a:p>
+            <a:pPr marL="0" indent="0">
+              <a:spcBef>
+                <a:spcPts val="0"/>
+              </a:spcBef>
+              <a:spcAft>
+                <a:spcPts val="1800"/>
+              </a:spcAft>
+              <a:buNone/>
+            </a:pPr>
+            <a:r>
+              <a:rPr lang="en-GB" sz="1800" dirty="0">
+                <a:hlinkClick r:id="rId7"/>
+              </a:rPr>
+              <a:t>https://www.libsdl.org/</a:t>
+            </a:r>
+            <a:r>
+              <a:rPr lang="en-GB" sz="1800" dirty="0"/>
+              <a:t> </a:t>
+            </a:r>
+          </a:p>
+          <a:p>
+            <a:pPr marL="0" indent="0">
+              <a:buNone/>
+            </a:pPr>
+            <a:endParaRPr lang="en-GB" sz="1800" dirty="0"/>
+          </a:p>
+        </p:txBody>
+      </p:sp>
+    </p:spTree>
+    <p:extLst>
+      <p:ext uri="{BB962C8B-B14F-4D97-AF65-F5344CB8AC3E}">
+        <p14:creationId xmlns:p14="http://schemas.microsoft.com/office/powerpoint/2010/main" val="2075461537"/>
       </p:ext>
     </p:extLst>
   </p:cSld>
@@ -4790,10 +5691,10 @@
       </p:grpSpPr>
       <p:sp>
         <p:nvSpPr>
-          <p:cNvPr id="12" name="Title 11">
-            <a:extLst>
-              <a:ext uri="{FF2B5EF4-FFF2-40B4-BE49-F238E27FC236}">
-                <a16:creationId xmlns:a16="http://schemas.microsoft.com/office/drawing/2014/main" id="{63D67E71-B0A1-4CEE-82D6-1C52E0786B6F}"/>
+          <p:cNvPr id="4" name="Title 3">
+            <a:extLst>
+              <a:ext uri="{FF2B5EF4-FFF2-40B4-BE49-F238E27FC236}">
+                <a16:creationId xmlns:a16="http://schemas.microsoft.com/office/drawing/2014/main" id="{514408A8-1CE9-4483-9DEE-5CBA4C97903C}"/>
               </a:ext>
             </a:extLst>
           </p:cNvPr>
@@ -4811,17 +5712,17 @@
           <a:p>
             <a:r>
               <a:rPr lang="en-GB" dirty="0"/>
-              <a:t>Outline</a:t>
-            </a:r>
-          </a:p>
-        </p:txBody>
-      </p:sp>
-      <p:sp>
-        <p:nvSpPr>
-          <p:cNvPr id="13" name="Content Placeholder 12">
-            <a:extLst>
-              <a:ext uri="{FF2B5EF4-FFF2-40B4-BE49-F238E27FC236}">
-                <a16:creationId xmlns:a16="http://schemas.microsoft.com/office/drawing/2014/main" id="{5F08E2CB-DF5C-44E1-91E4-A70694FF4597}"/>
+              <a:t>Panel Introduction</a:t>
+            </a:r>
+          </a:p>
+        </p:txBody>
+      </p:sp>
+      <p:sp>
+        <p:nvSpPr>
+          <p:cNvPr id="5" name="Content Placeholder 4">
+            <a:extLst>
+              <a:ext uri="{FF2B5EF4-FFF2-40B4-BE49-F238E27FC236}">
+                <a16:creationId xmlns:a16="http://schemas.microsoft.com/office/drawing/2014/main" id="{73889EC0-E814-4C3E-A6ED-29416BC869BA}"/>
               </a:ext>
             </a:extLst>
           </p:cNvPr>
@@ -4837,48 +5738,149 @@
           <a:bodyPr/>
           <a:lstStyle/>
           <a:p>
-            <a:pPr marL="514350" indent="-514350">
-              <a:buFont typeface="+mj-lt"/>
-              <a:buAutoNum type="arabicPeriod"/>
+            <a:pPr marL="0" indent="0" algn="ctr">
+              <a:lnSpc>
+                <a:spcPct val="100000"/>
+              </a:lnSpc>
+              <a:spcBef>
+                <a:spcPts val="0"/>
+              </a:spcBef>
+              <a:spcAft>
+                <a:spcPts val="600"/>
+              </a:spcAft>
+              <a:buNone/>
             </a:pPr>
             <a:r>
+              <a:rPr lang="en-GB" dirty="0" err="1"/>
+              <a:t>Prof.</a:t>
+            </a:r>
+            <a:r>
               <a:rPr lang="en-GB" dirty="0"/>
-              <a:t>Problem statement</a:t>
-            </a:r>
-          </a:p>
-          <a:p>
-            <a:pPr marL="514350" indent="-514350">
-              <a:buFont typeface="+mj-lt"/>
-              <a:buAutoNum type="arabicPeriod"/>
-            </a:pPr>
-            <a:r>
-              <a:rPr lang="en-GB" dirty="0"/>
-              <a:t>Case Studies</a:t>
-            </a:r>
-          </a:p>
-          <a:p>
-            <a:pPr marL="514350" indent="-514350">
-              <a:buFont typeface="+mj-lt"/>
-              <a:buAutoNum type="arabicPeriod"/>
-            </a:pPr>
-            <a:r>
-              <a:rPr lang="en-GB" dirty="0"/>
-              <a:t>Proposed Solution(s)</a:t>
-            </a:r>
-          </a:p>
-          <a:p>
-            <a:pPr marL="514350" indent="-514350">
-              <a:buFont typeface="+mj-lt"/>
-              <a:buAutoNum type="arabicPeriod"/>
+              <a:t> Atta Badii</a:t>
+            </a:r>
+          </a:p>
+          <a:p>
+            <a:pPr marL="0" indent="0" algn="ctr">
+              <a:lnSpc>
+                <a:spcPct val="100000"/>
+              </a:lnSpc>
+              <a:spcBef>
+                <a:spcPts val="0"/>
+              </a:spcBef>
+              <a:spcAft>
+                <a:spcPts val="600"/>
+              </a:spcAft>
+              <a:buNone/>
             </a:pPr>
             <a:endParaRPr lang="en-GB" dirty="0"/>
+          </a:p>
+          <a:p>
+            <a:pPr marL="0" indent="0" algn="ctr">
+              <a:lnSpc>
+                <a:spcPct val="100000"/>
+              </a:lnSpc>
+              <a:spcBef>
+                <a:spcPts val="0"/>
+              </a:spcBef>
+              <a:spcAft>
+                <a:spcPts val="600"/>
+              </a:spcAft>
+              <a:buNone/>
+            </a:pPr>
+            <a:r>
+              <a:rPr lang="en-GB" dirty="0" err="1"/>
+              <a:t>Prof.</a:t>
+            </a:r>
+            <a:r>
+              <a:rPr lang="en-GB" dirty="0"/>
+              <a:t> Xia Hong</a:t>
+            </a:r>
+          </a:p>
+          <a:p>
+            <a:pPr marL="0" indent="0" algn="ctr">
+              <a:lnSpc>
+                <a:spcPct val="100000"/>
+              </a:lnSpc>
+              <a:spcBef>
+                <a:spcPts val="0"/>
+              </a:spcBef>
+              <a:spcAft>
+                <a:spcPts val="600"/>
+              </a:spcAft>
+              <a:buNone/>
+            </a:pPr>
+            <a:endParaRPr lang="en-GB" dirty="0"/>
+          </a:p>
+          <a:p>
+            <a:pPr marL="0" indent="0" algn="ctr">
+              <a:lnSpc>
+                <a:spcPct val="100000"/>
+              </a:lnSpc>
+              <a:spcBef>
+                <a:spcPts val="0"/>
+              </a:spcBef>
+              <a:spcAft>
+                <a:spcPts val="600"/>
+              </a:spcAft>
+              <a:buNone/>
+            </a:pPr>
+            <a:r>
+              <a:rPr lang="en-GB" dirty="0" err="1"/>
+              <a:t>Dr.</a:t>
+            </a:r>
+            <a:r>
+              <a:rPr lang="en-GB" dirty="0"/>
+              <a:t> Pat </a:t>
+            </a:r>
+            <a:r>
+              <a:rPr lang="en-GB" dirty="0" err="1"/>
+              <a:t>Parslow</a:t>
+            </a:r>
+            <a:endParaRPr lang="en-GB" dirty="0"/>
+          </a:p>
+          <a:p>
+            <a:pPr marL="0" indent="0" algn="ctr">
+              <a:lnSpc>
+                <a:spcPct val="100000"/>
+              </a:lnSpc>
+              <a:spcBef>
+                <a:spcPts val="0"/>
+              </a:spcBef>
+              <a:spcAft>
+                <a:spcPts val="600"/>
+              </a:spcAft>
+              <a:buNone/>
+            </a:pPr>
+            <a:endParaRPr lang="en-GB" dirty="0"/>
+          </a:p>
+          <a:p>
+            <a:pPr marL="0" indent="0" algn="ctr">
+              <a:lnSpc>
+                <a:spcPct val="100000"/>
+              </a:lnSpc>
+              <a:spcBef>
+                <a:spcPts val="0"/>
+              </a:spcBef>
+              <a:spcAft>
+                <a:spcPts val="600"/>
+              </a:spcAft>
+              <a:buNone/>
+            </a:pPr>
+            <a:r>
+              <a:rPr lang="en-GB" dirty="0" err="1"/>
+              <a:t>Dr.</a:t>
+            </a:r>
+            <a:r>
+              <a:rPr lang="en-GB" dirty="0"/>
+              <a:t> Hong Wei</a:t>
+            </a:r>
           </a:p>
         </p:txBody>
       </p:sp>
     </p:spTree>
     <p:extLst>
       <p:ext uri="{BB962C8B-B14F-4D97-AF65-F5344CB8AC3E}">
-        <p14:creationId xmlns:p14="http://schemas.microsoft.com/office/powerpoint/2010/main" val="2247915846"/>
+        <p14:creationId xmlns:p14="http://schemas.microsoft.com/office/powerpoint/2010/main" val="2844927264"/>
       </p:ext>
     </p:extLst>
   </p:cSld>
@@ -4907,6 +5909,167 @@
       </p:grpSpPr>
       <p:sp>
         <p:nvSpPr>
+          <p:cNvPr id="12" name="Title 11">
+            <a:extLst>
+              <a:ext uri="{FF2B5EF4-FFF2-40B4-BE49-F238E27FC236}">
+                <a16:creationId xmlns:a16="http://schemas.microsoft.com/office/drawing/2014/main" id="{63D67E71-B0A1-4CEE-82D6-1C52E0786B6F}"/>
+              </a:ext>
+            </a:extLst>
+          </p:cNvPr>
+          <p:cNvSpPr>
+            <a:spLocks noGrp="1"/>
+          </p:cNvSpPr>
+          <p:nvPr>
+            <p:ph type="title"/>
+          </p:nvPr>
+        </p:nvSpPr>
+        <p:spPr/>
+        <p:txBody>
+          <a:bodyPr/>
+          <a:lstStyle/>
+          <a:p>
+            <a:r>
+              <a:rPr lang="en-GB" dirty="0"/>
+              <a:t>Outline</a:t>
+            </a:r>
+          </a:p>
+        </p:txBody>
+      </p:sp>
+      <p:sp>
+        <p:nvSpPr>
+          <p:cNvPr id="13" name="Content Placeholder 12">
+            <a:extLst>
+              <a:ext uri="{FF2B5EF4-FFF2-40B4-BE49-F238E27FC236}">
+                <a16:creationId xmlns:a16="http://schemas.microsoft.com/office/drawing/2014/main" id="{5F08E2CB-DF5C-44E1-91E4-A70694FF4597}"/>
+              </a:ext>
+            </a:extLst>
+          </p:cNvPr>
+          <p:cNvSpPr>
+            <a:spLocks noGrp="1"/>
+          </p:cNvSpPr>
+          <p:nvPr>
+            <p:ph idx="1"/>
+          </p:nvPr>
+        </p:nvSpPr>
+        <p:spPr/>
+        <p:txBody>
+          <a:bodyPr/>
+          <a:lstStyle/>
+          <a:p>
+            <a:pPr marL="514350" indent="-514350">
+              <a:buFont typeface="+mj-lt"/>
+              <a:buAutoNum type="arabicPeriod"/>
+            </a:pPr>
+            <a:r>
+              <a:rPr lang="en-GB" dirty="0"/>
+              <a:t>Problem statement</a:t>
+            </a:r>
+          </a:p>
+          <a:p>
+            <a:pPr marL="514350" indent="-514350">
+              <a:buFont typeface="+mj-lt"/>
+              <a:buAutoNum type="arabicPeriod"/>
+            </a:pPr>
+            <a:r>
+              <a:rPr lang="en-GB" dirty="0"/>
+              <a:t>Case Studies</a:t>
+            </a:r>
+          </a:p>
+          <a:p>
+            <a:pPr marL="514350" indent="-514350">
+              <a:buFont typeface="+mj-lt"/>
+              <a:buAutoNum type="arabicPeriod"/>
+            </a:pPr>
+            <a:r>
+              <a:rPr lang="en-GB" dirty="0"/>
+              <a:t>Mathematical model of zombie spread</a:t>
+            </a:r>
+          </a:p>
+          <a:p>
+            <a:pPr marL="514350" indent="-514350">
+              <a:buFont typeface="+mj-lt"/>
+              <a:buAutoNum type="arabicPeriod"/>
+            </a:pPr>
+            <a:r>
+              <a:rPr lang="en-GB" dirty="0"/>
+              <a:t>Solution Implementation</a:t>
+            </a:r>
+          </a:p>
+          <a:p>
+            <a:pPr marL="514350" indent="-514350">
+              <a:buFont typeface="+mj-lt"/>
+              <a:buAutoNum type="arabicPeriod"/>
+            </a:pPr>
+            <a:r>
+              <a:rPr lang="en-GB" dirty="0"/>
+              <a:t>Evaluation of solution</a:t>
+            </a:r>
+          </a:p>
+          <a:p>
+            <a:pPr marL="514350" indent="-514350">
+              <a:buFont typeface="+mj-lt"/>
+              <a:buAutoNum type="arabicPeriod"/>
+            </a:pPr>
+            <a:r>
+              <a:rPr lang="en-GB" dirty="0"/>
+              <a:t>Possible improvements</a:t>
+            </a:r>
+          </a:p>
+          <a:p>
+            <a:pPr marL="514350" indent="-514350">
+              <a:buFont typeface="+mj-lt"/>
+              <a:buAutoNum type="arabicPeriod"/>
+            </a:pPr>
+            <a:endParaRPr lang="en-GB" dirty="0"/>
+          </a:p>
+          <a:p>
+            <a:pPr marL="514350" indent="-514350">
+              <a:buFont typeface="+mj-lt"/>
+              <a:buAutoNum type="arabicPeriod"/>
+            </a:pPr>
+            <a:endParaRPr lang="en-GB" dirty="0"/>
+          </a:p>
+          <a:p>
+            <a:pPr marL="514350" indent="-514350">
+              <a:buFont typeface="+mj-lt"/>
+              <a:buAutoNum type="arabicPeriod"/>
+            </a:pPr>
+            <a:endParaRPr lang="en-GB" dirty="0"/>
+          </a:p>
+        </p:txBody>
+      </p:sp>
+    </p:spTree>
+    <p:extLst>
+      <p:ext uri="{BB962C8B-B14F-4D97-AF65-F5344CB8AC3E}">
+        <p14:creationId xmlns:p14="http://schemas.microsoft.com/office/powerpoint/2010/main" val="2247915846"/>
+      </p:ext>
+    </p:extLst>
+  </p:cSld>
+  <p:clrMapOvr>
+    <a:masterClrMapping/>
+  </p:clrMapOvr>
+</p:sld>
+</file>
+
+<file path=ppt/slides/slide4.xml><?xml version="1.0" encoding="utf-8"?>
+<p:sld xmlns:a="http://schemas.openxmlformats.org/drawingml/2006/main" xmlns:r="http://schemas.openxmlformats.org/officeDocument/2006/relationships" xmlns:p="http://schemas.openxmlformats.org/presentationml/2006/main">
+  <p:cSld>
+    <p:spTree>
+      <p:nvGrpSpPr>
+        <p:cNvPr id="1" name=""/>
+        <p:cNvGrpSpPr/>
+        <p:nvPr/>
+      </p:nvGrpSpPr>
+      <p:grpSpPr>
+        <a:xfrm>
+          <a:off x="0" y="0"/>
+          <a:ext cx="0" cy="0"/>
+          <a:chOff x="0" y="0"/>
+          <a:chExt cx="0" cy="0"/>
+        </a:xfrm>
+      </p:grpSpPr>
+      <p:sp>
+        <p:nvSpPr>
           <p:cNvPr id="2" name="Title 1">
             <a:extLst>
               <a:ext uri="{FF2B5EF4-FFF2-40B4-BE49-F238E27FC236}">
@@ -4926,7 +6089,10 @@
           <a:bodyPr/>
           <a:lstStyle/>
           <a:p>
-            <a:endParaRPr lang="en-GB"/>
+            <a:r>
+              <a:rPr lang="en-GB" dirty="0"/>
+              <a:t>Problem statement</a:t>
+            </a:r>
           </a:p>
         </p:txBody>
       </p:sp>
@@ -4951,7 +6117,49 @@
           <a:bodyPr/>
           <a:lstStyle/>
           <a:p>
-            <a:endParaRPr lang="en-GB"/>
+            <a:pPr marL="0" indent="0">
+              <a:buNone/>
+            </a:pPr>
+            <a:r>
+              <a:rPr lang="en-GB" dirty="0"/>
+              <a:t>There are a wide variety of existing simulators that deal with how epidemics spread around the world.</a:t>
+            </a:r>
+          </a:p>
+          <a:p>
+            <a:pPr marL="0" indent="0">
+              <a:buNone/>
+            </a:pPr>
+            <a:endParaRPr lang="en-GB" dirty="0"/>
+          </a:p>
+          <a:p>
+            <a:r>
+              <a:rPr lang="en-GB" dirty="0"/>
+              <a:t>Some of there are too simplistic or do not offer enough customisations for their users.</a:t>
+            </a:r>
+          </a:p>
+          <a:p>
+            <a:r>
+              <a:rPr lang="en-GB" dirty="0"/>
+              <a:t>Are built specifically for one type of disease i.e. viruses</a:t>
+            </a:r>
+          </a:p>
+          <a:p>
+            <a:r>
+              <a:rPr lang="en-GB" dirty="0"/>
+              <a:t>Do not simulate other scenarios (in this case, zombies)</a:t>
+            </a:r>
+          </a:p>
+          <a:p>
+            <a:pPr marL="0" indent="0">
+              <a:buNone/>
+            </a:pPr>
+            <a:endParaRPr lang="en-GB" dirty="0"/>
+          </a:p>
+          <a:p>
+            <a:pPr marL="0" indent="0">
+              <a:buNone/>
+            </a:pPr>
+            <a:endParaRPr lang="en-GB" dirty="0"/>
           </a:p>
         </p:txBody>
       </p:sp>
@@ -4959,6 +6167,992 @@
     <p:extLst>
       <p:ext uri="{BB962C8B-B14F-4D97-AF65-F5344CB8AC3E}">
         <p14:creationId xmlns:p14="http://schemas.microsoft.com/office/powerpoint/2010/main" val="1565018808"/>
+      </p:ext>
+    </p:extLst>
+  </p:cSld>
+  <p:clrMapOvr>
+    <a:masterClrMapping/>
+  </p:clrMapOvr>
+</p:sld>
+</file>
+
+<file path=ppt/slides/slide5.xml><?xml version="1.0" encoding="utf-8"?>
+<p:sld xmlns:a="http://schemas.openxmlformats.org/drawingml/2006/main" xmlns:r="http://schemas.openxmlformats.org/officeDocument/2006/relationships" xmlns:p="http://schemas.openxmlformats.org/presentationml/2006/main">
+  <p:cSld>
+    <p:spTree>
+      <p:nvGrpSpPr>
+        <p:cNvPr id="1" name=""/>
+        <p:cNvGrpSpPr/>
+        <p:nvPr/>
+      </p:nvGrpSpPr>
+      <p:grpSpPr>
+        <a:xfrm>
+          <a:off x="0" y="0"/>
+          <a:ext cx="0" cy="0"/>
+          <a:chOff x="0" y="0"/>
+          <a:chExt cx="0" cy="0"/>
+        </a:xfrm>
+      </p:grpSpPr>
+      <p:sp>
+        <p:nvSpPr>
+          <p:cNvPr id="2" name="Title 1">
+            <a:extLst>
+              <a:ext uri="{FF2B5EF4-FFF2-40B4-BE49-F238E27FC236}">
+                <a16:creationId xmlns:a16="http://schemas.microsoft.com/office/drawing/2014/main" id="{745817A6-6551-4AB8-B4AF-EE24FD9931C0}"/>
+              </a:ext>
+            </a:extLst>
+          </p:cNvPr>
+          <p:cNvSpPr>
+            <a:spLocks noGrp="1"/>
+          </p:cNvSpPr>
+          <p:nvPr>
+            <p:ph type="title"/>
+          </p:nvPr>
+        </p:nvSpPr>
+        <p:spPr/>
+        <p:txBody>
+          <a:bodyPr/>
+          <a:lstStyle/>
+          <a:p>
+            <a:r>
+              <a:rPr lang="en-GB" dirty="0"/>
+              <a:t>Case Study 1 - </a:t>
+            </a:r>
+            <a:r>
+              <a:rPr lang="en-GB" dirty="0" err="1"/>
+              <a:t>GLEAMViz</a:t>
+            </a:r>
+            <a:endParaRPr lang="en-GB" dirty="0"/>
+          </a:p>
+        </p:txBody>
+      </p:sp>
+      <p:sp>
+        <p:nvSpPr>
+          <p:cNvPr id="3" name="Content Placeholder 2">
+            <a:extLst>
+              <a:ext uri="{FF2B5EF4-FFF2-40B4-BE49-F238E27FC236}">
+                <a16:creationId xmlns:a16="http://schemas.microsoft.com/office/drawing/2014/main" id="{06B0FAB9-B432-4F9F-8E2A-C7670C14BA44}"/>
+              </a:ext>
+            </a:extLst>
+          </p:cNvPr>
+          <p:cNvSpPr>
+            <a:spLocks noGrp="1"/>
+          </p:cNvSpPr>
+          <p:nvPr>
+            <p:ph idx="1"/>
+          </p:nvPr>
+        </p:nvSpPr>
+        <p:spPr>
+          <a:xfrm>
+            <a:off x="838200" y="1920875"/>
+            <a:ext cx="5257800" cy="4351338"/>
+          </a:xfrm>
+        </p:spPr>
+        <p:txBody>
+          <a:bodyPr/>
+          <a:lstStyle/>
+          <a:p>
+            <a:pPr marL="0" indent="0">
+              <a:buNone/>
+            </a:pPr>
+            <a:r>
+              <a:rPr lang="en-GB" u="sng" dirty="0"/>
+              <a:t>Limitations</a:t>
+            </a:r>
+          </a:p>
+          <a:p>
+            <a:r>
+              <a:rPr lang="en-GB" dirty="0"/>
+              <a:t>Simulations are not run client side i.e. requires internet connection to run simulations</a:t>
+            </a:r>
+          </a:p>
+          <a:p>
+            <a:r>
+              <a:rPr lang="en-GB" dirty="0"/>
+              <a:t>Intense calculations, utilises GLEAM servers</a:t>
+            </a:r>
+          </a:p>
+          <a:p>
+            <a:r>
+              <a:rPr lang="en-GB" dirty="0"/>
+              <a:t>Too complicated to use</a:t>
+            </a:r>
+          </a:p>
+          <a:p>
+            <a:endParaRPr lang="en-GB" dirty="0"/>
+          </a:p>
+        </p:txBody>
+      </p:sp>
+      <p:pic>
+        <p:nvPicPr>
+          <p:cNvPr id="5" name="Picture 4">
+            <a:extLst>
+              <a:ext uri="{FF2B5EF4-FFF2-40B4-BE49-F238E27FC236}">
+                <a16:creationId xmlns:a16="http://schemas.microsoft.com/office/drawing/2014/main" id="{88BF615B-5ED0-4797-ABBF-C6213F894804}"/>
+              </a:ext>
+            </a:extLst>
+          </p:cNvPr>
+          <p:cNvPicPr>
+            <a:picLocks noChangeAspect="1"/>
+          </p:cNvPicPr>
+          <p:nvPr/>
+        </p:nvPicPr>
+        <p:blipFill>
+          <a:blip r:embed="rId2" cstate="print">
+            <a:extLst>
+              <a:ext uri="{28A0092B-C50C-407E-A947-70E740481C1C}">
+                <a14:useLocalDpi xmlns:a14="http://schemas.microsoft.com/office/drawing/2010/main" val="0"/>
+              </a:ext>
+            </a:extLst>
+          </a:blip>
+          <a:stretch>
+            <a:fillRect/>
+          </a:stretch>
+        </p:blipFill>
+        <p:spPr>
+          <a:xfrm>
+            <a:off x="6382251" y="2063750"/>
+            <a:ext cx="5049253" cy="3286992"/>
+          </a:xfrm>
+          <a:prstGeom prst="rect">
+            <a:avLst/>
+          </a:prstGeom>
+        </p:spPr>
+      </p:pic>
+    </p:spTree>
+    <p:extLst>
+      <p:ext uri="{BB962C8B-B14F-4D97-AF65-F5344CB8AC3E}">
+        <p14:creationId xmlns:p14="http://schemas.microsoft.com/office/powerpoint/2010/main" val="2555503653"/>
+      </p:ext>
+    </p:extLst>
+  </p:cSld>
+  <p:clrMapOvr>
+    <a:masterClrMapping/>
+  </p:clrMapOvr>
+</p:sld>
+</file>
+
+<file path=ppt/slides/slide6.xml><?xml version="1.0" encoding="utf-8"?>
+<p:sld xmlns:a="http://schemas.openxmlformats.org/drawingml/2006/main" xmlns:r="http://schemas.openxmlformats.org/officeDocument/2006/relationships" xmlns:p="http://schemas.openxmlformats.org/presentationml/2006/main">
+  <p:cSld>
+    <p:spTree>
+      <p:nvGrpSpPr>
+        <p:cNvPr id="1" name=""/>
+        <p:cNvGrpSpPr/>
+        <p:nvPr/>
+      </p:nvGrpSpPr>
+      <p:grpSpPr>
+        <a:xfrm>
+          <a:off x="0" y="0"/>
+          <a:ext cx="0" cy="0"/>
+          <a:chOff x="0" y="0"/>
+          <a:chExt cx="0" cy="0"/>
+        </a:xfrm>
+      </p:grpSpPr>
+      <p:sp>
+        <p:nvSpPr>
+          <p:cNvPr id="2" name="Title 1">
+            <a:extLst>
+              <a:ext uri="{FF2B5EF4-FFF2-40B4-BE49-F238E27FC236}">
+                <a16:creationId xmlns:a16="http://schemas.microsoft.com/office/drawing/2014/main" id="{745817A6-6551-4AB8-B4AF-EE24FD9931C0}"/>
+              </a:ext>
+            </a:extLst>
+          </p:cNvPr>
+          <p:cNvSpPr>
+            <a:spLocks noGrp="1"/>
+          </p:cNvSpPr>
+          <p:nvPr>
+            <p:ph type="title"/>
+          </p:nvPr>
+        </p:nvSpPr>
+        <p:spPr/>
+        <p:txBody>
+          <a:bodyPr/>
+          <a:lstStyle/>
+          <a:p>
+            <a:r>
+              <a:rPr lang="en-GB" dirty="0"/>
+              <a:t>Case Study 1 - </a:t>
+            </a:r>
+            <a:r>
+              <a:rPr lang="en-GB" dirty="0" err="1"/>
+              <a:t>GLEAMViz</a:t>
+            </a:r>
+            <a:endParaRPr lang="en-GB" dirty="0"/>
+          </a:p>
+        </p:txBody>
+      </p:sp>
+      <p:sp>
+        <p:nvSpPr>
+          <p:cNvPr id="3" name="Content Placeholder 2">
+            <a:extLst>
+              <a:ext uri="{FF2B5EF4-FFF2-40B4-BE49-F238E27FC236}">
+                <a16:creationId xmlns:a16="http://schemas.microsoft.com/office/drawing/2014/main" id="{06B0FAB9-B432-4F9F-8E2A-C7670C14BA44}"/>
+              </a:ext>
+            </a:extLst>
+          </p:cNvPr>
+          <p:cNvSpPr>
+            <a:spLocks noGrp="1"/>
+          </p:cNvSpPr>
+          <p:nvPr>
+            <p:ph idx="1"/>
+          </p:nvPr>
+        </p:nvSpPr>
+        <p:spPr>
+          <a:xfrm>
+            <a:off x="838200" y="1920875"/>
+            <a:ext cx="5257800" cy="4351338"/>
+          </a:xfrm>
+        </p:spPr>
+        <p:txBody>
+          <a:bodyPr/>
+          <a:lstStyle/>
+          <a:p>
+            <a:pPr marL="0" indent="0">
+              <a:buNone/>
+            </a:pPr>
+            <a:r>
+              <a:rPr lang="en-GB" u="sng" dirty="0"/>
+              <a:t>Advantages</a:t>
+            </a:r>
+          </a:p>
+          <a:p>
+            <a:r>
+              <a:rPr lang="en-GB" dirty="0"/>
+              <a:t>Accurate simulations</a:t>
+            </a:r>
+          </a:p>
+          <a:p>
+            <a:r>
+              <a:rPr lang="en-GB" dirty="0"/>
+              <a:t>Plots graphs to show how disease progresses throughout simulation</a:t>
+            </a:r>
+          </a:p>
+          <a:p>
+            <a:r>
+              <a:rPr lang="en-GB" dirty="0"/>
+              <a:t>Uses real world data</a:t>
+            </a:r>
+          </a:p>
+          <a:p>
+            <a:endParaRPr lang="en-GB" dirty="0"/>
+          </a:p>
+        </p:txBody>
+      </p:sp>
+      <p:pic>
+        <p:nvPicPr>
+          <p:cNvPr id="5" name="Picture 4">
+            <a:extLst>
+              <a:ext uri="{FF2B5EF4-FFF2-40B4-BE49-F238E27FC236}">
+                <a16:creationId xmlns:a16="http://schemas.microsoft.com/office/drawing/2014/main" id="{88BF615B-5ED0-4797-ABBF-C6213F894804}"/>
+              </a:ext>
+            </a:extLst>
+          </p:cNvPr>
+          <p:cNvPicPr>
+            <a:picLocks noChangeAspect="1"/>
+          </p:cNvPicPr>
+          <p:nvPr/>
+        </p:nvPicPr>
+        <p:blipFill>
+          <a:blip r:embed="rId2" cstate="print">
+            <a:extLst>
+              <a:ext uri="{28A0092B-C50C-407E-A947-70E740481C1C}">
+                <a14:useLocalDpi xmlns:a14="http://schemas.microsoft.com/office/drawing/2010/main" val="0"/>
+              </a:ext>
+            </a:extLst>
+          </a:blip>
+          <a:stretch>
+            <a:fillRect/>
+          </a:stretch>
+        </p:blipFill>
+        <p:spPr>
+          <a:xfrm>
+            <a:off x="6382251" y="2063750"/>
+            <a:ext cx="5049253" cy="3286992"/>
+          </a:xfrm>
+          <a:prstGeom prst="rect">
+            <a:avLst/>
+          </a:prstGeom>
+        </p:spPr>
+      </p:pic>
+    </p:spTree>
+    <p:extLst>
+      <p:ext uri="{BB962C8B-B14F-4D97-AF65-F5344CB8AC3E}">
+        <p14:creationId xmlns:p14="http://schemas.microsoft.com/office/powerpoint/2010/main" val="2950147355"/>
+      </p:ext>
+    </p:extLst>
+  </p:cSld>
+  <p:clrMapOvr>
+    <a:masterClrMapping/>
+  </p:clrMapOvr>
+</p:sld>
+</file>
+
+<file path=ppt/slides/slide7.xml><?xml version="1.0" encoding="utf-8"?>
+<p:sld xmlns:a="http://schemas.openxmlformats.org/drawingml/2006/main" xmlns:r="http://schemas.openxmlformats.org/officeDocument/2006/relationships" xmlns:p="http://schemas.openxmlformats.org/presentationml/2006/main">
+  <p:cSld>
+    <p:spTree>
+      <p:nvGrpSpPr>
+        <p:cNvPr id="1" name=""/>
+        <p:cNvGrpSpPr/>
+        <p:nvPr/>
+      </p:nvGrpSpPr>
+      <p:grpSpPr>
+        <a:xfrm>
+          <a:off x="0" y="0"/>
+          <a:ext cx="0" cy="0"/>
+          <a:chOff x="0" y="0"/>
+          <a:chExt cx="0" cy="0"/>
+        </a:xfrm>
+      </p:grpSpPr>
+      <p:sp>
+        <p:nvSpPr>
+          <p:cNvPr id="2" name="Title 1">
+            <a:extLst>
+              <a:ext uri="{FF2B5EF4-FFF2-40B4-BE49-F238E27FC236}">
+                <a16:creationId xmlns:a16="http://schemas.microsoft.com/office/drawing/2014/main" id="{745817A6-6551-4AB8-B4AF-EE24FD9931C0}"/>
+              </a:ext>
+            </a:extLst>
+          </p:cNvPr>
+          <p:cNvSpPr>
+            <a:spLocks noGrp="1"/>
+          </p:cNvSpPr>
+          <p:nvPr>
+            <p:ph type="title"/>
+          </p:nvPr>
+        </p:nvSpPr>
+        <p:spPr/>
+        <p:txBody>
+          <a:bodyPr/>
+          <a:lstStyle/>
+          <a:p>
+            <a:r>
+              <a:rPr lang="en-GB" dirty="0"/>
+              <a:t>Case Study 2 – </a:t>
+            </a:r>
+            <a:r>
+              <a:rPr lang="en-GB" dirty="0" err="1"/>
+              <a:t>ZombieTown</a:t>
+            </a:r>
+            <a:r>
+              <a:rPr lang="en-GB" dirty="0"/>
+              <a:t> USA</a:t>
+            </a:r>
+          </a:p>
+        </p:txBody>
+      </p:sp>
+      <p:sp>
+        <p:nvSpPr>
+          <p:cNvPr id="3" name="Content Placeholder 2">
+            <a:extLst>
+              <a:ext uri="{FF2B5EF4-FFF2-40B4-BE49-F238E27FC236}">
+                <a16:creationId xmlns:a16="http://schemas.microsoft.com/office/drawing/2014/main" id="{06B0FAB9-B432-4F9F-8E2A-C7670C14BA44}"/>
+              </a:ext>
+            </a:extLst>
+          </p:cNvPr>
+          <p:cNvSpPr>
+            <a:spLocks noGrp="1"/>
+          </p:cNvSpPr>
+          <p:nvPr>
+            <p:ph idx="1"/>
+          </p:nvPr>
+        </p:nvSpPr>
+        <p:spPr>
+          <a:xfrm>
+            <a:off x="838200" y="1920875"/>
+            <a:ext cx="5257800" cy="4351338"/>
+          </a:xfrm>
+        </p:spPr>
+        <p:txBody>
+          <a:bodyPr/>
+          <a:lstStyle/>
+          <a:p>
+            <a:pPr marL="0" indent="0">
+              <a:buNone/>
+            </a:pPr>
+            <a:r>
+              <a:rPr lang="en-GB" u="sng" dirty="0"/>
+              <a:t>Limitations</a:t>
+            </a:r>
+          </a:p>
+          <a:p>
+            <a:r>
+              <a:rPr lang="en-GB" dirty="0"/>
+              <a:t>Not very accurate</a:t>
+            </a:r>
+          </a:p>
+          <a:p>
+            <a:r>
+              <a:rPr lang="en-GB" dirty="0"/>
+              <a:t>Does not accurately show different ways disease spreads (only shows spread via ground movement)</a:t>
+            </a:r>
+          </a:p>
+          <a:p>
+            <a:r>
+              <a:rPr lang="en-GB" dirty="0"/>
+              <a:t>Only simulates on a map of the USA</a:t>
+            </a:r>
+          </a:p>
+          <a:p>
+            <a:endParaRPr lang="en-GB" dirty="0"/>
+          </a:p>
+          <a:p>
+            <a:endParaRPr lang="en-GB" dirty="0"/>
+          </a:p>
+        </p:txBody>
+      </p:sp>
+      <p:pic>
+        <p:nvPicPr>
+          <p:cNvPr id="6" name="Picture 5">
+            <a:extLst>
+              <a:ext uri="{FF2B5EF4-FFF2-40B4-BE49-F238E27FC236}">
+                <a16:creationId xmlns:a16="http://schemas.microsoft.com/office/drawing/2014/main" id="{EF53134B-C950-4BED-9F04-5819873EAFEB}"/>
+              </a:ext>
+            </a:extLst>
+          </p:cNvPr>
+          <p:cNvPicPr/>
+          <p:nvPr/>
+        </p:nvPicPr>
+        <p:blipFill>
+          <a:blip r:embed="rId2">
+            <a:extLst>
+              <a:ext uri="{28A0092B-C50C-407E-A947-70E740481C1C}">
+                <a14:useLocalDpi xmlns:a14="http://schemas.microsoft.com/office/drawing/2010/main" val="0"/>
+              </a:ext>
+            </a:extLst>
+          </a:blip>
+          <a:stretch>
+            <a:fillRect/>
+          </a:stretch>
+        </p:blipFill>
+        <p:spPr>
+          <a:xfrm>
+            <a:off x="7096125" y="1920875"/>
+            <a:ext cx="4657725" cy="3157537"/>
+          </a:xfrm>
+          <a:prstGeom prst="rect">
+            <a:avLst/>
+          </a:prstGeom>
+        </p:spPr>
+      </p:pic>
+    </p:spTree>
+    <p:extLst>
+      <p:ext uri="{BB962C8B-B14F-4D97-AF65-F5344CB8AC3E}">
+        <p14:creationId xmlns:p14="http://schemas.microsoft.com/office/powerpoint/2010/main" val="4168023009"/>
+      </p:ext>
+    </p:extLst>
+  </p:cSld>
+  <p:clrMapOvr>
+    <a:masterClrMapping/>
+  </p:clrMapOvr>
+</p:sld>
+</file>
+
+<file path=ppt/slides/slide8.xml><?xml version="1.0" encoding="utf-8"?>
+<p:sld xmlns:a="http://schemas.openxmlformats.org/drawingml/2006/main" xmlns:r="http://schemas.openxmlformats.org/officeDocument/2006/relationships" xmlns:p="http://schemas.openxmlformats.org/presentationml/2006/main">
+  <p:cSld>
+    <p:spTree>
+      <p:nvGrpSpPr>
+        <p:cNvPr id="1" name=""/>
+        <p:cNvGrpSpPr/>
+        <p:nvPr/>
+      </p:nvGrpSpPr>
+      <p:grpSpPr>
+        <a:xfrm>
+          <a:off x="0" y="0"/>
+          <a:ext cx="0" cy="0"/>
+          <a:chOff x="0" y="0"/>
+          <a:chExt cx="0" cy="0"/>
+        </a:xfrm>
+      </p:grpSpPr>
+      <p:sp>
+        <p:nvSpPr>
+          <p:cNvPr id="2" name="Title 1">
+            <a:extLst>
+              <a:ext uri="{FF2B5EF4-FFF2-40B4-BE49-F238E27FC236}">
+                <a16:creationId xmlns:a16="http://schemas.microsoft.com/office/drawing/2014/main" id="{745817A6-6551-4AB8-B4AF-EE24FD9931C0}"/>
+              </a:ext>
+            </a:extLst>
+          </p:cNvPr>
+          <p:cNvSpPr>
+            <a:spLocks noGrp="1"/>
+          </p:cNvSpPr>
+          <p:nvPr>
+            <p:ph type="title"/>
+          </p:nvPr>
+        </p:nvSpPr>
+        <p:spPr/>
+        <p:txBody>
+          <a:bodyPr/>
+          <a:lstStyle/>
+          <a:p>
+            <a:r>
+              <a:rPr lang="en-GB" dirty="0"/>
+              <a:t>Case Study 2 – </a:t>
+            </a:r>
+            <a:r>
+              <a:rPr lang="en-GB" dirty="0" err="1"/>
+              <a:t>ZombieTown</a:t>
+            </a:r>
+            <a:r>
+              <a:rPr lang="en-GB" dirty="0"/>
+              <a:t> USA</a:t>
+            </a:r>
+          </a:p>
+        </p:txBody>
+      </p:sp>
+      <p:sp>
+        <p:nvSpPr>
+          <p:cNvPr id="3" name="Content Placeholder 2">
+            <a:extLst>
+              <a:ext uri="{FF2B5EF4-FFF2-40B4-BE49-F238E27FC236}">
+                <a16:creationId xmlns:a16="http://schemas.microsoft.com/office/drawing/2014/main" id="{06B0FAB9-B432-4F9F-8E2A-C7670C14BA44}"/>
+              </a:ext>
+            </a:extLst>
+          </p:cNvPr>
+          <p:cNvSpPr>
+            <a:spLocks noGrp="1"/>
+          </p:cNvSpPr>
+          <p:nvPr>
+            <p:ph idx="1"/>
+          </p:nvPr>
+        </p:nvSpPr>
+        <p:spPr>
+          <a:xfrm>
+            <a:off x="838200" y="1920875"/>
+            <a:ext cx="5257800" cy="4351338"/>
+          </a:xfrm>
+        </p:spPr>
+        <p:txBody>
+          <a:bodyPr/>
+          <a:lstStyle/>
+          <a:p>
+            <a:pPr marL="0" indent="0">
+              <a:buNone/>
+            </a:pPr>
+            <a:r>
+              <a:rPr lang="en-GB" u="sng" dirty="0"/>
+              <a:t>Advantages</a:t>
+            </a:r>
+          </a:p>
+          <a:p>
+            <a:r>
+              <a:rPr lang="en-GB" dirty="0"/>
+              <a:t>Calculations are not too hardware intensive</a:t>
+            </a:r>
+          </a:p>
+          <a:p>
+            <a:r>
+              <a:rPr lang="en-GB" dirty="0"/>
+              <a:t>Easy for new users to use</a:t>
+            </a:r>
+          </a:p>
+          <a:p>
+            <a:r>
+              <a:rPr lang="en-GB" dirty="0"/>
+              <a:t>Also simulates spread of disease with zombies as infection vector</a:t>
+            </a:r>
+          </a:p>
+          <a:p>
+            <a:endParaRPr lang="en-GB" dirty="0"/>
+          </a:p>
+          <a:p>
+            <a:endParaRPr lang="en-GB" dirty="0"/>
+          </a:p>
+        </p:txBody>
+      </p:sp>
+      <p:pic>
+        <p:nvPicPr>
+          <p:cNvPr id="6" name="Picture 5">
+            <a:extLst>
+              <a:ext uri="{FF2B5EF4-FFF2-40B4-BE49-F238E27FC236}">
+                <a16:creationId xmlns:a16="http://schemas.microsoft.com/office/drawing/2014/main" id="{EF53134B-C950-4BED-9F04-5819873EAFEB}"/>
+              </a:ext>
+            </a:extLst>
+          </p:cNvPr>
+          <p:cNvPicPr/>
+          <p:nvPr/>
+        </p:nvPicPr>
+        <p:blipFill>
+          <a:blip r:embed="rId2">
+            <a:extLst>
+              <a:ext uri="{28A0092B-C50C-407E-A947-70E740481C1C}">
+                <a14:useLocalDpi xmlns:a14="http://schemas.microsoft.com/office/drawing/2010/main" val="0"/>
+              </a:ext>
+            </a:extLst>
+          </a:blip>
+          <a:stretch>
+            <a:fillRect/>
+          </a:stretch>
+        </p:blipFill>
+        <p:spPr>
+          <a:xfrm>
+            <a:off x="7096125" y="1920875"/>
+            <a:ext cx="4657725" cy="3157537"/>
+          </a:xfrm>
+          <a:prstGeom prst="rect">
+            <a:avLst/>
+          </a:prstGeom>
+        </p:spPr>
+      </p:pic>
+    </p:spTree>
+    <p:extLst>
+      <p:ext uri="{BB962C8B-B14F-4D97-AF65-F5344CB8AC3E}">
+        <p14:creationId xmlns:p14="http://schemas.microsoft.com/office/powerpoint/2010/main" val="3981439412"/>
+      </p:ext>
+    </p:extLst>
+  </p:cSld>
+  <p:clrMapOvr>
+    <a:masterClrMapping/>
+  </p:clrMapOvr>
+</p:sld>
+</file>
+
+<file path=ppt/slides/slide9.xml><?xml version="1.0" encoding="utf-8"?>
+<p:sld xmlns:a="http://schemas.openxmlformats.org/drawingml/2006/main" xmlns:r="http://schemas.openxmlformats.org/officeDocument/2006/relationships" xmlns:p="http://schemas.openxmlformats.org/presentationml/2006/main">
+  <p:cSld>
+    <p:spTree>
+      <p:nvGrpSpPr>
+        <p:cNvPr id="1" name=""/>
+        <p:cNvGrpSpPr/>
+        <p:nvPr/>
+      </p:nvGrpSpPr>
+      <p:grpSpPr>
+        <a:xfrm>
+          <a:off x="0" y="0"/>
+          <a:ext cx="0" cy="0"/>
+          <a:chOff x="0" y="0"/>
+          <a:chExt cx="0" cy="0"/>
+        </a:xfrm>
+      </p:grpSpPr>
+      <p:sp>
+        <p:nvSpPr>
+          <p:cNvPr id="2" name="Title 1">
+            <a:extLst>
+              <a:ext uri="{FF2B5EF4-FFF2-40B4-BE49-F238E27FC236}">
+                <a16:creationId xmlns:a16="http://schemas.microsoft.com/office/drawing/2014/main" id="{B776A5E6-61DE-4BD7-819D-A2BEFA861BB5}"/>
+              </a:ext>
+            </a:extLst>
+          </p:cNvPr>
+          <p:cNvSpPr>
+            <a:spLocks noGrp="1"/>
+          </p:cNvSpPr>
+          <p:nvPr>
+            <p:ph type="title"/>
+          </p:nvPr>
+        </p:nvSpPr>
+        <p:spPr/>
+        <p:txBody>
+          <a:bodyPr/>
+          <a:lstStyle/>
+          <a:p>
+            <a:r>
+              <a:rPr lang="en-GB" dirty="0"/>
+              <a:t>Mathematical Model</a:t>
+            </a:r>
+          </a:p>
+        </p:txBody>
+      </p:sp>
+      <p:sp>
+        <p:nvSpPr>
+          <p:cNvPr id="3" name="Content Placeholder 2">
+            <a:extLst>
+              <a:ext uri="{FF2B5EF4-FFF2-40B4-BE49-F238E27FC236}">
+                <a16:creationId xmlns:a16="http://schemas.microsoft.com/office/drawing/2014/main" id="{B90658E5-A720-4A0F-9770-D028BD4FE7E6}"/>
+              </a:ext>
+            </a:extLst>
+          </p:cNvPr>
+          <p:cNvSpPr>
+            <a:spLocks noGrp="1"/>
+          </p:cNvSpPr>
+          <p:nvPr>
+            <p:ph idx="1"/>
+          </p:nvPr>
+        </p:nvSpPr>
+        <p:spPr>
+          <a:xfrm>
+            <a:off x="838199" y="1825625"/>
+            <a:ext cx="9963151" cy="4351338"/>
+          </a:xfrm>
+        </p:spPr>
+        <p:txBody>
+          <a:bodyPr/>
+          <a:lstStyle/>
+          <a:p>
+            <a:pPr marL="0" indent="0">
+              <a:spcBef>
+                <a:spcPts val="0"/>
+              </a:spcBef>
+              <a:buNone/>
+            </a:pPr>
+            <a:r>
+              <a:rPr lang="en-GB" dirty="0"/>
+              <a:t>Multiple mathematical models exists on </a:t>
+            </a:r>
+          </a:p>
+          <a:p>
+            <a:pPr marL="0" indent="0">
+              <a:spcBef>
+                <a:spcPts val="0"/>
+              </a:spcBef>
+              <a:buNone/>
+            </a:pPr>
+            <a:r>
+              <a:rPr lang="en-GB" dirty="0"/>
+              <a:t>how diseases spread however, not a lot </a:t>
+            </a:r>
+          </a:p>
+          <a:p>
+            <a:pPr marL="0" indent="0">
+              <a:spcBef>
+                <a:spcPts val="0"/>
+              </a:spcBef>
+              <a:buNone/>
+            </a:pPr>
+            <a:r>
+              <a:rPr lang="en-GB" dirty="0"/>
+              <a:t>take into consideration spread of zombies.</a:t>
+            </a:r>
+          </a:p>
+          <a:p>
+            <a:pPr marL="0" indent="0">
+              <a:buNone/>
+            </a:pPr>
+            <a:endParaRPr lang="en-GB" dirty="0"/>
+          </a:p>
+          <a:p>
+            <a:pPr marL="0" indent="0">
+              <a:buNone/>
+            </a:pPr>
+            <a:r>
+              <a:rPr lang="en-GB" dirty="0"/>
+              <a:t>The SIZR model taken from a journal modelling</a:t>
+            </a:r>
+          </a:p>
+          <a:p>
+            <a:pPr marL="0" indent="0">
+              <a:buNone/>
+            </a:pPr>
+            <a:r>
+              <a:rPr lang="en-GB" dirty="0"/>
+              <a:t>a zombie outbreak was used as the basis of the</a:t>
+            </a:r>
+          </a:p>
+          <a:p>
+            <a:pPr marL="0" indent="0">
+              <a:buNone/>
+            </a:pPr>
+            <a:r>
+              <a:rPr lang="en-GB" dirty="0"/>
+              <a:t>simulator, with some alterations</a:t>
+            </a:r>
+          </a:p>
+          <a:p>
+            <a:pPr marL="0" indent="0">
+              <a:buNone/>
+            </a:pPr>
+            <a:endParaRPr lang="en-GB" dirty="0"/>
+          </a:p>
+          <a:p>
+            <a:pPr marL="0" indent="0">
+              <a:buNone/>
+            </a:pPr>
+            <a:endParaRPr lang="en-GB" dirty="0"/>
+          </a:p>
+        </p:txBody>
+      </p:sp>
+      <p:grpSp>
+        <p:nvGrpSpPr>
+          <p:cNvPr id="7" name="Group 6">
+            <a:extLst>
+              <a:ext uri="{FF2B5EF4-FFF2-40B4-BE49-F238E27FC236}">
+                <a16:creationId xmlns:a16="http://schemas.microsoft.com/office/drawing/2014/main" id="{E9068188-6D58-4559-9298-D47652148041}"/>
+              </a:ext>
+            </a:extLst>
+          </p:cNvPr>
+          <p:cNvGrpSpPr/>
+          <p:nvPr/>
+        </p:nvGrpSpPr>
+        <p:grpSpPr>
+          <a:xfrm>
+            <a:off x="8258175" y="1119982"/>
+            <a:ext cx="3219450" cy="1738312"/>
+            <a:chOff x="7972425" y="1690688"/>
+            <a:chExt cx="3219450" cy="1738312"/>
+          </a:xfrm>
+        </p:grpSpPr>
+        <p:pic>
+          <p:nvPicPr>
+            <p:cNvPr id="4" name="Picture 3">
+              <a:extLst>
+                <a:ext uri="{FF2B5EF4-FFF2-40B4-BE49-F238E27FC236}">
+                  <a16:creationId xmlns:a16="http://schemas.microsoft.com/office/drawing/2014/main" id="{C4B52CBB-E27D-48BA-AB44-6055DD057234}"/>
+                </a:ext>
+              </a:extLst>
+            </p:cNvPr>
+            <p:cNvPicPr>
+              <a:picLocks noChangeAspect="1"/>
+            </p:cNvPicPr>
+            <p:nvPr/>
+          </p:nvPicPr>
+          <p:blipFill>
+            <a:blip r:embed="rId3"/>
+            <a:stretch>
+              <a:fillRect/>
+            </a:stretch>
+          </p:blipFill>
+          <p:spPr>
+            <a:xfrm>
+              <a:off x="8086725" y="1690688"/>
+              <a:ext cx="3105150" cy="1295400"/>
+            </a:xfrm>
+            <a:prstGeom prst="rect">
+              <a:avLst/>
+            </a:prstGeom>
+          </p:spPr>
+        </p:pic>
+        <p:sp>
+          <p:nvSpPr>
+            <p:cNvPr id="5" name="TextBox 4">
+              <a:extLst>
+                <a:ext uri="{FF2B5EF4-FFF2-40B4-BE49-F238E27FC236}">
+                  <a16:creationId xmlns:a16="http://schemas.microsoft.com/office/drawing/2014/main" id="{1E98A6B8-3C16-40C9-B743-A60098D73092}"/>
+                </a:ext>
+              </a:extLst>
+            </p:cNvPr>
+            <p:cNvSpPr txBox="1"/>
+            <p:nvPr/>
+          </p:nvSpPr>
+          <p:spPr>
+            <a:xfrm>
+              <a:off x="7972425" y="3028890"/>
+              <a:ext cx="3219450" cy="400110"/>
+            </a:xfrm>
+            <a:prstGeom prst="rect">
+              <a:avLst/>
+            </a:prstGeom>
+            <a:noFill/>
+          </p:spPr>
+          <p:txBody>
+            <a:bodyPr wrap="square" rtlCol="0">
+              <a:spAutoFit/>
+            </a:bodyPr>
+            <a:lstStyle/>
+            <a:p>
+              <a:pPr algn="ctr"/>
+              <a:r>
+                <a:rPr lang="en-GB" sz="1000" dirty="0"/>
+                <a:t>Taken from</a:t>
+              </a:r>
+            </a:p>
+            <a:p>
+              <a:pPr algn="ctr"/>
+              <a:r>
+                <a:rPr lang="en-GB" sz="1000" dirty="0">
+                  <a:hlinkClick r:id="rId4"/>
+                </a:rPr>
+                <a:t>https://mysite.science.uottawa.ca/rsmith43/Zombies.pdf</a:t>
+              </a:r>
+              <a:endParaRPr lang="en-GB" sz="1000" dirty="0"/>
+            </a:p>
+          </p:txBody>
+        </p:sp>
+      </p:grpSp>
+      <p:grpSp>
+        <p:nvGrpSpPr>
+          <p:cNvPr id="10" name="Group 9">
+            <a:extLst>
+              <a:ext uri="{FF2B5EF4-FFF2-40B4-BE49-F238E27FC236}">
+                <a16:creationId xmlns:a16="http://schemas.microsoft.com/office/drawing/2014/main" id="{772DF3D5-2790-46B9-9CDA-740968FEABEB}"/>
+              </a:ext>
+            </a:extLst>
+          </p:cNvPr>
+          <p:cNvGrpSpPr/>
+          <p:nvPr/>
+        </p:nvGrpSpPr>
+        <p:grpSpPr>
+          <a:xfrm>
+            <a:off x="8258175" y="3703290"/>
+            <a:ext cx="3219450" cy="2034728"/>
+            <a:chOff x="8143875" y="3599597"/>
+            <a:chExt cx="3219450" cy="2034728"/>
+          </a:xfrm>
+        </p:grpSpPr>
+        <p:pic>
+          <p:nvPicPr>
+            <p:cNvPr id="8" name="Picture 7">
+              <a:extLst>
+                <a:ext uri="{FF2B5EF4-FFF2-40B4-BE49-F238E27FC236}">
+                  <a16:creationId xmlns:a16="http://schemas.microsoft.com/office/drawing/2014/main" id="{E31A6B77-4B1D-40E6-8C5D-101A8352B6F3}"/>
+                </a:ext>
+              </a:extLst>
+            </p:cNvPr>
+            <p:cNvPicPr/>
+            <p:nvPr/>
+          </p:nvPicPr>
+          <p:blipFill>
+            <a:blip r:embed="rId5">
+              <a:extLst>
+                <a:ext uri="{28A0092B-C50C-407E-A947-70E740481C1C}">
+                  <a14:useLocalDpi xmlns:a14="http://schemas.microsoft.com/office/drawing/2010/main" val="0"/>
+                </a:ext>
+              </a:extLst>
+            </a:blip>
+            <a:stretch>
+              <a:fillRect/>
+            </a:stretch>
+          </p:blipFill>
+          <p:spPr>
+            <a:xfrm>
+              <a:off x="8258175" y="3599597"/>
+              <a:ext cx="3105150" cy="1738311"/>
+            </a:xfrm>
+            <a:prstGeom prst="rect">
+              <a:avLst/>
+            </a:prstGeom>
+          </p:spPr>
+        </p:pic>
+        <p:sp>
+          <p:nvSpPr>
+            <p:cNvPr id="9" name="TextBox 8">
+              <a:extLst>
+                <a:ext uri="{FF2B5EF4-FFF2-40B4-BE49-F238E27FC236}">
+                  <a16:creationId xmlns:a16="http://schemas.microsoft.com/office/drawing/2014/main" id="{3B863AA9-495E-4761-8D3B-5CC34C492932}"/>
+                </a:ext>
+              </a:extLst>
+            </p:cNvPr>
+            <p:cNvSpPr txBox="1"/>
+            <p:nvPr/>
+          </p:nvSpPr>
+          <p:spPr>
+            <a:xfrm>
+              <a:off x="8143875" y="5388104"/>
+              <a:ext cx="3219450" cy="246221"/>
+            </a:xfrm>
+            <a:prstGeom prst="rect">
+              <a:avLst/>
+            </a:prstGeom>
+            <a:noFill/>
+          </p:spPr>
+          <p:txBody>
+            <a:bodyPr wrap="square" rtlCol="0">
+              <a:spAutoFit/>
+            </a:bodyPr>
+            <a:lstStyle/>
+            <a:p>
+              <a:pPr algn="ctr"/>
+              <a:r>
+                <a:rPr lang="en-GB" sz="1000" dirty="0"/>
+                <a:t>Altered model used in the ZEUS System</a:t>
+              </a:r>
+            </a:p>
+          </p:txBody>
+        </p:sp>
+      </p:grpSp>
+    </p:spTree>
+    <p:extLst>
+      <p:ext uri="{BB962C8B-B14F-4D97-AF65-F5344CB8AC3E}">
+        <p14:creationId xmlns:p14="http://schemas.microsoft.com/office/powerpoint/2010/main" val="2005877010"/>
       </p:ext>
     </p:extLst>
   </p:cSld>

--- a/Documentation/ZEUS Presentation.pptx
+++ b/Documentation/ZEUS Presentation.pptx
@@ -6,7 +6,7 @@
     <p:sldMasterId id="2147483663" r:id="rId2"/>
   </p:sldMasterIdLst>
   <p:notesMasterIdLst>
-    <p:notesMasterId r:id="rId17"/>
+    <p:notesMasterId r:id="rId19"/>
   </p:notesMasterIdLst>
   <p:sldIdLst>
     <p:sldId id="256" r:id="rId3"/>
@@ -20,9 +20,11 @@
     <p:sldId id="267" r:id="rId11"/>
     <p:sldId id="265" r:id="rId12"/>
     <p:sldId id="266" r:id="rId13"/>
-    <p:sldId id="268" r:id="rId14"/>
-    <p:sldId id="269" r:id="rId15"/>
-    <p:sldId id="270" r:id="rId16"/>
+    <p:sldId id="271" r:id="rId14"/>
+    <p:sldId id="272" r:id="rId15"/>
+    <p:sldId id="268" r:id="rId16"/>
+    <p:sldId id="269" r:id="rId17"/>
+    <p:sldId id="270" r:id="rId18"/>
   </p:sldIdLst>
   <p:sldSz cx="12192000" cy="6858000"/>
   <p:notesSz cx="6858000" cy="9144000"/>
@@ -211,7 +213,7 @@
           <a:p>
             <a:fld id="{8EA2BE57-CCDD-4F73-9E76-5388938125C5}" type="datetimeFigureOut">
               <a:rPr lang="en-GB" smtClean="0"/>
-              <a:t>17/04/2018</a:t>
+              <a:t>18/04/2018</a:t>
             </a:fld>
             <a:endParaRPr lang="en-GB"/>
           </a:p>
@@ -883,7 +885,7 @@
           <a:p>
             <a:fld id="{3EEEED0C-8388-4B3A-AFE2-92CF7B84689C}" type="datetimeFigureOut">
               <a:rPr lang="en-GB" smtClean="0"/>
-              <a:t>17/04/2018</a:t>
+              <a:t>18/04/2018</a:t>
             </a:fld>
             <a:endParaRPr lang="en-GB"/>
           </a:p>
@@ -1172,7 +1174,7 @@
           <a:p>
             <a:fld id="{15EF62BA-89F7-4AEF-9B54-5BB470E2DCC6}" type="datetimeFigureOut">
               <a:rPr lang="en-GB" smtClean="0"/>
-              <a:t>17/04/2018</a:t>
+              <a:t>18/04/2018</a:t>
             </a:fld>
             <a:endParaRPr lang="en-GB"/>
           </a:p>
@@ -1372,7 +1374,7 @@
           <a:p>
             <a:fld id="{15EF62BA-89F7-4AEF-9B54-5BB470E2DCC6}" type="datetimeFigureOut">
               <a:rPr lang="en-GB" smtClean="0"/>
-              <a:t>17/04/2018</a:t>
+              <a:t>18/04/2018</a:t>
             </a:fld>
             <a:endParaRPr lang="en-GB"/>
           </a:p>
@@ -1582,7 +1584,7 @@
           <a:p>
             <a:fld id="{15EF62BA-89F7-4AEF-9B54-5BB470E2DCC6}" type="datetimeFigureOut">
               <a:rPr lang="en-GB" smtClean="0"/>
-              <a:t>17/04/2018</a:t>
+              <a:t>18/04/2018</a:t>
             </a:fld>
             <a:endParaRPr lang="en-GB"/>
           </a:p>
@@ -1804,7 +1806,7 @@
           <a:p>
             <a:fld id="{15EF62BA-89F7-4AEF-9B54-5BB470E2DCC6}" type="datetimeFigureOut">
               <a:rPr lang="en-GB" smtClean="0"/>
-              <a:t>17/04/2018</a:t>
+              <a:t>18/04/2018</a:t>
             </a:fld>
             <a:endParaRPr lang="en-GB"/>
           </a:p>
@@ -2004,7 +2006,7 @@
           <a:p>
             <a:fld id="{15EF62BA-89F7-4AEF-9B54-5BB470E2DCC6}" type="datetimeFigureOut">
               <a:rPr lang="en-GB" smtClean="0"/>
-              <a:t>17/04/2018</a:t>
+              <a:t>18/04/2018</a:t>
             </a:fld>
             <a:endParaRPr lang="en-GB"/>
           </a:p>
@@ -2280,7 +2282,7 @@
           <a:p>
             <a:fld id="{15EF62BA-89F7-4AEF-9B54-5BB470E2DCC6}" type="datetimeFigureOut">
               <a:rPr lang="en-GB" smtClean="0"/>
-              <a:t>17/04/2018</a:t>
+              <a:t>18/04/2018</a:t>
             </a:fld>
             <a:endParaRPr lang="en-GB"/>
           </a:p>
@@ -2548,7 +2550,7 @@
           <a:p>
             <a:fld id="{15EF62BA-89F7-4AEF-9B54-5BB470E2DCC6}" type="datetimeFigureOut">
               <a:rPr lang="en-GB" smtClean="0"/>
-              <a:t>17/04/2018</a:t>
+              <a:t>18/04/2018</a:t>
             </a:fld>
             <a:endParaRPr lang="en-GB"/>
           </a:p>
@@ -2963,7 +2965,7 @@
           <a:p>
             <a:fld id="{15EF62BA-89F7-4AEF-9B54-5BB470E2DCC6}" type="datetimeFigureOut">
               <a:rPr lang="en-GB" smtClean="0"/>
-              <a:t>17/04/2018</a:t>
+              <a:t>18/04/2018</a:t>
             </a:fld>
             <a:endParaRPr lang="en-GB"/>
           </a:p>
@@ -3105,7 +3107,7 @@
           <a:p>
             <a:fld id="{15EF62BA-89F7-4AEF-9B54-5BB470E2DCC6}" type="datetimeFigureOut">
               <a:rPr lang="en-GB" smtClean="0"/>
-              <a:t>17/04/2018</a:t>
+              <a:t>18/04/2018</a:t>
             </a:fld>
             <a:endParaRPr lang="en-GB"/>
           </a:p>
@@ -3218,7 +3220,7 @@
           <a:p>
             <a:fld id="{15EF62BA-89F7-4AEF-9B54-5BB470E2DCC6}" type="datetimeFigureOut">
               <a:rPr lang="en-GB" smtClean="0"/>
-              <a:t>17/04/2018</a:t>
+              <a:t>18/04/2018</a:t>
             </a:fld>
             <a:endParaRPr lang="en-GB"/>
           </a:p>
@@ -3531,7 +3533,7 @@
           <a:p>
             <a:fld id="{15EF62BA-89F7-4AEF-9B54-5BB470E2DCC6}" type="datetimeFigureOut">
               <a:rPr lang="en-GB" smtClean="0"/>
-              <a:t>17/04/2018</a:t>
+              <a:t>18/04/2018</a:t>
             </a:fld>
             <a:endParaRPr lang="en-GB"/>
           </a:p>
@@ -3667,7 +3669,7 @@
           <a:p>
             <a:fld id="{37EB0E46-E80E-48D9-AB78-B258CCB95DD8}" type="datetimeFigureOut">
               <a:rPr lang="en-GB" smtClean="0"/>
-              <a:t>17/04/2018</a:t>
+              <a:t>18/04/2018</a:t>
             </a:fld>
             <a:endParaRPr lang="en-GB"/>
           </a:p>
@@ -4263,7 +4265,7 @@
           <a:p>
             <a:fld id="{15EF62BA-89F7-4AEF-9B54-5BB470E2DCC6}" type="datetimeFigureOut">
               <a:rPr lang="en-GB" smtClean="0"/>
-              <a:t>17/04/2018</a:t>
+              <a:t>18/04/2018</a:t>
             </a:fld>
             <a:endParaRPr lang="en-GB"/>
           </a:p>
@@ -5236,7 +5238,7 @@
           <p:cNvPr id="2" name="Title 1">
             <a:extLst>
               <a:ext uri="{FF2B5EF4-FFF2-40B4-BE49-F238E27FC236}">
-                <a16:creationId xmlns:a16="http://schemas.microsoft.com/office/drawing/2014/main" id="{9E794139-7A80-42D5-A2F1-2900734EF238}"/>
+                <a16:creationId xmlns:a16="http://schemas.microsoft.com/office/drawing/2014/main" id="{1DB825EA-B889-46A0-9D4A-4C43A4FC22B7}"/>
               </a:ext>
             </a:extLst>
           </p:cNvPr>
@@ -5254,7 +5256,7 @@
           <a:p>
             <a:r>
               <a:rPr lang="en-GB" dirty="0"/>
-              <a:t>Evaluation</a:t>
+              <a:t>Scenario Creator</a:t>
             </a:r>
           </a:p>
         </p:txBody>
@@ -5264,7 +5266,7 @@
           <p:cNvPr id="3" name="Content Placeholder 2">
             <a:extLst>
               <a:ext uri="{FF2B5EF4-FFF2-40B4-BE49-F238E27FC236}">
-                <a16:creationId xmlns:a16="http://schemas.microsoft.com/office/drawing/2014/main" id="{B4555252-DB6C-40E4-96B8-6485C7ECBB8D}"/>
+                <a16:creationId xmlns:a16="http://schemas.microsoft.com/office/drawing/2014/main" id="{92EDF492-AABC-4C03-A739-3DFAD6FEFE71}"/>
               </a:ext>
             </a:extLst>
           </p:cNvPr>
@@ -5275,19 +5277,133 @@
             <p:ph idx="1"/>
           </p:nvPr>
         </p:nvSpPr>
-        <p:spPr/>
-        <p:txBody>
-          <a:bodyPr/>
-          <a:lstStyle/>
-          <a:p>
-            <a:endParaRPr lang="en-GB" dirty="0"/>
-          </a:p>
-        </p:txBody>
-      </p:sp>
+        <p:spPr>
+          <a:xfrm>
+            <a:off x="838200" y="1825625"/>
+            <a:ext cx="5257800" cy="4351338"/>
+          </a:xfrm>
+        </p:spPr>
+        <p:txBody>
+          <a:bodyPr>
+            <a:normAutofit/>
+          </a:bodyPr>
+          <a:lstStyle/>
+          <a:p>
+            <a:pPr marL="0" indent="0">
+              <a:buNone/>
+            </a:pPr>
+            <a:r>
+              <a:rPr lang="en-GB" sz="2000" dirty="0"/>
+              <a:t>Used to create new maps (scenarios) that the simulator runs on.</a:t>
+            </a:r>
+          </a:p>
+          <a:p>
+            <a:pPr marL="0" indent="0">
+              <a:buNone/>
+            </a:pPr>
+            <a:endParaRPr lang="en-GB" sz="2000" dirty="0"/>
+          </a:p>
+          <a:p>
+            <a:pPr marL="0" indent="0">
+              <a:buNone/>
+            </a:pPr>
+            <a:r>
+              <a:rPr lang="en-GB" sz="2000" dirty="0"/>
+              <a:t>Scenarios can also be coded via text, but scenario creator is useful for standardising the scenario files</a:t>
+            </a:r>
+          </a:p>
+        </p:txBody>
+      </p:sp>
+      <p:grpSp>
+        <p:nvGrpSpPr>
+          <p:cNvPr id="4" name="Group 3">
+            <a:extLst>
+              <a:ext uri="{FF2B5EF4-FFF2-40B4-BE49-F238E27FC236}">
+                <a16:creationId xmlns:a16="http://schemas.microsoft.com/office/drawing/2014/main" id="{73440B0A-250A-4EF7-B8E4-D53887BA43A4}"/>
+              </a:ext>
+            </a:extLst>
+          </p:cNvPr>
+          <p:cNvGrpSpPr/>
+          <p:nvPr/>
+        </p:nvGrpSpPr>
+        <p:grpSpPr>
+          <a:xfrm>
+            <a:off x="7315200" y="2621617"/>
+            <a:ext cx="4038600" cy="2759354"/>
+            <a:chOff x="6881812" y="3429000"/>
+            <a:chExt cx="4038600" cy="2759354"/>
+          </a:xfrm>
+        </p:grpSpPr>
+        <p:pic>
+          <p:nvPicPr>
+            <p:cNvPr id="5" name="Picture 4">
+              <a:extLst>
+                <a:ext uri="{FF2B5EF4-FFF2-40B4-BE49-F238E27FC236}">
+                  <a16:creationId xmlns:a16="http://schemas.microsoft.com/office/drawing/2014/main" id="{C60D2C10-C296-4763-A5F1-97585648FDF0}"/>
+                </a:ext>
+              </a:extLst>
+            </p:cNvPr>
+            <p:cNvPicPr>
+              <a:picLocks noChangeAspect="1"/>
+            </p:cNvPicPr>
+            <p:nvPr/>
+          </p:nvPicPr>
+          <p:blipFill>
+            <a:blip r:embed="rId2"/>
+            <a:stretch>
+              <a:fillRect/>
+            </a:stretch>
+          </p:blipFill>
+          <p:spPr>
+            <a:xfrm>
+              <a:off x="6881812" y="3429000"/>
+              <a:ext cx="4038600" cy="2210713"/>
+            </a:xfrm>
+            <a:prstGeom prst="rect">
+              <a:avLst/>
+            </a:prstGeom>
+          </p:spPr>
+        </p:pic>
+        <p:sp>
+          <p:nvSpPr>
+            <p:cNvPr id="6" name="TextBox 5">
+              <a:extLst>
+                <a:ext uri="{FF2B5EF4-FFF2-40B4-BE49-F238E27FC236}">
+                  <a16:creationId xmlns:a16="http://schemas.microsoft.com/office/drawing/2014/main" id="{CEDABD45-8C19-434E-9157-BC85B009206D}"/>
+                </a:ext>
+              </a:extLst>
+            </p:cNvPr>
+            <p:cNvSpPr txBox="1"/>
+            <p:nvPr/>
+          </p:nvSpPr>
+          <p:spPr>
+            <a:xfrm>
+              <a:off x="8089608" y="5819022"/>
+              <a:ext cx="1745029" cy="369332"/>
+            </a:xfrm>
+            <a:prstGeom prst="rect">
+              <a:avLst/>
+            </a:prstGeom>
+            <a:noFill/>
+          </p:spPr>
+          <p:txBody>
+            <a:bodyPr wrap="none" rtlCol="0">
+              <a:spAutoFit/>
+            </a:bodyPr>
+            <a:lstStyle/>
+            <a:p>
+              <a:r>
+                <a:rPr lang="en-GB" dirty="0"/>
+                <a:t>Scenario Creator</a:t>
+              </a:r>
+            </a:p>
+          </p:txBody>
+        </p:sp>
+      </p:grpSp>
     </p:spTree>
     <p:extLst>
       <p:ext uri="{BB962C8B-B14F-4D97-AF65-F5344CB8AC3E}">
-        <p14:creationId xmlns:p14="http://schemas.microsoft.com/office/powerpoint/2010/main" val="3028840492"/>
+        <p14:creationId xmlns:p14="http://schemas.microsoft.com/office/powerpoint/2010/main" val="2929824774"/>
       </p:ext>
     </p:extLst>
   </p:cSld>
@@ -5319,6 +5435,337 @@
           <p:cNvPr id="2" name="Title 1">
             <a:extLst>
               <a:ext uri="{FF2B5EF4-FFF2-40B4-BE49-F238E27FC236}">
+                <a16:creationId xmlns:a16="http://schemas.microsoft.com/office/drawing/2014/main" id="{01AE4B86-8F64-4744-8553-F3E91DE52AAD}"/>
+              </a:ext>
+            </a:extLst>
+          </p:cNvPr>
+          <p:cNvSpPr>
+            <a:spLocks noGrp="1"/>
+          </p:cNvSpPr>
+          <p:nvPr>
+            <p:ph type="title"/>
+          </p:nvPr>
+        </p:nvSpPr>
+        <p:spPr/>
+        <p:txBody>
+          <a:bodyPr/>
+          <a:lstStyle/>
+          <a:p>
+            <a:r>
+              <a:rPr lang="en-GB" dirty="0"/>
+              <a:t>Simulator</a:t>
+            </a:r>
+          </a:p>
+        </p:txBody>
+      </p:sp>
+      <p:sp>
+        <p:nvSpPr>
+          <p:cNvPr id="3" name="Content Placeholder 2">
+            <a:extLst>
+              <a:ext uri="{FF2B5EF4-FFF2-40B4-BE49-F238E27FC236}">
+                <a16:creationId xmlns:a16="http://schemas.microsoft.com/office/drawing/2014/main" id="{A001C16C-E0CE-437D-9F69-6D0DD70C7BD7}"/>
+              </a:ext>
+            </a:extLst>
+          </p:cNvPr>
+          <p:cNvSpPr>
+            <a:spLocks noGrp="1"/>
+          </p:cNvSpPr>
+          <p:nvPr>
+            <p:ph idx="1"/>
+          </p:nvPr>
+        </p:nvSpPr>
+        <p:spPr>
+          <a:xfrm>
+            <a:off x="838200" y="1825625"/>
+            <a:ext cx="5257800" cy="4351338"/>
+          </a:xfrm>
+        </p:spPr>
+        <p:txBody>
+          <a:bodyPr>
+            <a:normAutofit/>
+          </a:bodyPr>
+          <a:lstStyle/>
+          <a:p>
+            <a:pPr marL="0" indent="0">
+              <a:buNone/>
+            </a:pPr>
+            <a:r>
+              <a:rPr lang="en-GB" sz="2000" dirty="0"/>
+              <a:t>The main part of the ZEUS System</a:t>
+            </a:r>
+          </a:p>
+          <a:p>
+            <a:pPr marL="0" indent="0">
+              <a:buNone/>
+            </a:pPr>
+            <a:endParaRPr lang="en-GB" sz="2000" dirty="0"/>
+          </a:p>
+          <a:p>
+            <a:pPr marL="0" indent="0">
+              <a:buNone/>
+            </a:pPr>
+            <a:r>
+              <a:rPr lang="en-GB" sz="2000" dirty="0"/>
+              <a:t>The software that runs the simulations.</a:t>
+            </a:r>
+          </a:p>
+          <a:p>
+            <a:pPr marL="0" indent="0">
+              <a:buNone/>
+            </a:pPr>
+            <a:endParaRPr lang="en-GB" sz="2000" dirty="0"/>
+          </a:p>
+          <a:p>
+            <a:pPr marL="0" indent="0">
+              <a:buNone/>
+            </a:pPr>
+            <a:r>
+              <a:rPr lang="en-GB" sz="2000" dirty="0"/>
+              <a:t>Allows users to edit simulation values and then run simulations</a:t>
+            </a:r>
+          </a:p>
+        </p:txBody>
+      </p:sp>
+      <p:grpSp>
+        <p:nvGrpSpPr>
+          <p:cNvPr id="4" name="Group 3">
+            <a:extLst>
+              <a:ext uri="{FF2B5EF4-FFF2-40B4-BE49-F238E27FC236}">
+                <a16:creationId xmlns:a16="http://schemas.microsoft.com/office/drawing/2014/main" id="{FBA697E4-AB97-4B1D-A6ED-F3DE399AA0D3}"/>
+              </a:ext>
+            </a:extLst>
+          </p:cNvPr>
+          <p:cNvGrpSpPr/>
+          <p:nvPr/>
+        </p:nvGrpSpPr>
+        <p:grpSpPr>
+          <a:xfrm>
+            <a:off x="7858125" y="2694185"/>
+            <a:ext cx="4038600" cy="2614218"/>
+            <a:chOff x="838200" y="3574136"/>
+            <a:chExt cx="4038600" cy="2614218"/>
+          </a:xfrm>
+        </p:grpSpPr>
+        <p:pic>
+          <p:nvPicPr>
+            <p:cNvPr id="5" name="Picture 4">
+              <a:extLst>
+                <a:ext uri="{FF2B5EF4-FFF2-40B4-BE49-F238E27FC236}">
+                  <a16:creationId xmlns:a16="http://schemas.microsoft.com/office/drawing/2014/main" id="{CE21F76E-6B37-4474-B35B-61974A51A868}"/>
+                </a:ext>
+              </a:extLst>
+            </p:cNvPr>
+            <p:cNvPicPr>
+              <a:picLocks noChangeAspect="1"/>
+            </p:cNvPicPr>
+            <p:nvPr/>
+          </p:nvPicPr>
+          <p:blipFill>
+            <a:blip r:embed="rId2"/>
+            <a:stretch>
+              <a:fillRect/>
+            </a:stretch>
+          </p:blipFill>
+          <p:spPr>
+            <a:xfrm>
+              <a:off x="838200" y="3574136"/>
+              <a:ext cx="4038600" cy="2210713"/>
+            </a:xfrm>
+            <a:prstGeom prst="rect">
+              <a:avLst/>
+            </a:prstGeom>
+          </p:spPr>
+        </p:pic>
+        <p:sp>
+          <p:nvSpPr>
+            <p:cNvPr id="6" name="TextBox 5">
+              <a:extLst>
+                <a:ext uri="{FF2B5EF4-FFF2-40B4-BE49-F238E27FC236}">
+                  <a16:creationId xmlns:a16="http://schemas.microsoft.com/office/drawing/2014/main" id="{FAA8B015-C680-41B9-928F-283AB24F2ACD}"/>
+                </a:ext>
+              </a:extLst>
+            </p:cNvPr>
+            <p:cNvSpPr txBox="1"/>
+            <p:nvPr/>
+          </p:nvSpPr>
+          <p:spPr>
+            <a:xfrm>
+              <a:off x="2045996" y="5819022"/>
+              <a:ext cx="1623008" cy="369332"/>
+            </a:xfrm>
+            <a:prstGeom prst="rect">
+              <a:avLst/>
+            </a:prstGeom>
+            <a:noFill/>
+          </p:spPr>
+          <p:txBody>
+            <a:bodyPr wrap="none" rtlCol="0">
+              <a:spAutoFit/>
+            </a:bodyPr>
+            <a:lstStyle/>
+            <a:p>
+              <a:r>
+                <a:rPr lang="en-GB" dirty="0"/>
+                <a:t>Main Simulator</a:t>
+              </a:r>
+            </a:p>
+          </p:txBody>
+        </p:sp>
+      </p:grpSp>
+    </p:spTree>
+    <p:extLst>
+      <p:ext uri="{BB962C8B-B14F-4D97-AF65-F5344CB8AC3E}">
+        <p14:creationId xmlns:p14="http://schemas.microsoft.com/office/powerpoint/2010/main" val="3430961789"/>
+      </p:ext>
+    </p:extLst>
+  </p:cSld>
+  <p:clrMapOvr>
+    <a:masterClrMapping/>
+  </p:clrMapOvr>
+</p:sld>
+</file>
+
+<file path=ppt/slides/slide14.xml><?xml version="1.0" encoding="utf-8"?>
+<p:sld xmlns:a="http://schemas.openxmlformats.org/drawingml/2006/main" xmlns:r="http://schemas.openxmlformats.org/officeDocument/2006/relationships" xmlns:p="http://schemas.openxmlformats.org/presentationml/2006/main">
+  <p:cSld>
+    <p:spTree>
+      <p:nvGrpSpPr>
+        <p:cNvPr id="1" name=""/>
+        <p:cNvGrpSpPr/>
+        <p:nvPr/>
+      </p:nvGrpSpPr>
+      <p:grpSpPr>
+        <a:xfrm>
+          <a:off x="0" y="0"/>
+          <a:ext cx="0" cy="0"/>
+          <a:chOff x="0" y="0"/>
+          <a:chExt cx="0" cy="0"/>
+        </a:xfrm>
+      </p:grpSpPr>
+      <p:sp>
+        <p:nvSpPr>
+          <p:cNvPr id="2" name="Title 1">
+            <a:extLst>
+              <a:ext uri="{FF2B5EF4-FFF2-40B4-BE49-F238E27FC236}">
+                <a16:creationId xmlns:a16="http://schemas.microsoft.com/office/drawing/2014/main" id="{9E794139-7A80-42D5-A2F1-2900734EF238}"/>
+              </a:ext>
+            </a:extLst>
+          </p:cNvPr>
+          <p:cNvSpPr>
+            <a:spLocks noGrp="1"/>
+          </p:cNvSpPr>
+          <p:nvPr>
+            <p:ph type="title"/>
+          </p:nvPr>
+        </p:nvSpPr>
+        <p:spPr/>
+        <p:txBody>
+          <a:bodyPr/>
+          <a:lstStyle/>
+          <a:p>
+            <a:r>
+              <a:rPr lang="en-GB" dirty="0"/>
+              <a:t>Evaluation</a:t>
+            </a:r>
+          </a:p>
+        </p:txBody>
+      </p:sp>
+      <p:sp>
+        <p:nvSpPr>
+          <p:cNvPr id="3" name="Content Placeholder 2">
+            <a:extLst>
+              <a:ext uri="{FF2B5EF4-FFF2-40B4-BE49-F238E27FC236}">
+                <a16:creationId xmlns:a16="http://schemas.microsoft.com/office/drawing/2014/main" id="{B4555252-DB6C-40E4-96B8-6485C7ECBB8D}"/>
+              </a:ext>
+            </a:extLst>
+          </p:cNvPr>
+          <p:cNvSpPr>
+            <a:spLocks noGrp="1"/>
+          </p:cNvSpPr>
+          <p:nvPr>
+            <p:ph idx="1"/>
+          </p:nvPr>
+        </p:nvSpPr>
+        <p:spPr/>
+        <p:txBody>
+          <a:bodyPr/>
+          <a:lstStyle/>
+          <a:p>
+            <a:r>
+              <a:rPr lang="en-GB" dirty="0"/>
+              <a:t>ZEUS System is not too complex and easy to use</a:t>
+            </a:r>
+          </a:p>
+          <a:p>
+            <a:r>
+              <a:rPr lang="en-GB" dirty="0"/>
+              <a:t>Simulations are semi-realistic</a:t>
+            </a:r>
+          </a:p>
+          <a:p>
+            <a:r>
+              <a:rPr lang="en-GB" dirty="0"/>
+              <a:t>Allows for more customisations by letting users create scenarios</a:t>
+            </a:r>
+          </a:p>
+          <a:p>
+            <a:r>
+              <a:rPr lang="en-GB" dirty="0"/>
+              <a:t>2 software in the ZEUS System have different levels of complexity</a:t>
+            </a:r>
+          </a:p>
+          <a:p>
+            <a:r>
+              <a:rPr lang="en-GB" dirty="0"/>
+              <a:t>Simulator is easy to use</a:t>
+            </a:r>
+          </a:p>
+          <a:p>
+            <a:r>
+              <a:rPr lang="en-GB" dirty="0"/>
+              <a:t>Scenario Creator is a little more complex</a:t>
+            </a:r>
+          </a:p>
+          <a:p>
+            <a:endParaRPr lang="en-GB" dirty="0"/>
+          </a:p>
+        </p:txBody>
+      </p:sp>
+    </p:spTree>
+    <p:extLst>
+      <p:ext uri="{BB962C8B-B14F-4D97-AF65-F5344CB8AC3E}">
+        <p14:creationId xmlns:p14="http://schemas.microsoft.com/office/powerpoint/2010/main" val="3028840492"/>
+      </p:ext>
+    </p:extLst>
+  </p:cSld>
+  <p:clrMapOvr>
+    <a:masterClrMapping/>
+  </p:clrMapOvr>
+</p:sld>
+</file>
+
+<file path=ppt/slides/slide15.xml><?xml version="1.0" encoding="utf-8"?>
+<p:sld xmlns:a="http://schemas.openxmlformats.org/drawingml/2006/main" xmlns:r="http://schemas.openxmlformats.org/officeDocument/2006/relationships" xmlns:p="http://schemas.openxmlformats.org/presentationml/2006/main">
+  <p:cSld>
+    <p:spTree>
+      <p:nvGrpSpPr>
+        <p:cNvPr id="1" name=""/>
+        <p:cNvGrpSpPr/>
+        <p:nvPr/>
+      </p:nvGrpSpPr>
+      <p:grpSpPr>
+        <a:xfrm>
+          <a:off x="0" y="0"/>
+          <a:ext cx="0" cy="0"/>
+          <a:chOff x="0" y="0"/>
+          <a:chExt cx="0" cy="0"/>
+        </a:xfrm>
+      </p:grpSpPr>
+      <p:sp>
+        <p:nvSpPr>
+          <p:cNvPr id="2" name="Title 1">
+            <a:extLst>
+              <a:ext uri="{FF2B5EF4-FFF2-40B4-BE49-F238E27FC236}">
                 <a16:creationId xmlns:a16="http://schemas.microsoft.com/office/drawing/2014/main" id="{ADD16F08-9770-4768-920F-041EA7AD7E44}"/>
               </a:ext>
             </a:extLst>
@@ -5363,7 +5810,30 @@
           <a:bodyPr/>
           <a:lstStyle/>
           <a:p>
-            <a:endParaRPr lang="en-GB"/>
+            <a:r>
+              <a:rPr lang="en-GB" dirty="0"/>
+              <a:t>Some bugs need to be fixed</a:t>
+            </a:r>
+          </a:p>
+          <a:p>
+            <a:r>
+              <a:rPr lang="en-GB" dirty="0"/>
+              <a:t>Improve the visualisation so the infected countries are a different colour</a:t>
+            </a:r>
+          </a:p>
+          <a:p>
+            <a:r>
+              <a:rPr lang="en-GB" dirty="0"/>
+              <a:t>Show more data on the sidebar – does not show the values of all countries i.e. amount of people infected in the </a:t>
+            </a:r>
+            <a:r>
+              <a:rPr lang="en-GB"/>
+              <a:t>entire world</a:t>
+            </a:r>
+            <a:endParaRPr lang="en-GB" dirty="0"/>
+          </a:p>
+          <a:p>
+            <a:endParaRPr lang="en-GB" dirty="0"/>
           </a:p>
         </p:txBody>
       </p:sp>
@@ -5380,7 +5850,7 @@
 </p:sld>
 </file>
 
-<file path=ppt/slides/slide14.xml><?xml version="1.0" encoding="utf-8"?>
+<file path=ppt/slides/slide16.xml><?xml version="1.0" encoding="utf-8"?>
 <p:sld xmlns:a="http://schemas.openxmlformats.org/drawingml/2006/main" xmlns:r="http://schemas.openxmlformats.org/officeDocument/2006/relationships" xmlns:p="http://schemas.openxmlformats.org/presentationml/2006/main">
   <p:cSld>
     <p:spTree>
